--- a/Unit 2.pptx
+++ b/Unit 2.pptx
@@ -4,6 +4,9 @@
   <p:sldMasterIdLst>
     <p:sldMasterId id="2147483660" r:id="rId1"/>
   </p:sldMasterIdLst>
+  <p:notesMasterIdLst>
+    <p:notesMasterId r:id="rId32"/>
+  </p:notesMasterIdLst>
   <p:sldIdLst>
     <p:sldId id="256" r:id="rId2"/>
     <p:sldId id="257" r:id="rId3"/>
@@ -17,6 +20,24 @@
     <p:sldId id="268" r:id="rId11"/>
     <p:sldId id="269" r:id="rId12"/>
     <p:sldId id="265" r:id="rId13"/>
+    <p:sldId id="270" r:id="rId14"/>
+    <p:sldId id="271" r:id="rId15"/>
+    <p:sldId id="272" r:id="rId16"/>
+    <p:sldId id="273" r:id="rId17"/>
+    <p:sldId id="274" r:id="rId18"/>
+    <p:sldId id="275" r:id="rId19"/>
+    <p:sldId id="276" r:id="rId20"/>
+    <p:sldId id="277" r:id="rId21"/>
+    <p:sldId id="278" r:id="rId22"/>
+    <p:sldId id="279" r:id="rId23"/>
+    <p:sldId id="280" r:id="rId24"/>
+    <p:sldId id="281" r:id="rId25"/>
+    <p:sldId id="282" r:id="rId26"/>
+    <p:sldId id="283" r:id="rId27"/>
+    <p:sldId id="284" r:id="rId28"/>
+    <p:sldId id="285" r:id="rId29"/>
+    <p:sldId id="286" r:id="rId30"/>
+    <p:sldId id="287" r:id="rId31"/>
   </p:sldIdLst>
   <p:sldSz cx="12192000" cy="6858000"/>
   <p:notesSz cx="6858000" cy="9144000"/>
@@ -115,7 +136,2532 @@
       </a:defRPr>
     </a:lvl9pPr>
   </p:defaultTextStyle>
+  <p:extLst>
+    <p:ext uri="{EFAFB233-063F-42B5-8137-9DF3F51BA10A}">
+      <p15:sldGuideLst xmlns:p15="http://schemas.microsoft.com/office/powerpoint/2012/main"/>
+    </p:ext>
+  </p:extLst>
 </p:presentation>
+</file>
+
+<file path=ppt/commentAuthors.xml><?xml version="1.0" encoding="utf-8"?>
+<p:cmAuthorLst xmlns:a="http://schemas.openxmlformats.org/drawingml/2006/main" xmlns:r="http://schemas.openxmlformats.org/officeDocument/2006/relationships" xmlns:p="http://schemas.openxmlformats.org/presentationml/2006/main">
+  <p:cmAuthor id="1" name="Natabar Khatri" initials="NK" lastIdx="1" clrIdx="0">
+    <p:extLst>
+      <p:ext uri="{19B8F6BF-5375-455C-9EA6-DF929625EA0E}">
+        <p15:presenceInfo xmlns:p15="http://schemas.microsoft.com/office/powerpoint/2012/main" userId="e95e786e96651ab4" providerId="Windows Live"/>
+      </p:ext>
+    </p:extLst>
+  </p:cmAuthor>
+</p:cmAuthorLst>
+</file>
+
+<file path=ppt/notesMasters/notesMaster1.xml><?xml version="1.0" encoding="utf-8"?>
+<p:notesMaster xmlns:a="http://schemas.openxmlformats.org/drawingml/2006/main" xmlns:r="http://schemas.openxmlformats.org/officeDocument/2006/relationships" xmlns:p="http://schemas.openxmlformats.org/presentationml/2006/main">
+  <p:cSld>
+    <p:bg>
+      <p:bgRef idx="1001">
+        <a:schemeClr val="bg1"/>
+      </p:bgRef>
+    </p:bg>
+    <p:spTree>
+      <p:nvGrpSpPr>
+        <p:cNvPr id="1" name=""/>
+        <p:cNvGrpSpPr/>
+        <p:nvPr/>
+      </p:nvGrpSpPr>
+      <p:grpSpPr>
+        <a:xfrm>
+          <a:off x="0" y="0"/>
+          <a:ext cx="0" cy="0"/>
+          <a:chOff x="0" y="0"/>
+          <a:chExt cx="0" cy="0"/>
+        </a:xfrm>
+      </p:grpSpPr>
+      <p:sp>
+        <p:nvSpPr>
+          <p:cNvPr id="2" name="Header Placeholder 1"/>
+          <p:cNvSpPr>
+            <a:spLocks noGrp="1"/>
+          </p:cNvSpPr>
+          <p:nvPr>
+            <p:ph type="hdr" sz="quarter"/>
+          </p:nvPr>
+        </p:nvSpPr>
+        <p:spPr>
+          <a:xfrm>
+            <a:off x="0" y="0"/>
+            <a:ext cx="2971800" cy="458788"/>
+          </a:xfrm>
+          <a:prstGeom prst="rect">
+            <a:avLst/>
+          </a:prstGeom>
+        </p:spPr>
+        <p:txBody>
+          <a:bodyPr vert="horz" lIns="91440" tIns="45720" rIns="91440" bIns="45720" rtlCol="0"/>
+          <a:lstStyle>
+            <a:lvl1pPr algn="l">
+              <a:defRPr sz="1200"/>
+            </a:lvl1pPr>
+          </a:lstStyle>
+          <a:p>
+            <a:endParaRPr lang="en-US"/>
+          </a:p>
+        </p:txBody>
+      </p:sp>
+      <p:sp>
+        <p:nvSpPr>
+          <p:cNvPr id="3" name="Date Placeholder 2"/>
+          <p:cNvSpPr>
+            <a:spLocks noGrp="1"/>
+          </p:cNvSpPr>
+          <p:nvPr>
+            <p:ph type="dt" idx="1"/>
+          </p:nvPr>
+        </p:nvSpPr>
+        <p:spPr>
+          <a:xfrm>
+            <a:off x="3884613" y="0"/>
+            <a:ext cx="2971800" cy="458788"/>
+          </a:xfrm>
+          <a:prstGeom prst="rect">
+            <a:avLst/>
+          </a:prstGeom>
+        </p:spPr>
+        <p:txBody>
+          <a:bodyPr vert="horz" lIns="91440" tIns="45720" rIns="91440" bIns="45720" rtlCol="0"/>
+          <a:lstStyle>
+            <a:lvl1pPr algn="r">
+              <a:defRPr sz="1200"/>
+            </a:lvl1pPr>
+          </a:lstStyle>
+          <a:p>
+            <a:fld id="{B72BC495-FDB0-4471-B1FB-59116C3B654F}" type="datetimeFigureOut">
+              <a:rPr lang="en-US" smtClean="0"/>
+              <a:t>7/2/2025</a:t>
+            </a:fld>
+            <a:endParaRPr lang="en-US"/>
+          </a:p>
+        </p:txBody>
+      </p:sp>
+      <p:sp>
+        <p:nvSpPr>
+          <p:cNvPr id="4" name="Slide Image Placeholder 3"/>
+          <p:cNvSpPr>
+            <a:spLocks noGrp="1" noRot="1" noChangeAspect="1"/>
+          </p:cNvSpPr>
+          <p:nvPr>
+            <p:ph type="sldImg" idx="2"/>
+          </p:nvPr>
+        </p:nvSpPr>
+        <p:spPr>
+          <a:xfrm>
+            <a:off x="685800" y="1143000"/>
+            <a:ext cx="5486400" cy="3086100"/>
+          </a:xfrm>
+          <a:prstGeom prst="rect">
+            <a:avLst/>
+          </a:prstGeom>
+          <a:noFill/>
+          <a:ln w="12700">
+            <a:solidFill>
+              <a:prstClr val="black"/>
+            </a:solidFill>
+          </a:ln>
+        </p:spPr>
+        <p:txBody>
+          <a:bodyPr vert="horz" lIns="91440" tIns="45720" rIns="91440" bIns="45720" rtlCol="0" anchor="ctr"/>
+          <a:lstStyle/>
+          <a:p>
+            <a:endParaRPr lang="en-US"/>
+          </a:p>
+        </p:txBody>
+      </p:sp>
+      <p:sp>
+        <p:nvSpPr>
+          <p:cNvPr id="5" name="Notes Placeholder 4"/>
+          <p:cNvSpPr>
+            <a:spLocks noGrp="1"/>
+          </p:cNvSpPr>
+          <p:nvPr>
+            <p:ph type="body" sz="quarter" idx="3"/>
+          </p:nvPr>
+        </p:nvSpPr>
+        <p:spPr>
+          <a:xfrm>
+            <a:off x="685800" y="4400550"/>
+            <a:ext cx="5486400" cy="3600450"/>
+          </a:xfrm>
+          <a:prstGeom prst="rect">
+            <a:avLst/>
+          </a:prstGeom>
+        </p:spPr>
+        <p:txBody>
+          <a:bodyPr vert="horz" lIns="91440" tIns="45720" rIns="91440" bIns="45720" rtlCol="0"/>
+          <a:lstStyle/>
+          <a:p>
+            <a:pPr lvl="0"/>
+            <a:r>
+              <a:rPr lang="en-US"/>
+              <a:t>Click to edit Master text styles</a:t>
+            </a:r>
+          </a:p>
+          <a:p>
+            <a:pPr lvl="1"/>
+            <a:r>
+              <a:rPr lang="en-US"/>
+              <a:t>Second level</a:t>
+            </a:r>
+          </a:p>
+          <a:p>
+            <a:pPr lvl="2"/>
+            <a:r>
+              <a:rPr lang="en-US"/>
+              <a:t>Third level</a:t>
+            </a:r>
+          </a:p>
+          <a:p>
+            <a:pPr lvl="3"/>
+            <a:r>
+              <a:rPr lang="en-US"/>
+              <a:t>Fourth level</a:t>
+            </a:r>
+          </a:p>
+          <a:p>
+            <a:pPr lvl="4"/>
+            <a:r>
+              <a:rPr lang="en-US"/>
+              <a:t>Fifth level</a:t>
+            </a:r>
+          </a:p>
+        </p:txBody>
+      </p:sp>
+      <p:sp>
+        <p:nvSpPr>
+          <p:cNvPr id="6" name="Footer Placeholder 5"/>
+          <p:cNvSpPr>
+            <a:spLocks noGrp="1"/>
+          </p:cNvSpPr>
+          <p:nvPr>
+            <p:ph type="ftr" sz="quarter" idx="4"/>
+          </p:nvPr>
+        </p:nvSpPr>
+        <p:spPr>
+          <a:xfrm>
+            <a:off x="0" y="8685213"/>
+            <a:ext cx="2971800" cy="458787"/>
+          </a:xfrm>
+          <a:prstGeom prst="rect">
+            <a:avLst/>
+          </a:prstGeom>
+        </p:spPr>
+        <p:txBody>
+          <a:bodyPr vert="horz" lIns="91440" tIns="45720" rIns="91440" bIns="45720" rtlCol="0" anchor="b"/>
+          <a:lstStyle>
+            <a:lvl1pPr algn="l">
+              <a:defRPr sz="1200"/>
+            </a:lvl1pPr>
+          </a:lstStyle>
+          <a:p>
+            <a:endParaRPr lang="en-US"/>
+          </a:p>
+        </p:txBody>
+      </p:sp>
+      <p:sp>
+        <p:nvSpPr>
+          <p:cNvPr id="7" name="Slide Number Placeholder 6"/>
+          <p:cNvSpPr>
+            <a:spLocks noGrp="1"/>
+          </p:cNvSpPr>
+          <p:nvPr>
+            <p:ph type="sldNum" sz="quarter" idx="5"/>
+          </p:nvPr>
+        </p:nvSpPr>
+        <p:spPr>
+          <a:xfrm>
+            <a:off x="3884613" y="8685213"/>
+            <a:ext cx="2971800" cy="458787"/>
+          </a:xfrm>
+          <a:prstGeom prst="rect">
+            <a:avLst/>
+          </a:prstGeom>
+        </p:spPr>
+        <p:txBody>
+          <a:bodyPr vert="horz" lIns="91440" tIns="45720" rIns="91440" bIns="45720" rtlCol="0" anchor="b"/>
+          <a:lstStyle>
+            <a:lvl1pPr algn="r">
+              <a:defRPr sz="1200"/>
+            </a:lvl1pPr>
+          </a:lstStyle>
+          <a:p>
+            <a:fld id="{B3E7AC08-7009-48DE-B720-1275489B98BF}" type="slidenum">
+              <a:rPr lang="en-US" smtClean="0"/>
+              <a:t>‹#›</a:t>
+            </a:fld>
+            <a:endParaRPr lang="en-US"/>
+          </a:p>
+        </p:txBody>
+      </p:sp>
+    </p:spTree>
+    <p:extLst>
+      <p:ext uri="{BB962C8B-B14F-4D97-AF65-F5344CB8AC3E}">
+        <p14:creationId xmlns:p14="http://schemas.microsoft.com/office/powerpoint/2010/main" val="837056610"/>
+      </p:ext>
+    </p:extLst>
+  </p:cSld>
+  <p:clrMap bg1="lt1" tx1="dk1" bg2="lt2" tx2="dk2" accent1="accent1" accent2="accent2" accent3="accent3" accent4="accent4" accent5="accent5" accent6="accent6" hlink="hlink" folHlink="folHlink"/>
+  <p:notesStyle>
+    <a:lvl1pPr marL="0" algn="l" defTabSz="914400" rtl="0" eaLnBrk="1" latinLnBrk="0" hangingPunct="1">
+      <a:defRPr sz="1200" kern="1200">
+        <a:solidFill>
+          <a:schemeClr val="tx1"/>
+        </a:solidFill>
+        <a:latin typeface="+mn-lt"/>
+        <a:ea typeface="+mn-ea"/>
+        <a:cs typeface="+mn-cs"/>
+      </a:defRPr>
+    </a:lvl1pPr>
+    <a:lvl2pPr marL="457200" algn="l" defTabSz="914400" rtl="0" eaLnBrk="1" latinLnBrk="0" hangingPunct="1">
+      <a:defRPr sz="1200" kern="1200">
+        <a:solidFill>
+          <a:schemeClr val="tx1"/>
+        </a:solidFill>
+        <a:latin typeface="+mn-lt"/>
+        <a:ea typeface="+mn-ea"/>
+        <a:cs typeface="+mn-cs"/>
+      </a:defRPr>
+    </a:lvl2pPr>
+    <a:lvl3pPr marL="914400" algn="l" defTabSz="914400" rtl="0" eaLnBrk="1" latinLnBrk="0" hangingPunct="1">
+      <a:defRPr sz="1200" kern="1200">
+        <a:solidFill>
+          <a:schemeClr val="tx1"/>
+        </a:solidFill>
+        <a:latin typeface="+mn-lt"/>
+        <a:ea typeface="+mn-ea"/>
+        <a:cs typeface="+mn-cs"/>
+      </a:defRPr>
+    </a:lvl3pPr>
+    <a:lvl4pPr marL="1371600" algn="l" defTabSz="914400" rtl="0" eaLnBrk="1" latinLnBrk="0" hangingPunct="1">
+      <a:defRPr sz="1200" kern="1200">
+        <a:solidFill>
+          <a:schemeClr val="tx1"/>
+        </a:solidFill>
+        <a:latin typeface="+mn-lt"/>
+        <a:ea typeface="+mn-ea"/>
+        <a:cs typeface="+mn-cs"/>
+      </a:defRPr>
+    </a:lvl4pPr>
+    <a:lvl5pPr marL="1828800" algn="l" defTabSz="914400" rtl="0" eaLnBrk="1" latinLnBrk="0" hangingPunct="1">
+      <a:defRPr sz="1200" kern="1200">
+        <a:solidFill>
+          <a:schemeClr val="tx1"/>
+        </a:solidFill>
+        <a:latin typeface="+mn-lt"/>
+        <a:ea typeface="+mn-ea"/>
+        <a:cs typeface="+mn-cs"/>
+      </a:defRPr>
+    </a:lvl5pPr>
+    <a:lvl6pPr marL="2286000" algn="l" defTabSz="914400" rtl="0" eaLnBrk="1" latinLnBrk="0" hangingPunct="1">
+      <a:defRPr sz="1200" kern="1200">
+        <a:solidFill>
+          <a:schemeClr val="tx1"/>
+        </a:solidFill>
+        <a:latin typeface="+mn-lt"/>
+        <a:ea typeface="+mn-ea"/>
+        <a:cs typeface="+mn-cs"/>
+      </a:defRPr>
+    </a:lvl6pPr>
+    <a:lvl7pPr marL="2743200" algn="l" defTabSz="914400" rtl="0" eaLnBrk="1" latinLnBrk="0" hangingPunct="1">
+      <a:defRPr sz="1200" kern="1200">
+        <a:solidFill>
+          <a:schemeClr val="tx1"/>
+        </a:solidFill>
+        <a:latin typeface="+mn-lt"/>
+        <a:ea typeface="+mn-ea"/>
+        <a:cs typeface="+mn-cs"/>
+      </a:defRPr>
+    </a:lvl7pPr>
+    <a:lvl8pPr marL="3200400" algn="l" defTabSz="914400" rtl="0" eaLnBrk="1" latinLnBrk="0" hangingPunct="1">
+      <a:defRPr sz="1200" kern="1200">
+        <a:solidFill>
+          <a:schemeClr val="tx1"/>
+        </a:solidFill>
+        <a:latin typeface="+mn-lt"/>
+        <a:ea typeface="+mn-ea"/>
+        <a:cs typeface="+mn-cs"/>
+      </a:defRPr>
+    </a:lvl8pPr>
+    <a:lvl9pPr marL="3657600" algn="l" defTabSz="914400" rtl="0" eaLnBrk="1" latinLnBrk="0" hangingPunct="1">
+      <a:defRPr sz="1200" kern="1200">
+        <a:solidFill>
+          <a:schemeClr val="tx1"/>
+        </a:solidFill>
+        <a:latin typeface="+mn-lt"/>
+        <a:ea typeface="+mn-ea"/>
+        <a:cs typeface="+mn-cs"/>
+      </a:defRPr>
+    </a:lvl9pPr>
+  </p:notesStyle>
+</p:notesMaster>
+</file>
+
+<file path=ppt/notesSlides/notesSlide1.xml><?xml version="1.0" encoding="utf-8"?>
+<p:notes xmlns:a="http://schemas.openxmlformats.org/drawingml/2006/main" xmlns:r="http://schemas.openxmlformats.org/officeDocument/2006/relationships" xmlns:p="http://schemas.openxmlformats.org/presentationml/2006/main">
+  <p:cSld>
+    <p:spTree>
+      <p:nvGrpSpPr>
+        <p:cNvPr id="1" name=""/>
+        <p:cNvGrpSpPr/>
+        <p:nvPr/>
+      </p:nvGrpSpPr>
+      <p:grpSpPr>
+        <a:xfrm>
+          <a:off x="0" y="0"/>
+          <a:ext cx="0" cy="0"/>
+          <a:chOff x="0" y="0"/>
+          <a:chExt cx="0" cy="0"/>
+        </a:xfrm>
+      </p:grpSpPr>
+      <p:sp>
+        <p:nvSpPr>
+          <p:cNvPr id="2" name="Slide Image Placeholder 1"/>
+          <p:cNvSpPr>
+            <a:spLocks noGrp="1" noRot="1" noChangeAspect="1"/>
+          </p:cNvSpPr>
+          <p:nvPr>
+            <p:ph type="sldImg"/>
+          </p:nvPr>
+        </p:nvSpPr>
+        <p:spPr/>
+      </p:sp>
+      <p:sp>
+        <p:nvSpPr>
+          <p:cNvPr id="3" name="Notes Placeholder 2"/>
+          <p:cNvSpPr>
+            <a:spLocks noGrp="1"/>
+          </p:cNvSpPr>
+          <p:nvPr>
+            <p:ph type="body" idx="1"/>
+          </p:nvPr>
+        </p:nvSpPr>
+        <p:spPr/>
+        <p:txBody>
+          <a:bodyPr/>
+          <a:lstStyle/>
+          <a:p>
+            <a:pPr marL="0" marR="0" lvl="0" indent="0" algn="l" defTabSz="914400" rtl="0" eaLnBrk="1" fontAlgn="auto" latinLnBrk="0" hangingPunct="1">
+              <a:lnSpc>
+                <a:spcPct val="100000"/>
+              </a:lnSpc>
+              <a:spcBef>
+                <a:spcPts val="0"/>
+              </a:spcBef>
+              <a:spcAft>
+                <a:spcPts val="0"/>
+              </a:spcAft>
+              <a:buClrTx/>
+              <a:buSzTx/>
+              <a:buFontTx/>
+              <a:buNone/>
+              <a:tabLst/>
+              <a:defRPr/>
+            </a:pPr>
+            <a:r>
+              <a:rPr lang="en-US" sz="1200" dirty="0">
+                <a:latin typeface="Times New Roman" panose="02020603050405020304" pitchFamily="18" charset="0"/>
+                <a:cs typeface="Times New Roman" panose="02020603050405020304" pitchFamily="18" charset="0"/>
+              </a:rPr>
+              <a:t>The Waterfall Model remains relevant for high-certainty, regulated, or safety-critical projects where upfront planning is essential. However, its inflexibility makes it unsuitable for modern, fast-paced environments where requirements evolve.</a:t>
+            </a:r>
+          </a:p>
+        </p:txBody>
+      </p:sp>
+      <p:sp>
+        <p:nvSpPr>
+          <p:cNvPr id="4" name="Slide Number Placeholder 3"/>
+          <p:cNvSpPr>
+            <a:spLocks noGrp="1"/>
+          </p:cNvSpPr>
+          <p:nvPr>
+            <p:ph type="sldNum" sz="quarter" idx="5"/>
+          </p:nvPr>
+        </p:nvSpPr>
+        <p:spPr/>
+        <p:txBody>
+          <a:bodyPr/>
+          <a:lstStyle/>
+          <a:p>
+            <a:fld id="{B3E7AC08-7009-48DE-B720-1275489B98BF}" type="slidenum">
+              <a:rPr lang="en-US" smtClean="0"/>
+              <a:t>12</a:t>
+            </a:fld>
+            <a:endParaRPr lang="en-US"/>
+          </a:p>
+        </p:txBody>
+      </p:sp>
+    </p:spTree>
+    <p:extLst>
+      <p:ext uri="{BB962C8B-B14F-4D97-AF65-F5344CB8AC3E}">
+        <p14:creationId xmlns:p14="http://schemas.microsoft.com/office/powerpoint/2010/main" val="3191415257"/>
+      </p:ext>
+    </p:extLst>
+  </p:cSld>
+  <p:clrMapOvr>
+    <a:masterClrMapping/>
+  </p:clrMapOvr>
+</p:notes>
+</file>
+
+<file path=ppt/notesSlides/notesSlide10.xml><?xml version="1.0" encoding="utf-8"?>
+<p:notes xmlns:a="http://schemas.openxmlformats.org/drawingml/2006/main" xmlns:r="http://schemas.openxmlformats.org/officeDocument/2006/relationships" xmlns:p="http://schemas.openxmlformats.org/presentationml/2006/main">
+  <p:cSld>
+    <p:spTree>
+      <p:nvGrpSpPr>
+        <p:cNvPr id="1" name="">
+          <a:extLst>
+            <a:ext uri="{FF2B5EF4-FFF2-40B4-BE49-F238E27FC236}">
+              <a16:creationId xmlns:a16="http://schemas.microsoft.com/office/drawing/2014/main" id="{735A66A4-4ED3-D6B2-65F6-136EFAC87911}"/>
+            </a:ext>
+          </a:extLst>
+        </p:cNvPr>
+        <p:cNvGrpSpPr/>
+        <p:nvPr/>
+      </p:nvGrpSpPr>
+      <p:grpSpPr>
+        <a:xfrm>
+          <a:off x="0" y="0"/>
+          <a:ext cx="0" cy="0"/>
+          <a:chOff x="0" y="0"/>
+          <a:chExt cx="0" cy="0"/>
+        </a:xfrm>
+      </p:grpSpPr>
+      <p:sp>
+        <p:nvSpPr>
+          <p:cNvPr id="2" name="Slide Image Placeholder 1">
+            <a:extLst>
+              <a:ext uri="{FF2B5EF4-FFF2-40B4-BE49-F238E27FC236}">
+                <a16:creationId xmlns:a16="http://schemas.microsoft.com/office/drawing/2014/main" id="{975A44DE-88CE-C05C-D7A6-C8DCA0AAF9D1}"/>
+              </a:ext>
+            </a:extLst>
+          </p:cNvPr>
+          <p:cNvSpPr>
+            <a:spLocks noGrp="1" noRot="1" noChangeAspect="1"/>
+          </p:cNvSpPr>
+          <p:nvPr>
+            <p:ph type="sldImg"/>
+          </p:nvPr>
+        </p:nvSpPr>
+        <p:spPr/>
+      </p:sp>
+      <p:sp>
+        <p:nvSpPr>
+          <p:cNvPr id="3" name="Notes Placeholder 2">
+            <a:extLst>
+              <a:ext uri="{FF2B5EF4-FFF2-40B4-BE49-F238E27FC236}">
+                <a16:creationId xmlns:a16="http://schemas.microsoft.com/office/drawing/2014/main" id="{1902B2A2-791E-E668-81C9-D4549DADCBF3}"/>
+              </a:ext>
+            </a:extLst>
+          </p:cNvPr>
+          <p:cNvSpPr>
+            <a:spLocks noGrp="1"/>
+          </p:cNvSpPr>
+          <p:nvPr>
+            <p:ph type="body" idx="1"/>
+          </p:nvPr>
+        </p:nvSpPr>
+        <p:spPr/>
+        <p:txBody>
+          <a:bodyPr/>
+          <a:lstStyle/>
+          <a:p>
+            <a:endParaRPr lang="en-US" sz="1200" dirty="0">
+              <a:latin typeface="Times New Roman" panose="02020603050405020304" pitchFamily="18" charset="0"/>
+              <a:cs typeface="Times New Roman" panose="02020603050405020304" pitchFamily="18" charset="0"/>
+            </a:endParaRPr>
+          </a:p>
+        </p:txBody>
+      </p:sp>
+      <p:sp>
+        <p:nvSpPr>
+          <p:cNvPr id="4" name="Slide Number Placeholder 3">
+            <a:extLst>
+              <a:ext uri="{FF2B5EF4-FFF2-40B4-BE49-F238E27FC236}">
+                <a16:creationId xmlns:a16="http://schemas.microsoft.com/office/drawing/2014/main" id="{23B0AF81-A0A9-8394-BA2C-0D6E4411CBFA}"/>
+              </a:ext>
+            </a:extLst>
+          </p:cNvPr>
+          <p:cNvSpPr>
+            <a:spLocks noGrp="1"/>
+          </p:cNvSpPr>
+          <p:nvPr>
+            <p:ph type="sldNum" sz="quarter" idx="5"/>
+          </p:nvPr>
+        </p:nvSpPr>
+        <p:spPr/>
+        <p:txBody>
+          <a:bodyPr/>
+          <a:lstStyle/>
+          <a:p>
+            <a:fld id="{B3E7AC08-7009-48DE-B720-1275489B98BF}" type="slidenum">
+              <a:rPr lang="en-US" smtClean="0"/>
+              <a:t>21</a:t>
+            </a:fld>
+            <a:endParaRPr lang="en-US"/>
+          </a:p>
+        </p:txBody>
+      </p:sp>
+    </p:spTree>
+    <p:extLst>
+      <p:ext uri="{BB962C8B-B14F-4D97-AF65-F5344CB8AC3E}">
+        <p14:creationId xmlns:p14="http://schemas.microsoft.com/office/powerpoint/2010/main" val="1782841730"/>
+      </p:ext>
+    </p:extLst>
+  </p:cSld>
+  <p:clrMapOvr>
+    <a:masterClrMapping/>
+  </p:clrMapOvr>
+</p:notes>
+</file>
+
+<file path=ppt/notesSlides/notesSlide11.xml><?xml version="1.0" encoding="utf-8"?>
+<p:notes xmlns:a="http://schemas.openxmlformats.org/drawingml/2006/main" xmlns:r="http://schemas.openxmlformats.org/officeDocument/2006/relationships" xmlns:p="http://schemas.openxmlformats.org/presentationml/2006/main">
+  <p:cSld>
+    <p:spTree>
+      <p:nvGrpSpPr>
+        <p:cNvPr id="1" name="">
+          <a:extLst>
+            <a:ext uri="{FF2B5EF4-FFF2-40B4-BE49-F238E27FC236}">
+              <a16:creationId xmlns:a16="http://schemas.microsoft.com/office/drawing/2014/main" id="{899444B9-A1CB-382B-A5D0-CBEC4D492E4E}"/>
+            </a:ext>
+          </a:extLst>
+        </p:cNvPr>
+        <p:cNvGrpSpPr/>
+        <p:nvPr/>
+      </p:nvGrpSpPr>
+      <p:grpSpPr>
+        <a:xfrm>
+          <a:off x="0" y="0"/>
+          <a:ext cx="0" cy="0"/>
+          <a:chOff x="0" y="0"/>
+          <a:chExt cx="0" cy="0"/>
+        </a:xfrm>
+      </p:grpSpPr>
+      <p:sp>
+        <p:nvSpPr>
+          <p:cNvPr id="2" name="Slide Image Placeholder 1">
+            <a:extLst>
+              <a:ext uri="{FF2B5EF4-FFF2-40B4-BE49-F238E27FC236}">
+                <a16:creationId xmlns:a16="http://schemas.microsoft.com/office/drawing/2014/main" id="{EBD83EF6-BBD6-19E8-B1E9-43594E6B28F3}"/>
+              </a:ext>
+            </a:extLst>
+          </p:cNvPr>
+          <p:cNvSpPr>
+            <a:spLocks noGrp="1" noRot="1" noChangeAspect="1"/>
+          </p:cNvSpPr>
+          <p:nvPr>
+            <p:ph type="sldImg"/>
+          </p:nvPr>
+        </p:nvSpPr>
+        <p:spPr/>
+      </p:sp>
+      <p:sp>
+        <p:nvSpPr>
+          <p:cNvPr id="3" name="Notes Placeholder 2">
+            <a:extLst>
+              <a:ext uri="{FF2B5EF4-FFF2-40B4-BE49-F238E27FC236}">
+                <a16:creationId xmlns:a16="http://schemas.microsoft.com/office/drawing/2014/main" id="{F312F271-1E37-6C77-E21C-F8C31B685074}"/>
+              </a:ext>
+            </a:extLst>
+          </p:cNvPr>
+          <p:cNvSpPr>
+            <a:spLocks noGrp="1"/>
+          </p:cNvSpPr>
+          <p:nvPr>
+            <p:ph type="body" idx="1"/>
+          </p:nvPr>
+        </p:nvSpPr>
+        <p:spPr/>
+        <p:txBody>
+          <a:bodyPr/>
+          <a:lstStyle/>
+          <a:p>
+            <a:endParaRPr lang="en-US" sz="1200" dirty="0">
+              <a:latin typeface="Times New Roman" panose="02020603050405020304" pitchFamily="18" charset="0"/>
+              <a:cs typeface="Times New Roman" panose="02020603050405020304" pitchFamily="18" charset="0"/>
+            </a:endParaRPr>
+          </a:p>
+        </p:txBody>
+      </p:sp>
+      <p:sp>
+        <p:nvSpPr>
+          <p:cNvPr id="4" name="Slide Number Placeholder 3">
+            <a:extLst>
+              <a:ext uri="{FF2B5EF4-FFF2-40B4-BE49-F238E27FC236}">
+                <a16:creationId xmlns:a16="http://schemas.microsoft.com/office/drawing/2014/main" id="{1E74DCD8-929F-7089-7B5A-3BEE5F105F70}"/>
+              </a:ext>
+            </a:extLst>
+          </p:cNvPr>
+          <p:cNvSpPr>
+            <a:spLocks noGrp="1"/>
+          </p:cNvSpPr>
+          <p:nvPr>
+            <p:ph type="sldNum" sz="quarter" idx="5"/>
+          </p:nvPr>
+        </p:nvSpPr>
+        <p:spPr/>
+        <p:txBody>
+          <a:bodyPr/>
+          <a:lstStyle/>
+          <a:p>
+            <a:fld id="{B3E7AC08-7009-48DE-B720-1275489B98BF}" type="slidenum">
+              <a:rPr lang="en-US" smtClean="0"/>
+              <a:t>22</a:t>
+            </a:fld>
+            <a:endParaRPr lang="en-US"/>
+          </a:p>
+        </p:txBody>
+      </p:sp>
+    </p:spTree>
+    <p:extLst>
+      <p:ext uri="{BB962C8B-B14F-4D97-AF65-F5344CB8AC3E}">
+        <p14:creationId xmlns:p14="http://schemas.microsoft.com/office/powerpoint/2010/main" val="3726632441"/>
+      </p:ext>
+    </p:extLst>
+  </p:cSld>
+  <p:clrMapOvr>
+    <a:masterClrMapping/>
+  </p:clrMapOvr>
+</p:notes>
+</file>
+
+<file path=ppt/notesSlides/notesSlide12.xml><?xml version="1.0" encoding="utf-8"?>
+<p:notes xmlns:a="http://schemas.openxmlformats.org/drawingml/2006/main" xmlns:r="http://schemas.openxmlformats.org/officeDocument/2006/relationships" xmlns:p="http://schemas.openxmlformats.org/presentationml/2006/main">
+  <p:cSld>
+    <p:spTree>
+      <p:nvGrpSpPr>
+        <p:cNvPr id="1" name="">
+          <a:extLst>
+            <a:ext uri="{FF2B5EF4-FFF2-40B4-BE49-F238E27FC236}">
+              <a16:creationId xmlns:a16="http://schemas.microsoft.com/office/drawing/2014/main" id="{414CF008-BDCE-8A00-59E6-B188E2BAB6E2}"/>
+            </a:ext>
+          </a:extLst>
+        </p:cNvPr>
+        <p:cNvGrpSpPr/>
+        <p:nvPr/>
+      </p:nvGrpSpPr>
+      <p:grpSpPr>
+        <a:xfrm>
+          <a:off x="0" y="0"/>
+          <a:ext cx="0" cy="0"/>
+          <a:chOff x="0" y="0"/>
+          <a:chExt cx="0" cy="0"/>
+        </a:xfrm>
+      </p:grpSpPr>
+      <p:sp>
+        <p:nvSpPr>
+          <p:cNvPr id="2" name="Slide Image Placeholder 1">
+            <a:extLst>
+              <a:ext uri="{FF2B5EF4-FFF2-40B4-BE49-F238E27FC236}">
+                <a16:creationId xmlns:a16="http://schemas.microsoft.com/office/drawing/2014/main" id="{C4B35472-C698-D96A-1D05-598DBE3E2DFA}"/>
+              </a:ext>
+            </a:extLst>
+          </p:cNvPr>
+          <p:cNvSpPr>
+            <a:spLocks noGrp="1" noRot="1" noChangeAspect="1"/>
+          </p:cNvSpPr>
+          <p:nvPr>
+            <p:ph type="sldImg"/>
+          </p:nvPr>
+        </p:nvSpPr>
+        <p:spPr/>
+      </p:sp>
+      <p:sp>
+        <p:nvSpPr>
+          <p:cNvPr id="3" name="Notes Placeholder 2">
+            <a:extLst>
+              <a:ext uri="{FF2B5EF4-FFF2-40B4-BE49-F238E27FC236}">
+                <a16:creationId xmlns:a16="http://schemas.microsoft.com/office/drawing/2014/main" id="{A895A659-833C-F199-77BF-DE1ADDDFD97E}"/>
+              </a:ext>
+            </a:extLst>
+          </p:cNvPr>
+          <p:cNvSpPr>
+            <a:spLocks noGrp="1"/>
+          </p:cNvSpPr>
+          <p:nvPr>
+            <p:ph type="body" idx="1"/>
+          </p:nvPr>
+        </p:nvSpPr>
+        <p:spPr/>
+        <p:txBody>
+          <a:bodyPr/>
+          <a:lstStyle/>
+          <a:p>
+            <a:endParaRPr lang="en-US" sz="1200" dirty="0">
+              <a:latin typeface="Times New Roman" panose="02020603050405020304" pitchFamily="18" charset="0"/>
+              <a:cs typeface="Times New Roman" panose="02020603050405020304" pitchFamily="18" charset="0"/>
+            </a:endParaRPr>
+          </a:p>
+        </p:txBody>
+      </p:sp>
+      <p:sp>
+        <p:nvSpPr>
+          <p:cNvPr id="4" name="Slide Number Placeholder 3">
+            <a:extLst>
+              <a:ext uri="{FF2B5EF4-FFF2-40B4-BE49-F238E27FC236}">
+                <a16:creationId xmlns:a16="http://schemas.microsoft.com/office/drawing/2014/main" id="{C9FD3A18-CDF8-A558-8A32-A76E0D4F15AA}"/>
+              </a:ext>
+            </a:extLst>
+          </p:cNvPr>
+          <p:cNvSpPr>
+            <a:spLocks noGrp="1"/>
+          </p:cNvSpPr>
+          <p:nvPr>
+            <p:ph type="sldNum" sz="quarter" idx="5"/>
+          </p:nvPr>
+        </p:nvSpPr>
+        <p:spPr/>
+        <p:txBody>
+          <a:bodyPr/>
+          <a:lstStyle/>
+          <a:p>
+            <a:fld id="{B3E7AC08-7009-48DE-B720-1275489B98BF}" type="slidenum">
+              <a:rPr lang="en-US" smtClean="0"/>
+              <a:t>23</a:t>
+            </a:fld>
+            <a:endParaRPr lang="en-US"/>
+          </a:p>
+        </p:txBody>
+      </p:sp>
+    </p:spTree>
+    <p:extLst>
+      <p:ext uri="{BB962C8B-B14F-4D97-AF65-F5344CB8AC3E}">
+        <p14:creationId xmlns:p14="http://schemas.microsoft.com/office/powerpoint/2010/main" val="3170384567"/>
+      </p:ext>
+    </p:extLst>
+  </p:cSld>
+  <p:clrMapOvr>
+    <a:masterClrMapping/>
+  </p:clrMapOvr>
+</p:notes>
+</file>
+
+<file path=ppt/notesSlides/notesSlide13.xml><?xml version="1.0" encoding="utf-8"?>
+<p:notes xmlns:a="http://schemas.openxmlformats.org/drawingml/2006/main" xmlns:r="http://schemas.openxmlformats.org/officeDocument/2006/relationships" xmlns:p="http://schemas.openxmlformats.org/presentationml/2006/main">
+  <p:cSld>
+    <p:spTree>
+      <p:nvGrpSpPr>
+        <p:cNvPr id="1" name="">
+          <a:extLst>
+            <a:ext uri="{FF2B5EF4-FFF2-40B4-BE49-F238E27FC236}">
+              <a16:creationId xmlns:a16="http://schemas.microsoft.com/office/drawing/2014/main" id="{ABC3C5A5-0E61-D775-FC0D-0924FBA510F7}"/>
+            </a:ext>
+          </a:extLst>
+        </p:cNvPr>
+        <p:cNvGrpSpPr/>
+        <p:nvPr/>
+      </p:nvGrpSpPr>
+      <p:grpSpPr>
+        <a:xfrm>
+          <a:off x="0" y="0"/>
+          <a:ext cx="0" cy="0"/>
+          <a:chOff x="0" y="0"/>
+          <a:chExt cx="0" cy="0"/>
+        </a:xfrm>
+      </p:grpSpPr>
+      <p:sp>
+        <p:nvSpPr>
+          <p:cNvPr id="2" name="Slide Image Placeholder 1">
+            <a:extLst>
+              <a:ext uri="{FF2B5EF4-FFF2-40B4-BE49-F238E27FC236}">
+                <a16:creationId xmlns:a16="http://schemas.microsoft.com/office/drawing/2014/main" id="{8ECBAF53-24DC-C711-EEFB-4CFB68976844}"/>
+              </a:ext>
+            </a:extLst>
+          </p:cNvPr>
+          <p:cNvSpPr>
+            <a:spLocks noGrp="1" noRot="1" noChangeAspect="1"/>
+          </p:cNvSpPr>
+          <p:nvPr>
+            <p:ph type="sldImg"/>
+          </p:nvPr>
+        </p:nvSpPr>
+        <p:spPr/>
+      </p:sp>
+      <p:sp>
+        <p:nvSpPr>
+          <p:cNvPr id="3" name="Notes Placeholder 2">
+            <a:extLst>
+              <a:ext uri="{FF2B5EF4-FFF2-40B4-BE49-F238E27FC236}">
+                <a16:creationId xmlns:a16="http://schemas.microsoft.com/office/drawing/2014/main" id="{DC7BE726-9AAC-7D6E-1FB8-6BFCB8A45554}"/>
+              </a:ext>
+            </a:extLst>
+          </p:cNvPr>
+          <p:cNvSpPr>
+            <a:spLocks noGrp="1"/>
+          </p:cNvSpPr>
+          <p:nvPr>
+            <p:ph type="body" idx="1"/>
+          </p:nvPr>
+        </p:nvSpPr>
+        <p:spPr/>
+        <p:txBody>
+          <a:bodyPr/>
+          <a:lstStyle/>
+          <a:p>
+            <a:endParaRPr lang="en-US" sz="1200" dirty="0">
+              <a:latin typeface="Times New Roman" panose="02020603050405020304" pitchFamily="18" charset="0"/>
+              <a:cs typeface="Times New Roman" panose="02020603050405020304" pitchFamily="18" charset="0"/>
+            </a:endParaRPr>
+          </a:p>
+        </p:txBody>
+      </p:sp>
+      <p:sp>
+        <p:nvSpPr>
+          <p:cNvPr id="4" name="Slide Number Placeholder 3">
+            <a:extLst>
+              <a:ext uri="{FF2B5EF4-FFF2-40B4-BE49-F238E27FC236}">
+                <a16:creationId xmlns:a16="http://schemas.microsoft.com/office/drawing/2014/main" id="{5ABB7B2A-E7CB-A234-BED5-4DFCD2303137}"/>
+              </a:ext>
+            </a:extLst>
+          </p:cNvPr>
+          <p:cNvSpPr>
+            <a:spLocks noGrp="1"/>
+          </p:cNvSpPr>
+          <p:nvPr>
+            <p:ph type="sldNum" sz="quarter" idx="5"/>
+          </p:nvPr>
+        </p:nvSpPr>
+        <p:spPr/>
+        <p:txBody>
+          <a:bodyPr/>
+          <a:lstStyle/>
+          <a:p>
+            <a:fld id="{B3E7AC08-7009-48DE-B720-1275489B98BF}" type="slidenum">
+              <a:rPr lang="en-US" smtClean="0"/>
+              <a:t>24</a:t>
+            </a:fld>
+            <a:endParaRPr lang="en-US"/>
+          </a:p>
+        </p:txBody>
+      </p:sp>
+    </p:spTree>
+    <p:extLst>
+      <p:ext uri="{BB962C8B-B14F-4D97-AF65-F5344CB8AC3E}">
+        <p14:creationId xmlns:p14="http://schemas.microsoft.com/office/powerpoint/2010/main" val="3425131912"/>
+      </p:ext>
+    </p:extLst>
+  </p:cSld>
+  <p:clrMapOvr>
+    <a:masterClrMapping/>
+  </p:clrMapOvr>
+</p:notes>
+</file>
+
+<file path=ppt/notesSlides/notesSlide14.xml><?xml version="1.0" encoding="utf-8"?>
+<p:notes xmlns:a="http://schemas.openxmlformats.org/drawingml/2006/main" xmlns:r="http://schemas.openxmlformats.org/officeDocument/2006/relationships" xmlns:p="http://schemas.openxmlformats.org/presentationml/2006/main">
+  <p:cSld>
+    <p:spTree>
+      <p:nvGrpSpPr>
+        <p:cNvPr id="1" name="">
+          <a:extLst>
+            <a:ext uri="{FF2B5EF4-FFF2-40B4-BE49-F238E27FC236}">
+              <a16:creationId xmlns:a16="http://schemas.microsoft.com/office/drawing/2014/main" id="{4456059A-A829-158E-8780-3834091948BB}"/>
+            </a:ext>
+          </a:extLst>
+        </p:cNvPr>
+        <p:cNvGrpSpPr/>
+        <p:nvPr/>
+      </p:nvGrpSpPr>
+      <p:grpSpPr>
+        <a:xfrm>
+          <a:off x="0" y="0"/>
+          <a:ext cx="0" cy="0"/>
+          <a:chOff x="0" y="0"/>
+          <a:chExt cx="0" cy="0"/>
+        </a:xfrm>
+      </p:grpSpPr>
+      <p:sp>
+        <p:nvSpPr>
+          <p:cNvPr id="2" name="Slide Image Placeholder 1">
+            <a:extLst>
+              <a:ext uri="{FF2B5EF4-FFF2-40B4-BE49-F238E27FC236}">
+                <a16:creationId xmlns:a16="http://schemas.microsoft.com/office/drawing/2014/main" id="{3865C525-2DD5-C3AC-A55F-4E3CE0D4667C}"/>
+              </a:ext>
+            </a:extLst>
+          </p:cNvPr>
+          <p:cNvSpPr>
+            <a:spLocks noGrp="1" noRot="1" noChangeAspect="1"/>
+          </p:cNvSpPr>
+          <p:nvPr>
+            <p:ph type="sldImg"/>
+          </p:nvPr>
+        </p:nvSpPr>
+        <p:spPr/>
+      </p:sp>
+      <p:sp>
+        <p:nvSpPr>
+          <p:cNvPr id="3" name="Notes Placeholder 2">
+            <a:extLst>
+              <a:ext uri="{FF2B5EF4-FFF2-40B4-BE49-F238E27FC236}">
+                <a16:creationId xmlns:a16="http://schemas.microsoft.com/office/drawing/2014/main" id="{7B19B2A1-50A7-D927-5348-1A22B7CF6A4A}"/>
+              </a:ext>
+            </a:extLst>
+          </p:cNvPr>
+          <p:cNvSpPr>
+            <a:spLocks noGrp="1"/>
+          </p:cNvSpPr>
+          <p:nvPr>
+            <p:ph type="body" idx="1"/>
+          </p:nvPr>
+        </p:nvSpPr>
+        <p:spPr/>
+        <p:txBody>
+          <a:bodyPr/>
+          <a:lstStyle/>
+          <a:p>
+            <a:endParaRPr lang="en-US" sz="1200" dirty="0">
+              <a:latin typeface="Times New Roman" panose="02020603050405020304" pitchFamily="18" charset="0"/>
+              <a:cs typeface="Times New Roman" panose="02020603050405020304" pitchFamily="18" charset="0"/>
+            </a:endParaRPr>
+          </a:p>
+        </p:txBody>
+      </p:sp>
+      <p:sp>
+        <p:nvSpPr>
+          <p:cNvPr id="4" name="Slide Number Placeholder 3">
+            <a:extLst>
+              <a:ext uri="{FF2B5EF4-FFF2-40B4-BE49-F238E27FC236}">
+                <a16:creationId xmlns:a16="http://schemas.microsoft.com/office/drawing/2014/main" id="{826B5323-943E-B922-53E5-B7DC9476A3A0}"/>
+              </a:ext>
+            </a:extLst>
+          </p:cNvPr>
+          <p:cNvSpPr>
+            <a:spLocks noGrp="1"/>
+          </p:cNvSpPr>
+          <p:nvPr>
+            <p:ph type="sldNum" sz="quarter" idx="5"/>
+          </p:nvPr>
+        </p:nvSpPr>
+        <p:spPr/>
+        <p:txBody>
+          <a:bodyPr/>
+          <a:lstStyle/>
+          <a:p>
+            <a:fld id="{B3E7AC08-7009-48DE-B720-1275489B98BF}" type="slidenum">
+              <a:rPr lang="en-US" smtClean="0"/>
+              <a:t>25</a:t>
+            </a:fld>
+            <a:endParaRPr lang="en-US"/>
+          </a:p>
+        </p:txBody>
+      </p:sp>
+    </p:spTree>
+    <p:extLst>
+      <p:ext uri="{BB962C8B-B14F-4D97-AF65-F5344CB8AC3E}">
+        <p14:creationId xmlns:p14="http://schemas.microsoft.com/office/powerpoint/2010/main" val="3523833894"/>
+      </p:ext>
+    </p:extLst>
+  </p:cSld>
+  <p:clrMapOvr>
+    <a:masterClrMapping/>
+  </p:clrMapOvr>
+</p:notes>
+</file>
+
+<file path=ppt/notesSlides/notesSlide15.xml><?xml version="1.0" encoding="utf-8"?>
+<p:notes xmlns:a="http://schemas.openxmlformats.org/drawingml/2006/main" xmlns:r="http://schemas.openxmlformats.org/officeDocument/2006/relationships" xmlns:p="http://schemas.openxmlformats.org/presentationml/2006/main">
+  <p:cSld>
+    <p:spTree>
+      <p:nvGrpSpPr>
+        <p:cNvPr id="1" name="">
+          <a:extLst>
+            <a:ext uri="{FF2B5EF4-FFF2-40B4-BE49-F238E27FC236}">
+              <a16:creationId xmlns:a16="http://schemas.microsoft.com/office/drawing/2014/main" id="{A2712274-EF7D-8CA3-4DFB-821650DD3C60}"/>
+            </a:ext>
+          </a:extLst>
+        </p:cNvPr>
+        <p:cNvGrpSpPr/>
+        <p:nvPr/>
+      </p:nvGrpSpPr>
+      <p:grpSpPr>
+        <a:xfrm>
+          <a:off x="0" y="0"/>
+          <a:ext cx="0" cy="0"/>
+          <a:chOff x="0" y="0"/>
+          <a:chExt cx="0" cy="0"/>
+        </a:xfrm>
+      </p:grpSpPr>
+      <p:sp>
+        <p:nvSpPr>
+          <p:cNvPr id="2" name="Slide Image Placeholder 1">
+            <a:extLst>
+              <a:ext uri="{FF2B5EF4-FFF2-40B4-BE49-F238E27FC236}">
+                <a16:creationId xmlns:a16="http://schemas.microsoft.com/office/drawing/2014/main" id="{EBE7A4C9-3D06-9E3D-1010-9DE3BBE0399F}"/>
+              </a:ext>
+            </a:extLst>
+          </p:cNvPr>
+          <p:cNvSpPr>
+            <a:spLocks noGrp="1" noRot="1" noChangeAspect="1"/>
+          </p:cNvSpPr>
+          <p:nvPr>
+            <p:ph type="sldImg"/>
+          </p:nvPr>
+        </p:nvSpPr>
+        <p:spPr/>
+      </p:sp>
+      <p:sp>
+        <p:nvSpPr>
+          <p:cNvPr id="3" name="Notes Placeholder 2">
+            <a:extLst>
+              <a:ext uri="{FF2B5EF4-FFF2-40B4-BE49-F238E27FC236}">
+                <a16:creationId xmlns:a16="http://schemas.microsoft.com/office/drawing/2014/main" id="{2DC52C20-2DB4-82AF-58B7-63F8B56E0B3F}"/>
+              </a:ext>
+            </a:extLst>
+          </p:cNvPr>
+          <p:cNvSpPr>
+            <a:spLocks noGrp="1"/>
+          </p:cNvSpPr>
+          <p:nvPr>
+            <p:ph type="body" idx="1"/>
+          </p:nvPr>
+        </p:nvSpPr>
+        <p:spPr/>
+        <p:txBody>
+          <a:bodyPr/>
+          <a:lstStyle/>
+          <a:p>
+            <a:endParaRPr lang="en-US" sz="1200" dirty="0">
+              <a:latin typeface="Times New Roman" panose="02020603050405020304" pitchFamily="18" charset="0"/>
+              <a:cs typeface="Times New Roman" panose="02020603050405020304" pitchFamily="18" charset="0"/>
+            </a:endParaRPr>
+          </a:p>
+        </p:txBody>
+      </p:sp>
+      <p:sp>
+        <p:nvSpPr>
+          <p:cNvPr id="4" name="Slide Number Placeholder 3">
+            <a:extLst>
+              <a:ext uri="{FF2B5EF4-FFF2-40B4-BE49-F238E27FC236}">
+                <a16:creationId xmlns:a16="http://schemas.microsoft.com/office/drawing/2014/main" id="{F22E6F0F-17A3-DB08-3D8A-0A8F5536CDB9}"/>
+              </a:ext>
+            </a:extLst>
+          </p:cNvPr>
+          <p:cNvSpPr>
+            <a:spLocks noGrp="1"/>
+          </p:cNvSpPr>
+          <p:nvPr>
+            <p:ph type="sldNum" sz="quarter" idx="5"/>
+          </p:nvPr>
+        </p:nvSpPr>
+        <p:spPr/>
+        <p:txBody>
+          <a:bodyPr/>
+          <a:lstStyle/>
+          <a:p>
+            <a:fld id="{B3E7AC08-7009-48DE-B720-1275489B98BF}" type="slidenum">
+              <a:rPr lang="en-US" smtClean="0"/>
+              <a:t>26</a:t>
+            </a:fld>
+            <a:endParaRPr lang="en-US"/>
+          </a:p>
+        </p:txBody>
+      </p:sp>
+    </p:spTree>
+    <p:extLst>
+      <p:ext uri="{BB962C8B-B14F-4D97-AF65-F5344CB8AC3E}">
+        <p14:creationId xmlns:p14="http://schemas.microsoft.com/office/powerpoint/2010/main" val="727417814"/>
+      </p:ext>
+    </p:extLst>
+  </p:cSld>
+  <p:clrMapOvr>
+    <a:masterClrMapping/>
+  </p:clrMapOvr>
+</p:notes>
+</file>
+
+<file path=ppt/notesSlides/notesSlide16.xml><?xml version="1.0" encoding="utf-8"?>
+<p:notes xmlns:a="http://schemas.openxmlformats.org/drawingml/2006/main" xmlns:r="http://schemas.openxmlformats.org/officeDocument/2006/relationships" xmlns:p="http://schemas.openxmlformats.org/presentationml/2006/main">
+  <p:cSld>
+    <p:spTree>
+      <p:nvGrpSpPr>
+        <p:cNvPr id="1" name="">
+          <a:extLst>
+            <a:ext uri="{FF2B5EF4-FFF2-40B4-BE49-F238E27FC236}">
+              <a16:creationId xmlns:a16="http://schemas.microsoft.com/office/drawing/2014/main" id="{742CB44D-68CD-B7B9-B159-E5830F29FB88}"/>
+            </a:ext>
+          </a:extLst>
+        </p:cNvPr>
+        <p:cNvGrpSpPr/>
+        <p:nvPr/>
+      </p:nvGrpSpPr>
+      <p:grpSpPr>
+        <a:xfrm>
+          <a:off x="0" y="0"/>
+          <a:ext cx="0" cy="0"/>
+          <a:chOff x="0" y="0"/>
+          <a:chExt cx="0" cy="0"/>
+        </a:xfrm>
+      </p:grpSpPr>
+      <p:sp>
+        <p:nvSpPr>
+          <p:cNvPr id="2" name="Slide Image Placeholder 1">
+            <a:extLst>
+              <a:ext uri="{FF2B5EF4-FFF2-40B4-BE49-F238E27FC236}">
+                <a16:creationId xmlns:a16="http://schemas.microsoft.com/office/drawing/2014/main" id="{FE965E90-45DF-595C-F435-3034BD5860FC}"/>
+              </a:ext>
+            </a:extLst>
+          </p:cNvPr>
+          <p:cNvSpPr>
+            <a:spLocks noGrp="1" noRot="1" noChangeAspect="1"/>
+          </p:cNvSpPr>
+          <p:nvPr>
+            <p:ph type="sldImg"/>
+          </p:nvPr>
+        </p:nvSpPr>
+        <p:spPr/>
+      </p:sp>
+      <p:sp>
+        <p:nvSpPr>
+          <p:cNvPr id="3" name="Notes Placeholder 2">
+            <a:extLst>
+              <a:ext uri="{FF2B5EF4-FFF2-40B4-BE49-F238E27FC236}">
+                <a16:creationId xmlns:a16="http://schemas.microsoft.com/office/drawing/2014/main" id="{0123C6D4-2AE9-3573-C64D-6C967829FE56}"/>
+              </a:ext>
+            </a:extLst>
+          </p:cNvPr>
+          <p:cNvSpPr>
+            <a:spLocks noGrp="1"/>
+          </p:cNvSpPr>
+          <p:nvPr>
+            <p:ph type="body" idx="1"/>
+          </p:nvPr>
+        </p:nvSpPr>
+        <p:spPr/>
+        <p:txBody>
+          <a:bodyPr/>
+          <a:lstStyle/>
+          <a:p>
+            <a:endParaRPr lang="en-US" sz="1200" dirty="0">
+              <a:latin typeface="Times New Roman" panose="02020603050405020304" pitchFamily="18" charset="0"/>
+              <a:cs typeface="Times New Roman" panose="02020603050405020304" pitchFamily="18" charset="0"/>
+            </a:endParaRPr>
+          </a:p>
+        </p:txBody>
+      </p:sp>
+      <p:sp>
+        <p:nvSpPr>
+          <p:cNvPr id="4" name="Slide Number Placeholder 3">
+            <a:extLst>
+              <a:ext uri="{FF2B5EF4-FFF2-40B4-BE49-F238E27FC236}">
+                <a16:creationId xmlns:a16="http://schemas.microsoft.com/office/drawing/2014/main" id="{273A30D4-B442-F1F9-ECA4-4158F4BAADCE}"/>
+              </a:ext>
+            </a:extLst>
+          </p:cNvPr>
+          <p:cNvSpPr>
+            <a:spLocks noGrp="1"/>
+          </p:cNvSpPr>
+          <p:nvPr>
+            <p:ph type="sldNum" sz="quarter" idx="5"/>
+          </p:nvPr>
+        </p:nvSpPr>
+        <p:spPr/>
+        <p:txBody>
+          <a:bodyPr/>
+          <a:lstStyle/>
+          <a:p>
+            <a:fld id="{B3E7AC08-7009-48DE-B720-1275489B98BF}" type="slidenum">
+              <a:rPr lang="en-US" smtClean="0"/>
+              <a:t>27</a:t>
+            </a:fld>
+            <a:endParaRPr lang="en-US"/>
+          </a:p>
+        </p:txBody>
+      </p:sp>
+    </p:spTree>
+    <p:extLst>
+      <p:ext uri="{BB962C8B-B14F-4D97-AF65-F5344CB8AC3E}">
+        <p14:creationId xmlns:p14="http://schemas.microsoft.com/office/powerpoint/2010/main" val="1680070586"/>
+      </p:ext>
+    </p:extLst>
+  </p:cSld>
+  <p:clrMapOvr>
+    <a:masterClrMapping/>
+  </p:clrMapOvr>
+</p:notes>
+</file>
+
+<file path=ppt/notesSlides/notesSlide17.xml><?xml version="1.0" encoding="utf-8"?>
+<p:notes xmlns:a="http://schemas.openxmlformats.org/drawingml/2006/main" xmlns:r="http://schemas.openxmlformats.org/officeDocument/2006/relationships" xmlns:p="http://schemas.openxmlformats.org/presentationml/2006/main">
+  <p:cSld>
+    <p:spTree>
+      <p:nvGrpSpPr>
+        <p:cNvPr id="1" name="">
+          <a:extLst>
+            <a:ext uri="{FF2B5EF4-FFF2-40B4-BE49-F238E27FC236}">
+              <a16:creationId xmlns:a16="http://schemas.microsoft.com/office/drawing/2014/main" id="{94EA3D0A-5C0E-B75A-7A0E-9E25B24448EA}"/>
+            </a:ext>
+          </a:extLst>
+        </p:cNvPr>
+        <p:cNvGrpSpPr/>
+        <p:nvPr/>
+      </p:nvGrpSpPr>
+      <p:grpSpPr>
+        <a:xfrm>
+          <a:off x="0" y="0"/>
+          <a:ext cx="0" cy="0"/>
+          <a:chOff x="0" y="0"/>
+          <a:chExt cx="0" cy="0"/>
+        </a:xfrm>
+      </p:grpSpPr>
+      <p:sp>
+        <p:nvSpPr>
+          <p:cNvPr id="2" name="Slide Image Placeholder 1">
+            <a:extLst>
+              <a:ext uri="{FF2B5EF4-FFF2-40B4-BE49-F238E27FC236}">
+                <a16:creationId xmlns:a16="http://schemas.microsoft.com/office/drawing/2014/main" id="{1083F051-B8CC-9524-F270-ECC2CCAE0E84}"/>
+              </a:ext>
+            </a:extLst>
+          </p:cNvPr>
+          <p:cNvSpPr>
+            <a:spLocks noGrp="1" noRot="1" noChangeAspect="1"/>
+          </p:cNvSpPr>
+          <p:nvPr>
+            <p:ph type="sldImg"/>
+          </p:nvPr>
+        </p:nvSpPr>
+        <p:spPr/>
+      </p:sp>
+      <p:sp>
+        <p:nvSpPr>
+          <p:cNvPr id="3" name="Notes Placeholder 2">
+            <a:extLst>
+              <a:ext uri="{FF2B5EF4-FFF2-40B4-BE49-F238E27FC236}">
+                <a16:creationId xmlns:a16="http://schemas.microsoft.com/office/drawing/2014/main" id="{8A46B0C5-8CF5-5DE7-3F4E-E4FAEAE36CE6}"/>
+              </a:ext>
+            </a:extLst>
+          </p:cNvPr>
+          <p:cNvSpPr>
+            <a:spLocks noGrp="1"/>
+          </p:cNvSpPr>
+          <p:nvPr>
+            <p:ph type="body" idx="1"/>
+          </p:nvPr>
+        </p:nvSpPr>
+        <p:spPr/>
+        <p:txBody>
+          <a:bodyPr/>
+          <a:lstStyle/>
+          <a:p>
+            <a:endParaRPr lang="en-US" sz="1200" dirty="0">
+              <a:latin typeface="Times New Roman" panose="02020603050405020304" pitchFamily="18" charset="0"/>
+              <a:cs typeface="Times New Roman" panose="02020603050405020304" pitchFamily="18" charset="0"/>
+            </a:endParaRPr>
+          </a:p>
+        </p:txBody>
+      </p:sp>
+      <p:sp>
+        <p:nvSpPr>
+          <p:cNvPr id="4" name="Slide Number Placeholder 3">
+            <a:extLst>
+              <a:ext uri="{FF2B5EF4-FFF2-40B4-BE49-F238E27FC236}">
+                <a16:creationId xmlns:a16="http://schemas.microsoft.com/office/drawing/2014/main" id="{FDF1855B-AEB0-FBD8-78B2-D5F919CCD254}"/>
+              </a:ext>
+            </a:extLst>
+          </p:cNvPr>
+          <p:cNvSpPr>
+            <a:spLocks noGrp="1"/>
+          </p:cNvSpPr>
+          <p:nvPr>
+            <p:ph type="sldNum" sz="quarter" idx="5"/>
+          </p:nvPr>
+        </p:nvSpPr>
+        <p:spPr/>
+        <p:txBody>
+          <a:bodyPr/>
+          <a:lstStyle/>
+          <a:p>
+            <a:fld id="{B3E7AC08-7009-48DE-B720-1275489B98BF}" type="slidenum">
+              <a:rPr lang="en-US" smtClean="0"/>
+              <a:t>28</a:t>
+            </a:fld>
+            <a:endParaRPr lang="en-US"/>
+          </a:p>
+        </p:txBody>
+      </p:sp>
+    </p:spTree>
+    <p:extLst>
+      <p:ext uri="{BB962C8B-B14F-4D97-AF65-F5344CB8AC3E}">
+        <p14:creationId xmlns:p14="http://schemas.microsoft.com/office/powerpoint/2010/main" val="2486438715"/>
+      </p:ext>
+    </p:extLst>
+  </p:cSld>
+  <p:clrMapOvr>
+    <a:masterClrMapping/>
+  </p:clrMapOvr>
+</p:notes>
+</file>
+
+<file path=ppt/notesSlides/notesSlide18.xml><?xml version="1.0" encoding="utf-8"?>
+<p:notes xmlns:a="http://schemas.openxmlformats.org/drawingml/2006/main" xmlns:r="http://schemas.openxmlformats.org/officeDocument/2006/relationships" xmlns:p="http://schemas.openxmlformats.org/presentationml/2006/main">
+  <p:cSld>
+    <p:spTree>
+      <p:nvGrpSpPr>
+        <p:cNvPr id="1" name="">
+          <a:extLst>
+            <a:ext uri="{FF2B5EF4-FFF2-40B4-BE49-F238E27FC236}">
+              <a16:creationId xmlns:a16="http://schemas.microsoft.com/office/drawing/2014/main" id="{0F2155EF-BD09-D080-D922-0732219E15BF}"/>
+            </a:ext>
+          </a:extLst>
+        </p:cNvPr>
+        <p:cNvGrpSpPr/>
+        <p:nvPr/>
+      </p:nvGrpSpPr>
+      <p:grpSpPr>
+        <a:xfrm>
+          <a:off x="0" y="0"/>
+          <a:ext cx="0" cy="0"/>
+          <a:chOff x="0" y="0"/>
+          <a:chExt cx="0" cy="0"/>
+        </a:xfrm>
+      </p:grpSpPr>
+      <p:sp>
+        <p:nvSpPr>
+          <p:cNvPr id="2" name="Slide Image Placeholder 1">
+            <a:extLst>
+              <a:ext uri="{FF2B5EF4-FFF2-40B4-BE49-F238E27FC236}">
+                <a16:creationId xmlns:a16="http://schemas.microsoft.com/office/drawing/2014/main" id="{5389A97C-CD40-D304-EDD8-7659F35201B3}"/>
+              </a:ext>
+            </a:extLst>
+          </p:cNvPr>
+          <p:cNvSpPr>
+            <a:spLocks noGrp="1" noRot="1" noChangeAspect="1"/>
+          </p:cNvSpPr>
+          <p:nvPr>
+            <p:ph type="sldImg"/>
+          </p:nvPr>
+        </p:nvSpPr>
+        <p:spPr/>
+      </p:sp>
+      <p:sp>
+        <p:nvSpPr>
+          <p:cNvPr id="3" name="Notes Placeholder 2">
+            <a:extLst>
+              <a:ext uri="{FF2B5EF4-FFF2-40B4-BE49-F238E27FC236}">
+                <a16:creationId xmlns:a16="http://schemas.microsoft.com/office/drawing/2014/main" id="{7A03D244-FD23-317D-191E-183C49E9255B}"/>
+              </a:ext>
+            </a:extLst>
+          </p:cNvPr>
+          <p:cNvSpPr>
+            <a:spLocks noGrp="1"/>
+          </p:cNvSpPr>
+          <p:nvPr>
+            <p:ph type="body" idx="1"/>
+          </p:nvPr>
+        </p:nvSpPr>
+        <p:spPr/>
+        <p:txBody>
+          <a:bodyPr/>
+          <a:lstStyle/>
+          <a:p>
+            <a:endParaRPr lang="en-US" sz="1200" dirty="0">
+              <a:latin typeface="Times New Roman" panose="02020603050405020304" pitchFamily="18" charset="0"/>
+              <a:cs typeface="Times New Roman" panose="02020603050405020304" pitchFamily="18" charset="0"/>
+            </a:endParaRPr>
+          </a:p>
+        </p:txBody>
+      </p:sp>
+      <p:sp>
+        <p:nvSpPr>
+          <p:cNvPr id="4" name="Slide Number Placeholder 3">
+            <a:extLst>
+              <a:ext uri="{FF2B5EF4-FFF2-40B4-BE49-F238E27FC236}">
+                <a16:creationId xmlns:a16="http://schemas.microsoft.com/office/drawing/2014/main" id="{91DA29B4-C717-221D-1B28-CC835D1B70D4}"/>
+              </a:ext>
+            </a:extLst>
+          </p:cNvPr>
+          <p:cNvSpPr>
+            <a:spLocks noGrp="1"/>
+          </p:cNvSpPr>
+          <p:nvPr>
+            <p:ph type="sldNum" sz="quarter" idx="5"/>
+          </p:nvPr>
+        </p:nvSpPr>
+        <p:spPr/>
+        <p:txBody>
+          <a:bodyPr/>
+          <a:lstStyle/>
+          <a:p>
+            <a:fld id="{B3E7AC08-7009-48DE-B720-1275489B98BF}" type="slidenum">
+              <a:rPr lang="en-US" smtClean="0"/>
+              <a:t>29</a:t>
+            </a:fld>
+            <a:endParaRPr lang="en-US"/>
+          </a:p>
+        </p:txBody>
+      </p:sp>
+    </p:spTree>
+    <p:extLst>
+      <p:ext uri="{BB962C8B-B14F-4D97-AF65-F5344CB8AC3E}">
+        <p14:creationId xmlns:p14="http://schemas.microsoft.com/office/powerpoint/2010/main" val="4070195138"/>
+      </p:ext>
+    </p:extLst>
+  </p:cSld>
+  <p:clrMapOvr>
+    <a:masterClrMapping/>
+  </p:clrMapOvr>
+</p:notes>
+</file>
+
+<file path=ppt/notesSlides/notesSlide19.xml><?xml version="1.0" encoding="utf-8"?>
+<p:notes xmlns:a="http://schemas.openxmlformats.org/drawingml/2006/main" xmlns:r="http://schemas.openxmlformats.org/officeDocument/2006/relationships" xmlns:p="http://schemas.openxmlformats.org/presentationml/2006/main">
+  <p:cSld>
+    <p:spTree>
+      <p:nvGrpSpPr>
+        <p:cNvPr id="1" name="">
+          <a:extLst>
+            <a:ext uri="{FF2B5EF4-FFF2-40B4-BE49-F238E27FC236}">
+              <a16:creationId xmlns:a16="http://schemas.microsoft.com/office/drawing/2014/main" id="{965DE0B3-7D16-9486-688D-B681E4CA3118}"/>
+            </a:ext>
+          </a:extLst>
+        </p:cNvPr>
+        <p:cNvGrpSpPr/>
+        <p:nvPr/>
+      </p:nvGrpSpPr>
+      <p:grpSpPr>
+        <a:xfrm>
+          <a:off x="0" y="0"/>
+          <a:ext cx="0" cy="0"/>
+          <a:chOff x="0" y="0"/>
+          <a:chExt cx="0" cy="0"/>
+        </a:xfrm>
+      </p:grpSpPr>
+      <p:sp>
+        <p:nvSpPr>
+          <p:cNvPr id="2" name="Slide Image Placeholder 1">
+            <a:extLst>
+              <a:ext uri="{FF2B5EF4-FFF2-40B4-BE49-F238E27FC236}">
+                <a16:creationId xmlns:a16="http://schemas.microsoft.com/office/drawing/2014/main" id="{71E133B5-281B-6F95-2CB0-BB15BAB4693C}"/>
+              </a:ext>
+            </a:extLst>
+          </p:cNvPr>
+          <p:cNvSpPr>
+            <a:spLocks noGrp="1" noRot="1" noChangeAspect="1"/>
+          </p:cNvSpPr>
+          <p:nvPr>
+            <p:ph type="sldImg"/>
+          </p:nvPr>
+        </p:nvSpPr>
+        <p:spPr/>
+      </p:sp>
+      <p:sp>
+        <p:nvSpPr>
+          <p:cNvPr id="3" name="Notes Placeholder 2">
+            <a:extLst>
+              <a:ext uri="{FF2B5EF4-FFF2-40B4-BE49-F238E27FC236}">
+                <a16:creationId xmlns:a16="http://schemas.microsoft.com/office/drawing/2014/main" id="{78D3B886-FD62-013D-DC9B-DA1014B934AA}"/>
+              </a:ext>
+            </a:extLst>
+          </p:cNvPr>
+          <p:cNvSpPr>
+            <a:spLocks noGrp="1"/>
+          </p:cNvSpPr>
+          <p:nvPr>
+            <p:ph type="body" idx="1"/>
+          </p:nvPr>
+        </p:nvSpPr>
+        <p:spPr/>
+        <p:txBody>
+          <a:bodyPr/>
+          <a:lstStyle/>
+          <a:p>
+            <a:endParaRPr lang="en-US" sz="1200" dirty="0">
+              <a:latin typeface="Times New Roman" panose="02020603050405020304" pitchFamily="18" charset="0"/>
+              <a:cs typeface="Times New Roman" panose="02020603050405020304" pitchFamily="18" charset="0"/>
+            </a:endParaRPr>
+          </a:p>
+        </p:txBody>
+      </p:sp>
+      <p:sp>
+        <p:nvSpPr>
+          <p:cNvPr id="4" name="Slide Number Placeholder 3">
+            <a:extLst>
+              <a:ext uri="{FF2B5EF4-FFF2-40B4-BE49-F238E27FC236}">
+                <a16:creationId xmlns:a16="http://schemas.microsoft.com/office/drawing/2014/main" id="{1B18AB1C-19AB-E7C4-4B7C-4E9D270CEFB2}"/>
+              </a:ext>
+            </a:extLst>
+          </p:cNvPr>
+          <p:cNvSpPr>
+            <a:spLocks noGrp="1"/>
+          </p:cNvSpPr>
+          <p:nvPr>
+            <p:ph type="sldNum" sz="quarter" idx="5"/>
+          </p:nvPr>
+        </p:nvSpPr>
+        <p:spPr/>
+        <p:txBody>
+          <a:bodyPr/>
+          <a:lstStyle/>
+          <a:p>
+            <a:fld id="{B3E7AC08-7009-48DE-B720-1275489B98BF}" type="slidenum">
+              <a:rPr lang="en-US" smtClean="0"/>
+              <a:t>30</a:t>
+            </a:fld>
+            <a:endParaRPr lang="en-US"/>
+          </a:p>
+        </p:txBody>
+      </p:sp>
+    </p:spTree>
+    <p:extLst>
+      <p:ext uri="{BB962C8B-B14F-4D97-AF65-F5344CB8AC3E}">
+        <p14:creationId xmlns:p14="http://schemas.microsoft.com/office/powerpoint/2010/main" val="1186674579"/>
+      </p:ext>
+    </p:extLst>
+  </p:cSld>
+  <p:clrMapOvr>
+    <a:masterClrMapping/>
+  </p:clrMapOvr>
+</p:notes>
+</file>
+
+<file path=ppt/notesSlides/notesSlide2.xml><?xml version="1.0" encoding="utf-8"?>
+<p:notes xmlns:a="http://schemas.openxmlformats.org/drawingml/2006/main" xmlns:r="http://schemas.openxmlformats.org/officeDocument/2006/relationships" xmlns:p="http://schemas.openxmlformats.org/presentationml/2006/main">
+  <p:cSld>
+    <p:spTree>
+      <p:nvGrpSpPr>
+        <p:cNvPr id="1" name="">
+          <a:extLst>
+            <a:ext uri="{FF2B5EF4-FFF2-40B4-BE49-F238E27FC236}">
+              <a16:creationId xmlns:a16="http://schemas.microsoft.com/office/drawing/2014/main" id="{C510E817-7023-3A74-FECA-E23B21A7295C}"/>
+            </a:ext>
+          </a:extLst>
+        </p:cNvPr>
+        <p:cNvGrpSpPr/>
+        <p:nvPr/>
+      </p:nvGrpSpPr>
+      <p:grpSpPr>
+        <a:xfrm>
+          <a:off x="0" y="0"/>
+          <a:ext cx="0" cy="0"/>
+          <a:chOff x="0" y="0"/>
+          <a:chExt cx="0" cy="0"/>
+        </a:xfrm>
+      </p:grpSpPr>
+      <p:sp>
+        <p:nvSpPr>
+          <p:cNvPr id="2" name="Slide Image Placeholder 1">
+            <a:extLst>
+              <a:ext uri="{FF2B5EF4-FFF2-40B4-BE49-F238E27FC236}">
+                <a16:creationId xmlns:a16="http://schemas.microsoft.com/office/drawing/2014/main" id="{77EC2820-8DE4-A238-F63E-FAE914AF1F7B}"/>
+              </a:ext>
+            </a:extLst>
+          </p:cNvPr>
+          <p:cNvSpPr>
+            <a:spLocks noGrp="1" noRot="1" noChangeAspect="1"/>
+          </p:cNvSpPr>
+          <p:nvPr>
+            <p:ph type="sldImg"/>
+          </p:nvPr>
+        </p:nvSpPr>
+        <p:spPr/>
+      </p:sp>
+      <p:sp>
+        <p:nvSpPr>
+          <p:cNvPr id="3" name="Notes Placeholder 2">
+            <a:extLst>
+              <a:ext uri="{FF2B5EF4-FFF2-40B4-BE49-F238E27FC236}">
+                <a16:creationId xmlns:a16="http://schemas.microsoft.com/office/drawing/2014/main" id="{32EBCDF3-BEAD-9346-2198-4D2578D06D67}"/>
+              </a:ext>
+            </a:extLst>
+          </p:cNvPr>
+          <p:cNvSpPr>
+            <a:spLocks noGrp="1"/>
+          </p:cNvSpPr>
+          <p:nvPr>
+            <p:ph type="body" idx="1"/>
+          </p:nvPr>
+        </p:nvSpPr>
+        <p:spPr/>
+        <p:txBody>
+          <a:bodyPr/>
+          <a:lstStyle/>
+          <a:p>
+            <a:r>
+              <a:rPr lang="en-US" sz="1200" b="0" i="0" u="none" strike="noStrike" kern="1200" baseline="0" dirty="0">
+                <a:solidFill>
+                  <a:schemeClr val="tx1"/>
+                </a:solidFill>
+                <a:latin typeface="+mn-lt"/>
+                <a:ea typeface="+mn-ea"/>
+                <a:cs typeface="+mn-cs"/>
+              </a:rPr>
+              <a:t>Each increment or version of the system incorporates some of the functionality</a:t>
+            </a:r>
+          </a:p>
+          <a:p>
+            <a:r>
+              <a:rPr lang="en-US" sz="1200" b="0" i="0" u="none" strike="noStrike" kern="1200" baseline="0" dirty="0">
+                <a:solidFill>
+                  <a:schemeClr val="tx1"/>
+                </a:solidFill>
+                <a:latin typeface="+mn-lt"/>
+                <a:ea typeface="+mn-ea"/>
+                <a:cs typeface="+mn-cs"/>
+              </a:rPr>
+              <a:t>that is needed by the customer. Generally, the early increments of the system</a:t>
+            </a:r>
+          </a:p>
+          <a:p>
+            <a:r>
+              <a:rPr lang="en-US" sz="1200" b="0" i="0" u="none" strike="noStrike" kern="1200" baseline="0" dirty="0">
+                <a:solidFill>
+                  <a:schemeClr val="tx1"/>
+                </a:solidFill>
+                <a:latin typeface="+mn-lt"/>
+                <a:ea typeface="+mn-ea"/>
+                <a:cs typeface="+mn-cs"/>
+              </a:rPr>
+              <a:t>include the most important or most urgently required functionality.</a:t>
+            </a:r>
+            <a:endParaRPr lang="en-US" sz="1200" dirty="0">
+              <a:latin typeface="Times New Roman" panose="02020603050405020304" pitchFamily="18" charset="0"/>
+              <a:cs typeface="Times New Roman" panose="02020603050405020304" pitchFamily="18" charset="0"/>
+            </a:endParaRPr>
+          </a:p>
+        </p:txBody>
+      </p:sp>
+      <p:sp>
+        <p:nvSpPr>
+          <p:cNvPr id="4" name="Slide Number Placeholder 3">
+            <a:extLst>
+              <a:ext uri="{FF2B5EF4-FFF2-40B4-BE49-F238E27FC236}">
+                <a16:creationId xmlns:a16="http://schemas.microsoft.com/office/drawing/2014/main" id="{52CB4ED0-F3AD-81E8-FDAE-AACC9E0338BF}"/>
+              </a:ext>
+            </a:extLst>
+          </p:cNvPr>
+          <p:cNvSpPr>
+            <a:spLocks noGrp="1"/>
+          </p:cNvSpPr>
+          <p:nvPr>
+            <p:ph type="sldNum" sz="quarter" idx="5"/>
+          </p:nvPr>
+        </p:nvSpPr>
+        <p:spPr/>
+        <p:txBody>
+          <a:bodyPr/>
+          <a:lstStyle/>
+          <a:p>
+            <a:fld id="{B3E7AC08-7009-48DE-B720-1275489B98BF}" type="slidenum">
+              <a:rPr lang="en-US" smtClean="0"/>
+              <a:t>13</a:t>
+            </a:fld>
+            <a:endParaRPr lang="en-US"/>
+          </a:p>
+        </p:txBody>
+      </p:sp>
+    </p:spTree>
+    <p:extLst>
+      <p:ext uri="{BB962C8B-B14F-4D97-AF65-F5344CB8AC3E}">
+        <p14:creationId xmlns:p14="http://schemas.microsoft.com/office/powerpoint/2010/main" val="605361627"/>
+      </p:ext>
+    </p:extLst>
+  </p:cSld>
+  <p:clrMapOvr>
+    <a:masterClrMapping/>
+  </p:clrMapOvr>
+</p:notes>
+</file>
+
+<file path=ppt/notesSlides/notesSlide3.xml><?xml version="1.0" encoding="utf-8"?>
+<p:notes xmlns:a="http://schemas.openxmlformats.org/drawingml/2006/main" xmlns:r="http://schemas.openxmlformats.org/officeDocument/2006/relationships" xmlns:p="http://schemas.openxmlformats.org/presentationml/2006/main">
+  <p:cSld>
+    <p:spTree>
+      <p:nvGrpSpPr>
+        <p:cNvPr id="1" name="">
+          <a:extLst>
+            <a:ext uri="{FF2B5EF4-FFF2-40B4-BE49-F238E27FC236}">
+              <a16:creationId xmlns:a16="http://schemas.microsoft.com/office/drawing/2014/main" id="{2AF0075D-0CB3-128F-F191-F8105820FEDD}"/>
+            </a:ext>
+          </a:extLst>
+        </p:cNvPr>
+        <p:cNvGrpSpPr/>
+        <p:nvPr/>
+      </p:nvGrpSpPr>
+      <p:grpSpPr>
+        <a:xfrm>
+          <a:off x="0" y="0"/>
+          <a:ext cx="0" cy="0"/>
+          <a:chOff x="0" y="0"/>
+          <a:chExt cx="0" cy="0"/>
+        </a:xfrm>
+      </p:grpSpPr>
+      <p:sp>
+        <p:nvSpPr>
+          <p:cNvPr id="2" name="Slide Image Placeholder 1">
+            <a:extLst>
+              <a:ext uri="{FF2B5EF4-FFF2-40B4-BE49-F238E27FC236}">
+                <a16:creationId xmlns:a16="http://schemas.microsoft.com/office/drawing/2014/main" id="{DF394F2B-44EE-EF48-09ED-AAFFE370539B}"/>
+              </a:ext>
+            </a:extLst>
+          </p:cNvPr>
+          <p:cNvSpPr>
+            <a:spLocks noGrp="1" noRot="1" noChangeAspect="1"/>
+          </p:cNvSpPr>
+          <p:nvPr>
+            <p:ph type="sldImg"/>
+          </p:nvPr>
+        </p:nvSpPr>
+        <p:spPr/>
+      </p:sp>
+      <p:sp>
+        <p:nvSpPr>
+          <p:cNvPr id="3" name="Notes Placeholder 2">
+            <a:extLst>
+              <a:ext uri="{FF2B5EF4-FFF2-40B4-BE49-F238E27FC236}">
+                <a16:creationId xmlns:a16="http://schemas.microsoft.com/office/drawing/2014/main" id="{EB2EAC7D-CB47-EB89-54F9-28EAF54D3C0A}"/>
+              </a:ext>
+            </a:extLst>
+          </p:cNvPr>
+          <p:cNvSpPr>
+            <a:spLocks noGrp="1"/>
+          </p:cNvSpPr>
+          <p:nvPr>
+            <p:ph type="body" idx="1"/>
+          </p:nvPr>
+        </p:nvSpPr>
+        <p:spPr/>
+        <p:txBody>
+          <a:bodyPr/>
+          <a:lstStyle/>
+          <a:p>
+            <a:pPr marL="0" marR="0" lvl="0" indent="0" algn="l" defTabSz="914400" rtl="0" eaLnBrk="1" fontAlgn="auto" latinLnBrk="0" hangingPunct="1">
+              <a:lnSpc>
+                <a:spcPct val="100000"/>
+              </a:lnSpc>
+              <a:spcBef>
+                <a:spcPts val="0"/>
+              </a:spcBef>
+              <a:spcAft>
+                <a:spcPts val="0"/>
+              </a:spcAft>
+              <a:buClrTx/>
+              <a:buSzTx/>
+              <a:buFontTx/>
+              <a:buNone/>
+              <a:tabLst/>
+              <a:defRPr/>
+            </a:pPr>
+            <a:endParaRPr lang="en-US" sz="1200" dirty="0">
+              <a:latin typeface="Times New Roman" panose="02020603050405020304" pitchFamily="18" charset="0"/>
+              <a:cs typeface="Times New Roman" panose="02020603050405020304" pitchFamily="18" charset="0"/>
+            </a:endParaRPr>
+          </a:p>
+        </p:txBody>
+      </p:sp>
+      <p:sp>
+        <p:nvSpPr>
+          <p:cNvPr id="4" name="Slide Number Placeholder 3">
+            <a:extLst>
+              <a:ext uri="{FF2B5EF4-FFF2-40B4-BE49-F238E27FC236}">
+                <a16:creationId xmlns:a16="http://schemas.microsoft.com/office/drawing/2014/main" id="{712F33D5-CC5A-CA49-E1DD-322D4E17F6B5}"/>
+              </a:ext>
+            </a:extLst>
+          </p:cNvPr>
+          <p:cNvSpPr>
+            <a:spLocks noGrp="1"/>
+          </p:cNvSpPr>
+          <p:nvPr>
+            <p:ph type="sldNum" sz="quarter" idx="5"/>
+          </p:nvPr>
+        </p:nvSpPr>
+        <p:spPr/>
+        <p:txBody>
+          <a:bodyPr/>
+          <a:lstStyle/>
+          <a:p>
+            <a:fld id="{B3E7AC08-7009-48DE-B720-1275489B98BF}" type="slidenum">
+              <a:rPr lang="en-US" smtClean="0"/>
+              <a:t>14</a:t>
+            </a:fld>
+            <a:endParaRPr lang="en-US"/>
+          </a:p>
+        </p:txBody>
+      </p:sp>
+    </p:spTree>
+    <p:extLst>
+      <p:ext uri="{BB962C8B-B14F-4D97-AF65-F5344CB8AC3E}">
+        <p14:creationId xmlns:p14="http://schemas.microsoft.com/office/powerpoint/2010/main" val="1112216194"/>
+      </p:ext>
+    </p:extLst>
+  </p:cSld>
+  <p:clrMapOvr>
+    <a:masterClrMapping/>
+  </p:clrMapOvr>
+</p:notes>
+</file>
+
+<file path=ppt/notesSlides/notesSlide4.xml><?xml version="1.0" encoding="utf-8"?>
+<p:notes xmlns:a="http://schemas.openxmlformats.org/drawingml/2006/main" xmlns:r="http://schemas.openxmlformats.org/officeDocument/2006/relationships" xmlns:p="http://schemas.openxmlformats.org/presentationml/2006/main">
+  <p:cSld>
+    <p:spTree>
+      <p:nvGrpSpPr>
+        <p:cNvPr id="1" name="">
+          <a:extLst>
+            <a:ext uri="{FF2B5EF4-FFF2-40B4-BE49-F238E27FC236}">
+              <a16:creationId xmlns:a16="http://schemas.microsoft.com/office/drawing/2014/main" id="{0E92E5E5-7F3F-C9F2-1AFF-BC3AA9014DF9}"/>
+            </a:ext>
+          </a:extLst>
+        </p:cNvPr>
+        <p:cNvGrpSpPr/>
+        <p:nvPr/>
+      </p:nvGrpSpPr>
+      <p:grpSpPr>
+        <a:xfrm>
+          <a:off x="0" y="0"/>
+          <a:ext cx="0" cy="0"/>
+          <a:chOff x="0" y="0"/>
+          <a:chExt cx="0" cy="0"/>
+        </a:xfrm>
+      </p:grpSpPr>
+      <p:sp>
+        <p:nvSpPr>
+          <p:cNvPr id="2" name="Slide Image Placeholder 1">
+            <a:extLst>
+              <a:ext uri="{FF2B5EF4-FFF2-40B4-BE49-F238E27FC236}">
+                <a16:creationId xmlns:a16="http://schemas.microsoft.com/office/drawing/2014/main" id="{DE4305B7-F469-4B6C-55B3-11B9C2B0D33B}"/>
+              </a:ext>
+            </a:extLst>
+          </p:cNvPr>
+          <p:cNvSpPr>
+            <a:spLocks noGrp="1" noRot="1" noChangeAspect="1"/>
+          </p:cNvSpPr>
+          <p:nvPr>
+            <p:ph type="sldImg"/>
+          </p:nvPr>
+        </p:nvSpPr>
+        <p:spPr/>
+      </p:sp>
+      <p:sp>
+        <p:nvSpPr>
+          <p:cNvPr id="3" name="Notes Placeholder 2">
+            <a:extLst>
+              <a:ext uri="{FF2B5EF4-FFF2-40B4-BE49-F238E27FC236}">
+                <a16:creationId xmlns:a16="http://schemas.microsoft.com/office/drawing/2014/main" id="{4983B08F-D3FE-BB7D-65FD-8931E162AACA}"/>
+              </a:ext>
+            </a:extLst>
+          </p:cNvPr>
+          <p:cNvSpPr>
+            <a:spLocks noGrp="1"/>
+          </p:cNvSpPr>
+          <p:nvPr>
+            <p:ph type="body" idx="1"/>
+          </p:nvPr>
+        </p:nvSpPr>
+        <p:spPr/>
+        <p:txBody>
+          <a:bodyPr/>
+          <a:lstStyle/>
+          <a:p>
+            <a:endParaRPr lang="en-US" sz="1200" dirty="0">
+              <a:latin typeface="Times New Roman" panose="02020603050405020304" pitchFamily="18" charset="0"/>
+              <a:cs typeface="Times New Roman" panose="02020603050405020304" pitchFamily="18" charset="0"/>
+            </a:endParaRPr>
+          </a:p>
+        </p:txBody>
+      </p:sp>
+      <p:sp>
+        <p:nvSpPr>
+          <p:cNvPr id="4" name="Slide Number Placeholder 3">
+            <a:extLst>
+              <a:ext uri="{FF2B5EF4-FFF2-40B4-BE49-F238E27FC236}">
+                <a16:creationId xmlns:a16="http://schemas.microsoft.com/office/drawing/2014/main" id="{6EF53907-DC98-309C-9190-71BBD0DD0762}"/>
+              </a:ext>
+            </a:extLst>
+          </p:cNvPr>
+          <p:cNvSpPr>
+            <a:spLocks noGrp="1"/>
+          </p:cNvSpPr>
+          <p:nvPr>
+            <p:ph type="sldNum" sz="quarter" idx="5"/>
+          </p:nvPr>
+        </p:nvSpPr>
+        <p:spPr/>
+        <p:txBody>
+          <a:bodyPr/>
+          <a:lstStyle/>
+          <a:p>
+            <a:fld id="{B3E7AC08-7009-48DE-B720-1275489B98BF}" type="slidenum">
+              <a:rPr lang="en-US" smtClean="0"/>
+              <a:t>15</a:t>
+            </a:fld>
+            <a:endParaRPr lang="en-US"/>
+          </a:p>
+        </p:txBody>
+      </p:sp>
+    </p:spTree>
+    <p:extLst>
+      <p:ext uri="{BB962C8B-B14F-4D97-AF65-F5344CB8AC3E}">
+        <p14:creationId xmlns:p14="http://schemas.microsoft.com/office/powerpoint/2010/main" val="1220900488"/>
+      </p:ext>
+    </p:extLst>
+  </p:cSld>
+  <p:clrMapOvr>
+    <a:masterClrMapping/>
+  </p:clrMapOvr>
+</p:notes>
+</file>
+
+<file path=ppt/notesSlides/notesSlide5.xml><?xml version="1.0" encoding="utf-8"?>
+<p:notes xmlns:a="http://schemas.openxmlformats.org/drawingml/2006/main" xmlns:r="http://schemas.openxmlformats.org/officeDocument/2006/relationships" xmlns:p="http://schemas.openxmlformats.org/presentationml/2006/main">
+  <p:cSld>
+    <p:spTree>
+      <p:nvGrpSpPr>
+        <p:cNvPr id="1" name="">
+          <a:extLst>
+            <a:ext uri="{FF2B5EF4-FFF2-40B4-BE49-F238E27FC236}">
+              <a16:creationId xmlns:a16="http://schemas.microsoft.com/office/drawing/2014/main" id="{1F66D432-3D83-7953-CE29-CBFCA307186F}"/>
+            </a:ext>
+          </a:extLst>
+        </p:cNvPr>
+        <p:cNvGrpSpPr/>
+        <p:nvPr/>
+      </p:nvGrpSpPr>
+      <p:grpSpPr>
+        <a:xfrm>
+          <a:off x="0" y="0"/>
+          <a:ext cx="0" cy="0"/>
+          <a:chOff x="0" y="0"/>
+          <a:chExt cx="0" cy="0"/>
+        </a:xfrm>
+      </p:grpSpPr>
+      <p:sp>
+        <p:nvSpPr>
+          <p:cNvPr id="2" name="Slide Image Placeholder 1">
+            <a:extLst>
+              <a:ext uri="{FF2B5EF4-FFF2-40B4-BE49-F238E27FC236}">
+                <a16:creationId xmlns:a16="http://schemas.microsoft.com/office/drawing/2014/main" id="{4330B5BC-6347-F6EB-3BBF-EB90CE1B8CA2}"/>
+              </a:ext>
+            </a:extLst>
+          </p:cNvPr>
+          <p:cNvSpPr>
+            <a:spLocks noGrp="1" noRot="1" noChangeAspect="1"/>
+          </p:cNvSpPr>
+          <p:nvPr>
+            <p:ph type="sldImg"/>
+          </p:nvPr>
+        </p:nvSpPr>
+        <p:spPr/>
+      </p:sp>
+      <p:sp>
+        <p:nvSpPr>
+          <p:cNvPr id="3" name="Notes Placeholder 2">
+            <a:extLst>
+              <a:ext uri="{FF2B5EF4-FFF2-40B4-BE49-F238E27FC236}">
+                <a16:creationId xmlns:a16="http://schemas.microsoft.com/office/drawing/2014/main" id="{442CC441-8405-8B5A-2D04-94FC2996CA57}"/>
+              </a:ext>
+            </a:extLst>
+          </p:cNvPr>
+          <p:cNvSpPr>
+            <a:spLocks noGrp="1"/>
+          </p:cNvSpPr>
+          <p:nvPr>
+            <p:ph type="body" idx="1"/>
+          </p:nvPr>
+        </p:nvSpPr>
+        <p:spPr/>
+        <p:txBody>
+          <a:bodyPr/>
+          <a:lstStyle/>
+          <a:p>
+            <a:endParaRPr lang="en-US" sz="1200" dirty="0">
+              <a:latin typeface="Times New Roman" panose="02020603050405020304" pitchFamily="18" charset="0"/>
+              <a:cs typeface="Times New Roman" panose="02020603050405020304" pitchFamily="18" charset="0"/>
+            </a:endParaRPr>
+          </a:p>
+        </p:txBody>
+      </p:sp>
+      <p:sp>
+        <p:nvSpPr>
+          <p:cNvPr id="4" name="Slide Number Placeholder 3">
+            <a:extLst>
+              <a:ext uri="{FF2B5EF4-FFF2-40B4-BE49-F238E27FC236}">
+                <a16:creationId xmlns:a16="http://schemas.microsoft.com/office/drawing/2014/main" id="{BE015517-757B-0970-0DA0-E6A4B134BA9E}"/>
+              </a:ext>
+            </a:extLst>
+          </p:cNvPr>
+          <p:cNvSpPr>
+            <a:spLocks noGrp="1"/>
+          </p:cNvSpPr>
+          <p:nvPr>
+            <p:ph type="sldNum" sz="quarter" idx="5"/>
+          </p:nvPr>
+        </p:nvSpPr>
+        <p:spPr/>
+        <p:txBody>
+          <a:bodyPr/>
+          <a:lstStyle/>
+          <a:p>
+            <a:fld id="{B3E7AC08-7009-48DE-B720-1275489B98BF}" type="slidenum">
+              <a:rPr lang="en-US" smtClean="0"/>
+              <a:t>16</a:t>
+            </a:fld>
+            <a:endParaRPr lang="en-US"/>
+          </a:p>
+        </p:txBody>
+      </p:sp>
+    </p:spTree>
+    <p:extLst>
+      <p:ext uri="{BB962C8B-B14F-4D97-AF65-F5344CB8AC3E}">
+        <p14:creationId xmlns:p14="http://schemas.microsoft.com/office/powerpoint/2010/main" val="1710558691"/>
+      </p:ext>
+    </p:extLst>
+  </p:cSld>
+  <p:clrMapOvr>
+    <a:masterClrMapping/>
+  </p:clrMapOvr>
+</p:notes>
+</file>
+
+<file path=ppt/notesSlides/notesSlide6.xml><?xml version="1.0" encoding="utf-8"?>
+<p:notes xmlns:a="http://schemas.openxmlformats.org/drawingml/2006/main" xmlns:r="http://schemas.openxmlformats.org/officeDocument/2006/relationships" xmlns:p="http://schemas.openxmlformats.org/presentationml/2006/main">
+  <p:cSld>
+    <p:spTree>
+      <p:nvGrpSpPr>
+        <p:cNvPr id="1" name="">
+          <a:extLst>
+            <a:ext uri="{FF2B5EF4-FFF2-40B4-BE49-F238E27FC236}">
+              <a16:creationId xmlns:a16="http://schemas.microsoft.com/office/drawing/2014/main" id="{7FDD41C1-1105-50B9-194A-9F834D4FA5F4}"/>
+            </a:ext>
+          </a:extLst>
+        </p:cNvPr>
+        <p:cNvGrpSpPr/>
+        <p:nvPr/>
+      </p:nvGrpSpPr>
+      <p:grpSpPr>
+        <a:xfrm>
+          <a:off x="0" y="0"/>
+          <a:ext cx="0" cy="0"/>
+          <a:chOff x="0" y="0"/>
+          <a:chExt cx="0" cy="0"/>
+        </a:xfrm>
+      </p:grpSpPr>
+      <p:sp>
+        <p:nvSpPr>
+          <p:cNvPr id="2" name="Slide Image Placeholder 1">
+            <a:extLst>
+              <a:ext uri="{FF2B5EF4-FFF2-40B4-BE49-F238E27FC236}">
+                <a16:creationId xmlns:a16="http://schemas.microsoft.com/office/drawing/2014/main" id="{EE69568E-365E-CEE6-0E51-A68654975040}"/>
+              </a:ext>
+            </a:extLst>
+          </p:cNvPr>
+          <p:cNvSpPr>
+            <a:spLocks noGrp="1" noRot="1" noChangeAspect="1"/>
+          </p:cNvSpPr>
+          <p:nvPr>
+            <p:ph type="sldImg"/>
+          </p:nvPr>
+        </p:nvSpPr>
+        <p:spPr/>
+      </p:sp>
+      <p:sp>
+        <p:nvSpPr>
+          <p:cNvPr id="3" name="Notes Placeholder 2">
+            <a:extLst>
+              <a:ext uri="{FF2B5EF4-FFF2-40B4-BE49-F238E27FC236}">
+                <a16:creationId xmlns:a16="http://schemas.microsoft.com/office/drawing/2014/main" id="{6841A267-F6BE-8831-8FCF-F2F05E07985C}"/>
+              </a:ext>
+            </a:extLst>
+          </p:cNvPr>
+          <p:cNvSpPr>
+            <a:spLocks noGrp="1"/>
+          </p:cNvSpPr>
+          <p:nvPr>
+            <p:ph type="body" idx="1"/>
+          </p:nvPr>
+        </p:nvSpPr>
+        <p:spPr/>
+        <p:txBody>
+          <a:bodyPr/>
+          <a:lstStyle/>
+          <a:p>
+            <a:endParaRPr lang="en-US" sz="1200" dirty="0">
+              <a:latin typeface="Times New Roman" panose="02020603050405020304" pitchFamily="18" charset="0"/>
+              <a:cs typeface="Times New Roman" panose="02020603050405020304" pitchFamily="18" charset="0"/>
+            </a:endParaRPr>
+          </a:p>
+        </p:txBody>
+      </p:sp>
+      <p:sp>
+        <p:nvSpPr>
+          <p:cNvPr id="4" name="Slide Number Placeholder 3">
+            <a:extLst>
+              <a:ext uri="{FF2B5EF4-FFF2-40B4-BE49-F238E27FC236}">
+                <a16:creationId xmlns:a16="http://schemas.microsoft.com/office/drawing/2014/main" id="{91C51827-6E98-D2A7-ACCA-A1B79C65A309}"/>
+              </a:ext>
+            </a:extLst>
+          </p:cNvPr>
+          <p:cNvSpPr>
+            <a:spLocks noGrp="1"/>
+          </p:cNvSpPr>
+          <p:nvPr>
+            <p:ph type="sldNum" sz="quarter" idx="5"/>
+          </p:nvPr>
+        </p:nvSpPr>
+        <p:spPr/>
+        <p:txBody>
+          <a:bodyPr/>
+          <a:lstStyle/>
+          <a:p>
+            <a:fld id="{B3E7AC08-7009-48DE-B720-1275489B98BF}" type="slidenum">
+              <a:rPr lang="en-US" smtClean="0"/>
+              <a:t>17</a:t>
+            </a:fld>
+            <a:endParaRPr lang="en-US"/>
+          </a:p>
+        </p:txBody>
+      </p:sp>
+    </p:spTree>
+    <p:extLst>
+      <p:ext uri="{BB962C8B-B14F-4D97-AF65-F5344CB8AC3E}">
+        <p14:creationId xmlns:p14="http://schemas.microsoft.com/office/powerpoint/2010/main" val="2923228108"/>
+      </p:ext>
+    </p:extLst>
+  </p:cSld>
+  <p:clrMapOvr>
+    <a:masterClrMapping/>
+  </p:clrMapOvr>
+</p:notes>
+</file>
+
+<file path=ppt/notesSlides/notesSlide7.xml><?xml version="1.0" encoding="utf-8"?>
+<p:notes xmlns:a="http://schemas.openxmlformats.org/drawingml/2006/main" xmlns:r="http://schemas.openxmlformats.org/officeDocument/2006/relationships" xmlns:p="http://schemas.openxmlformats.org/presentationml/2006/main">
+  <p:cSld>
+    <p:spTree>
+      <p:nvGrpSpPr>
+        <p:cNvPr id="1" name="">
+          <a:extLst>
+            <a:ext uri="{FF2B5EF4-FFF2-40B4-BE49-F238E27FC236}">
+              <a16:creationId xmlns:a16="http://schemas.microsoft.com/office/drawing/2014/main" id="{7770F656-2078-E6C3-E468-CA848BC3CBAE}"/>
+            </a:ext>
+          </a:extLst>
+        </p:cNvPr>
+        <p:cNvGrpSpPr/>
+        <p:nvPr/>
+      </p:nvGrpSpPr>
+      <p:grpSpPr>
+        <a:xfrm>
+          <a:off x="0" y="0"/>
+          <a:ext cx="0" cy="0"/>
+          <a:chOff x="0" y="0"/>
+          <a:chExt cx="0" cy="0"/>
+        </a:xfrm>
+      </p:grpSpPr>
+      <p:sp>
+        <p:nvSpPr>
+          <p:cNvPr id="2" name="Slide Image Placeholder 1">
+            <a:extLst>
+              <a:ext uri="{FF2B5EF4-FFF2-40B4-BE49-F238E27FC236}">
+                <a16:creationId xmlns:a16="http://schemas.microsoft.com/office/drawing/2014/main" id="{A935539B-E673-44BB-EC01-CA7D1FEAE461}"/>
+              </a:ext>
+            </a:extLst>
+          </p:cNvPr>
+          <p:cNvSpPr>
+            <a:spLocks noGrp="1" noRot="1" noChangeAspect="1"/>
+          </p:cNvSpPr>
+          <p:nvPr>
+            <p:ph type="sldImg"/>
+          </p:nvPr>
+        </p:nvSpPr>
+        <p:spPr/>
+      </p:sp>
+      <p:sp>
+        <p:nvSpPr>
+          <p:cNvPr id="3" name="Notes Placeholder 2">
+            <a:extLst>
+              <a:ext uri="{FF2B5EF4-FFF2-40B4-BE49-F238E27FC236}">
+                <a16:creationId xmlns:a16="http://schemas.microsoft.com/office/drawing/2014/main" id="{812A34D7-A6B7-64E2-7EDA-79EE89064FEA}"/>
+              </a:ext>
+            </a:extLst>
+          </p:cNvPr>
+          <p:cNvSpPr>
+            <a:spLocks noGrp="1"/>
+          </p:cNvSpPr>
+          <p:nvPr>
+            <p:ph type="body" idx="1"/>
+          </p:nvPr>
+        </p:nvSpPr>
+        <p:spPr/>
+        <p:txBody>
+          <a:bodyPr/>
+          <a:lstStyle/>
+          <a:p>
+            <a:endParaRPr lang="en-US" sz="1200" dirty="0">
+              <a:latin typeface="Times New Roman" panose="02020603050405020304" pitchFamily="18" charset="0"/>
+              <a:cs typeface="Times New Roman" panose="02020603050405020304" pitchFamily="18" charset="0"/>
+            </a:endParaRPr>
+          </a:p>
+        </p:txBody>
+      </p:sp>
+      <p:sp>
+        <p:nvSpPr>
+          <p:cNvPr id="4" name="Slide Number Placeholder 3">
+            <a:extLst>
+              <a:ext uri="{FF2B5EF4-FFF2-40B4-BE49-F238E27FC236}">
+                <a16:creationId xmlns:a16="http://schemas.microsoft.com/office/drawing/2014/main" id="{48EE65F1-F5D0-A3AD-9693-DA556EE69F40}"/>
+              </a:ext>
+            </a:extLst>
+          </p:cNvPr>
+          <p:cNvSpPr>
+            <a:spLocks noGrp="1"/>
+          </p:cNvSpPr>
+          <p:nvPr>
+            <p:ph type="sldNum" sz="quarter" idx="5"/>
+          </p:nvPr>
+        </p:nvSpPr>
+        <p:spPr/>
+        <p:txBody>
+          <a:bodyPr/>
+          <a:lstStyle/>
+          <a:p>
+            <a:fld id="{B3E7AC08-7009-48DE-B720-1275489B98BF}" type="slidenum">
+              <a:rPr lang="en-US" smtClean="0"/>
+              <a:t>18</a:t>
+            </a:fld>
+            <a:endParaRPr lang="en-US"/>
+          </a:p>
+        </p:txBody>
+      </p:sp>
+    </p:spTree>
+    <p:extLst>
+      <p:ext uri="{BB962C8B-B14F-4D97-AF65-F5344CB8AC3E}">
+        <p14:creationId xmlns:p14="http://schemas.microsoft.com/office/powerpoint/2010/main" val="120667093"/>
+      </p:ext>
+    </p:extLst>
+  </p:cSld>
+  <p:clrMapOvr>
+    <a:masterClrMapping/>
+  </p:clrMapOvr>
+</p:notes>
+</file>
+
+<file path=ppt/notesSlides/notesSlide8.xml><?xml version="1.0" encoding="utf-8"?>
+<p:notes xmlns:a="http://schemas.openxmlformats.org/drawingml/2006/main" xmlns:r="http://schemas.openxmlformats.org/officeDocument/2006/relationships" xmlns:p="http://schemas.openxmlformats.org/presentationml/2006/main">
+  <p:cSld>
+    <p:spTree>
+      <p:nvGrpSpPr>
+        <p:cNvPr id="1" name="">
+          <a:extLst>
+            <a:ext uri="{FF2B5EF4-FFF2-40B4-BE49-F238E27FC236}">
+              <a16:creationId xmlns:a16="http://schemas.microsoft.com/office/drawing/2014/main" id="{AA49A305-3E32-51D9-0562-9B7172FF7313}"/>
+            </a:ext>
+          </a:extLst>
+        </p:cNvPr>
+        <p:cNvGrpSpPr/>
+        <p:nvPr/>
+      </p:nvGrpSpPr>
+      <p:grpSpPr>
+        <a:xfrm>
+          <a:off x="0" y="0"/>
+          <a:ext cx="0" cy="0"/>
+          <a:chOff x="0" y="0"/>
+          <a:chExt cx="0" cy="0"/>
+        </a:xfrm>
+      </p:grpSpPr>
+      <p:sp>
+        <p:nvSpPr>
+          <p:cNvPr id="2" name="Slide Image Placeholder 1">
+            <a:extLst>
+              <a:ext uri="{FF2B5EF4-FFF2-40B4-BE49-F238E27FC236}">
+                <a16:creationId xmlns:a16="http://schemas.microsoft.com/office/drawing/2014/main" id="{7C61D7F7-AFC9-BA1B-C176-BF96226C33AF}"/>
+              </a:ext>
+            </a:extLst>
+          </p:cNvPr>
+          <p:cNvSpPr>
+            <a:spLocks noGrp="1" noRot="1" noChangeAspect="1"/>
+          </p:cNvSpPr>
+          <p:nvPr>
+            <p:ph type="sldImg"/>
+          </p:nvPr>
+        </p:nvSpPr>
+        <p:spPr/>
+      </p:sp>
+      <p:sp>
+        <p:nvSpPr>
+          <p:cNvPr id="3" name="Notes Placeholder 2">
+            <a:extLst>
+              <a:ext uri="{FF2B5EF4-FFF2-40B4-BE49-F238E27FC236}">
+                <a16:creationId xmlns:a16="http://schemas.microsoft.com/office/drawing/2014/main" id="{5CC235FE-9588-7727-C667-6A81C36B50EB}"/>
+              </a:ext>
+            </a:extLst>
+          </p:cNvPr>
+          <p:cNvSpPr>
+            <a:spLocks noGrp="1"/>
+          </p:cNvSpPr>
+          <p:nvPr>
+            <p:ph type="body" idx="1"/>
+          </p:nvPr>
+        </p:nvSpPr>
+        <p:spPr/>
+        <p:txBody>
+          <a:bodyPr/>
+          <a:lstStyle/>
+          <a:p>
+            <a:endParaRPr lang="en-US" sz="1200" dirty="0">
+              <a:latin typeface="Times New Roman" panose="02020603050405020304" pitchFamily="18" charset="0"/>
+              <a:cs typeface="Times New Roman" panose="02020603050405020304" pitchFamily="18" charset="0"/>
+            </a:endParaRPr>
+          </a:p>
+        </p:txBody>
+      </p:sp>
+      <p:sp>
+        <p:nvSpPr>
+          <p:cNvPr id="4" name="Slide Number Placeholder 3">
+            <a:extLst>
+              <a:ext uri="{FF2B5EF4-FFF2-40B4-BE49-F238E27FC236}">
+                <a16:creationId xmlns:a16="http://schemas.microsoft.com/office/drawing/2014/main" id="{CD7B111E-3884-0505-66C2-5F5FCD5AEA89}"/>
+              </a:ext>
+            </a:extLst>
+          </p:cNvPr>
+          <p:cNvSpPr>
+            <a:spLocks noGrp="1"/>
+          </p:cNvSpPr>
+          <p:nvPr>
+            <p:ph type="sldNum" sz="quarter" idx="5"/>
+          </p:nvPr>
+        </p:nvSpPr>
+        <p:spPr/>
+        <p:txBody>
+          <a:bodyPr/>
+          <a:lstStyle/>
+          <a:p>
+            <a:fld id="{B3E7AC08-7009-48DE-B720-1275489B98BF}" type="slidenum">
+              <a:rPr lang="en-US" smtClean="0"/>
+              <a:t>19</a:t>
+            </a:fld>
+            <a:endParaRPr lang="en-US"/>
+          </a:p>
+        </p:txBody>
+      </p:sp>
+    </p:spTree>
+    <p:extLst>
+      <p:ext uri="{BB962C8B-B14F-4D97-AF65-F5344CB8AC3E}">
+        <p14:creationId xmlns:p14="http://schemas.microsoft.com/office/powerpoint/2010/main" val="488041258"/>
+      </p:ext>
+    </p:extLst>
+  </p:cSld>
+  <p:clrMapOvr>
+    <a:masterClrMapping/>
+  </p:clrMapOvr>
+</p:notes>
+</file>
+
+<file path=ppt/notesSlides/notesSlide9.xml><?xml version="1.0" encoding="utf-8"?>
+<p:notes xmlns:a="http://schemas.openxmlformats.org/drawingml/2006/main" xmlns:r="http://schemas.openxmlformats.org/officeDocument/2006/relationships" xmlns:p="http://schemas.openxmlformats.org/presentationml/2006/main">
+  <p:cSld>
+    <p:spTree>
+      <p:nvGrpSpPr>
+        <p:cNvPr id="1" name="">
+          <a:extLst>
+            <a:ext uri="{FF2B5EF4-FFF2-40B4-BE49-F238E27FC236}">
+              <a16:creationId xmlns:a16="http://schemas.microsoft.com/office/drawing/2014/main" id="{7F071C48-B5BA-4F2B-B38A-3967FEDFA210}"/>
+            </a:ext>
+          </a:extLst>
+        </p:cNvPr>
+        <p:cNvGrpSpPr/>
+        <p:nvPr/>
+      </p:nvGrpSpPr>
+      <p:grpSpPr>
+        <a:xfrm>
+          <a:off x="0" y="0"/>
+          <a:ext cx="0" cy="0"/>
+          <a:chOff x="0" y="0"/>
+          <a:chExt cx="0" cy="0"/>
+        </a:xfrm>
+      </p:grpSpPr>
+      <p:sp>
+        <p:nvSpPr>
+          <p:cNvPr id="2" name="Slide Image Placeholder 1">
+            <a:extLst>
+              <a:ext uri="{FF2B5EF4-FFF2-40B4-BE49-F238E27FC236}">
+                <a16:creationId xmlns:a16="http://schemas.microsoft.com/office/drawing/2014/main" id="{A7FF3D87-AEB3-AB9B-F195-856F60474948}"/>
+              </a:ext>
+            </a:extLst>
+          </p:cNvPr>
+          <p:cNvSpPr>
+            <a:spLocks noGrp="1" noRot="1" noChangeAspect="1"/>
+          </p:cNvSpPr>
+          <p:nvPr>
+            <p:ph type="sldImg"/>
+          </p:nvPr>
+        </p:nvSpPr>
+        <p:spPr/>
+      </p:sp>
+      <p:sp>
+        <p:nvSpPr>
+          <p:cNvPr id="3" name="Notes Placeholder 2">
+            <a:extLst>
+              <a:ext uri="{FF2B5EF4-FFF2-40B4-BE49-F238E27FC236}">
+                <a16:creationId xmlns:a16="http://schemas.microsoft.com/office/drawing/2014/main" id="{047A86D3-0CBA-99A0-B882-CF2A0CE70D7A}"/>
+              </a:ext>
+            </a:extLst>
+          </p:cNvPr>
+          <p:cNvSpPr>
+            <a:spLocks noGrp="1"/>
+          </p:cNvSpPr>
+          <p:nvPr>
+            <p:ph type="body" idx="1"/>
+          </p:nvPr>
+        </p:nvSpPr>
+        <p:spPr/>
+        <p:txBody>
+          <a:bodyPr/>
+          <a:lstStyle/>
+          <a:p>
+            <a:endParaRPr lang="en-US" sz="1200" dirty="0">
+              <a:latin typeface="Times New Roman" panose="02020603050405020304" pitchFamily="18" charset="0"/>
+              <a:cs typeface="Times New Roman" panose="02020603050405020304" pitchFamily="18" charset="0"/>
+            </a:endParaRPr>
+          </a:p>
+        </p:txBody>
+      </p:sp>
+      <p:sp>
+        <p:nvSpPr>
+          <p:cNvPr id="4" name="Slide Number Placeholder 3">
+            <a:extLst>
+              <a:ext uri="{FF2B5EF4-FFF2-40B4-BE49-F238E27FC236}">
+                <a16:creationId xmlns:a16="http://schemas.microsoft.com/office/drawing/2014/main" id="{2C215680-3835-BFA5-7480-C73674A04B54}"/>
+              </a:ext>
+            </a:extLst>
+          </p:cNvPr>
+          <p:cNvSpPr>
+            <a:spLocks noGrp="1"/>
+          </p:cNvSpPr>
+          <p:nvPr>
+            <p:ph type="sldNum" sz="quarter" idx="5"/>
+          </p:nvPr>
+        </p:nvSpPr>
+        <p:spPr/>
+        <p:txBody>
+          <a:bodyPr/>
+          <a:lstStyle/>
+          <a:p>
+            <a:fld id="{B3E7AC08-7009-48DE-B720-1275489B98BF}" type="slidenum">
+              <a:rPr lang="en-US" smtClean="0"/>
+              <a:t>20</a:t>
+            </a:fld>
+            <a:endParaRPr lang="en-US"/>
+          </a:p>
+        </p:txBody>
+      </p:sp>
+    </p:spTree>
+    <p:extLst>
+      <p:ext uri="{BB962C8B-B14F-4D97-AF65-F5344CB8AC3E}">
+        <p14:creationId xmlns:p14="http://schemas.microsoft.com/office/powerpoint/2010/main" val="1083489739"/>
+      </p:ext>
+    </p:extLst>
+  </p:cSld>
+  <p:clrMapOvr>
+    <a:masterClrMapping/>
+  </p:clrMapOvr>
+</p:notes>
 </file>
 
 <file path=ppt/slideLayouts/slideLayout1.xml><?xml version="1.0" encoding="utf-8"?>
@@ -521,7 +3067,7 @@
           <a:p>
             <a:fld id="{581E6915-1F66-4DC7-A63A-557DF10C5878}" type="datetimeFigureOut">
               <a:rPr lang="en-US" smtClean="0"/>
-              <a:t>6/25/2025</a:t>
+              <a:t>7/2/2025</a:t>
             </a:fld>
             <a:endParaRPr lang="en-US"/>
           </a:p>
@@ -700,7 +3246,7 @@
           <a:p>
             <a:fld id="{581E6915-1F66-4DC7-A63A-557DF10C5878}" type="datetimeFigureOut">
               <a:rPr lang="en-US" smtClean="0"/>
-              <a:t>6/25/2025</a:t>
+              <a:t>7/2/2025</a:t>
             </a:fld>
             <a:endParaRPr lang="en-US"/>
           </a:p>
@@ -880,7 +3426,7 @@
           <a:p>
             <a:fld id="{581E6915-1F66-4DC7-A63A-557DF10C5878}" type="datetimeFigureOut">
               <a:rPr lang="en-US" smtClean="0"/>
-              <a:t>6/25/2025</a:t>
+              <a:t>7/2/2025</a:t>
             </a:fld>
             <a:endParaRPr lang="en-US"/>
           </a:p>
@@ -1050,7 +3596,7 @@
           <a:p>
             <a:fld id="{581E6915-1F66-4DC7-A63A-557DF10C5878}" type="datetimeFigureOut">
               <a:rPr lang="en-US" smtClean="0"/>
-              <a:t>6/25/2025</a:t>
+              <a:t>7/2/2025</a:t>
             </a:fld>
             <a:endParaRPr lang="en-US"/>
           </a:p>
@@ -1363,7 +3909,7 @@
           <a:p>
             <a:fld id="{581E6915-1F66-4DC7-A63A-557DF10C5878}" type="datetimeFigureOut">
               <a:rPr lang="en-US" smtClean="0"/>
-              <a:t>6/25/2025</a:t>
+              <a:t>7/2/2025</a:t>
             </a:fld>
             <a:endParaRPr lang="en-US"/>
           </a:p>
@@ -1749,7 +4295,7 @@
           <a:p>
             <a:fld id="{581E6915-1F66-4DC7-A63A-557DF10C5878}" type="datetimeFigureOut">
               <a:rPr lang="en-US" smtClean="0"/>
-              <a:t>6/25/2025</a:t>
+              <a:t>7/2/2025</a:t>
             </a:fld>
             <a:endParaRPr lang="en-US"/>
           </a:p>
@@ -2183,7 +4729,7 @@
           <a:p>
             <a:fld id="{581E6915-1F66-4DC7-A63A-557DF10C5878}" type="datetimeFigureOut">
               <a:rPr lang="en-US" smtClean="0"/>
-              <a:t>6/25/2025</a:t>
+              <a:t>7/2/2025</a:t>
             </a:fld>
             <a:endParaRPr lang="en-US"/>
           </a:p>
@@ -2301,7 +4847,7 @@
           <a:p>
             <a:fld id="{581E6915-1F66-4DC7-A63A-557DF10C5878}" type="datetimeFigureOut">
               <a:rPr lang="en-US" smtClean="0"/>
-              <a:t>6/25/2025</a:t>
+              <a:t>7/2/2025</a:t>
             </a:fld>
             <a:endParaRPr lang="en-US"/>
           </a:p>
@@ -2396,7 +4942,7 @@
           <a:p>
             <a:fld id="{581E6915-1F66-4DC7-A63A-557DF10C5878}" type="datetimeFigureOut">
               <a:rPr lang="en-US" smtClean="0"/>
-              <a:t>6/25/2025</a:t>
+              <a:t>7/2/2025</a:t>
             </a:fld>
             <a:endParaRPr lang="en-US"/>
           </a:p>
@@ -2746,7 +5292,7 @@
           <a:p>
             <a:fld id="{581E6915-1F66-4DC7-A63A-557DF10C5878}" type="datetimeFigureOut">
               <a:rPr lang="en-US" smtClean="0"/>
-              <a:t>6/25/2025</a:t>
+              <a:t>7/2/2025</a:t>
             </a:fld>
             <a:endParaRPr lang="en-US"/>
           </a:p>
@@ -3171,7 +5717,7 @@
           <a:p>
             <a:fld id="{581E6915-1F66-4DC7-A63A-557DF10C5878}" type="datetimeFigureOut">
               <a:rPr lang="en-US" smtClean="0"/>
-              <a:t>6/25/2025</a:t>
+              <a:t>7/2/2025</a:t>
             </a:fld>
             <a:endParaRPr lang="en-US"/>
           </a:p>
@@ -3452,7 +5998,7 @@
           <a:p>
             <a:fld id="{581E6915-1F66-4DC7-A63A-557DF10C5878}" type="datetimeFigureOut">
               <a:rPr lang="en-US" smtClean="0"/>
-              <a:t>6/25/2025</a:t>
+              <a:t>7/2/2025</a:t>
             </a:fld>
             <a:endParaRPr lang="en-US"/>
           </a:p>
@@ -4218,7 +6764,7 @@
                 <a:latin typeface="Times New Roman" panose="02020603050405020304" pitchFamily="18" charset="0"/>
                 <a:cs typeface="Times New Roman" panose="02020603050405020304" pitchFamily="18" charset="0"/>
               </a:rPr>
-              <a:t>Software process Models</a:t>
+              <a:t>phases of waterfall model</a:t>
             </a:r>
           </a:p>
         </p:txBody>
@@ -4509,7 +7055,7 @@
                 <a:latin typeface="Times New Roman" panose="02020603050405020304" pitchFamily="18" charset="0"/>
                 <a:cs typeface="Times New Roman" panose="02020603050405020304" pitchFamily="18" charset="0"/>
               </a:rPr>
-              <a:t>Software process Models</a:t>
+              <a:t>phases of waterfall model</a:t>
             </a:r>
           </a:p>
         </p:txBody>
@@ -4543,79 +7089,127 @@
           <a:lstStyle/>
           <a:p>
             <a:r>
-              <a:rPr lang="en-US" b="1" dirty="0"/>
+              <a:rPr lang="en-US" b="1" dirty="0">
+                <a:latin typeface="Times New Roman" panose="02020603050405020304" pitchFamily="18" charset="0"/>
+                <a:cs typeface="Times New Roman" panose="02020603050405020304" pitchFamily="18" charset="0"/>
+              </a:rPr>
               <a:t>Operation &amp; Maintenance</a:t>
             </a:r>
           </a:p>
           <a:p>
             <a:r>
-              <a:rPr lang="en-US" b="1" dirty="0"/>
+              <a:rPr lang="en-US" b="1" dirty="0">
+                <a:latin typeface="Times New Roman" panose="02020603050405020304" pitchFamily="18" charset="0"/>
+                <a:cs typeface="Times New Roman" panose="02020603050405020304" pitchFamily="18" charset="0"/>
+              </a:rPr>
               <a:t>Objective:</a:t>
             </a:r>
             <a:r>
-              <a:rPr lang="en-US" dirty="0"/>
+              <a:rPr lang="en-US" dirty="0">
+                <a:latin typeface="Times New Roman" panose="02020603050405020304" pitchFamily="18" charset="0"/>
+                <a:cs typeface="Times New Roman" panose="02020603050405020304" pitchFamily="18" charset="0"/>
+              </a:rPr>
               <a:t> Deploy, monitor, and improve the system.</a:t>
             </a:r>
           </a:p>
           <a:p>
             <a:r>
-              <a:rPr lang="en-US" b="1" dirty="0"/>
+              <a:rPr lang="en-US" b="1" dirty="0">
+                <a:latin typeface="Times New Roman" panose="02020603050405020304" pitchFamily="18" charset="0"/>
+                <a:cs typeface="Times New Roman" panose="02020603050405020304" pitchFamily="18" charset="0"/>
+              </a:rPr>
               <a:t>Activities:</a:t>
             </a:r>
-            <a:endParaRPr lang="en-US" dirty="0"/>
+            <a:endParaRPr lang="en-US" dirty="0">
+              <a:latin typeface="Times New Roman" panose="02020603050405020304" pitchFamily="18" charset="0"/>
+              <a:cs typeface="Times New Roman" panose="02020603050405020304" pitchFamily="18" charset="0"/>
+            </a:endParaRPr>
           </a:p>
           <a:p>
             <a:pPr lvl="1"/>
             <a:r>
-              <a:rPr lang="en-US" dirty="0"/>
+              <a:rPr lang="en-US" sz="2000" dirty="0">
+                <a:latin typeface="Times New Roman" panose="02020603050405020304" pitchFamily="18" charset="0"/>
+                <a:cs typeface="Times New Roman" panose="02020603050405020304" pitchFamily="18" charset="0"/>
+              </a:rPr>
               <a:t>Fix bugs (</a:t>
             </a:r>
             <a:r>
-              <a:rPr lang="en-US" b="1" dirty="0"/>
+              <a:rPr lang="en-US" sz="2000" b="1" dirty="0">
+                <a:latin typeface="Times New Roman" panose="02020603050405020304" pitchFamily="18" charset="0"/>
+                <a:cs typeface="Times New Roman" panose="02020603050405020304" pitchFamily="18" charset="0"/>
+              </a:rPr>
               <a:t>corrective maintenance</a:t>
             </a:r>
             <a:r>
-              <a:rPr lang="en-US" dirty="0"/>
+              <a:rPr lang="en-US" sz="2000" dirty="0">
+                <a:latin typeface="Times New Roman" panose="02020603050405020304" pitchFamily="18" charset="0"/>
+                <a:cs typeface="Times New Roman" panose="02020603050405020304" pitchFamily="18" charset="0"/>
+              </a:rPr>
               <a:t>).</a:t>
             </a:r>
           </a:p>
           <a:p>
             <a:pPr lvl="1"/>
             <a:r>
-              <a:rPr lang="en-US" dirty="0"/>
+              <a:rPr lang="en-US" sz="2000" dirty="0">
+                <a:latin typeface="Times New Roman" panose="02020603050405020304" pitchFamily="18" charset="0"/>
+                <a:cs typeface="Times New Roman" panose="02020603050405020304" pitchFamily="18" charset="0"/>
+              </a:rPr>
               <a:t>Adapt to new environments (</a:t>
             </a:r>
             <a:r>
-              <a:rPr lang="en-US" b="1" dirty="0"/>
+              <a:rPr lang="en-US" sz="2000" b="1" dirty="0">
+                <a:latin typeface="Times New Roman" panose="02020603050405020304" pitchFamily="18" charset="0"/>
+                <a:cs typeface="Times New Roman" panose="02020603050405020304" pitchFamily="18" charset="0"/>
+              </a:rPr>
               <a:t>adaptive maintenance</a:t>
             </a:r>
             <a:r>
-              <a:rPr lang="en-US" dirty="0"/>
+              <a:rPr lang="en-US" sz="2000" dirty="0">
+                <a:latin typeface="Times New Roman" panose="02020603050405020304" pitchFamily="18" charset="0"/>
+                <a:cs typeface="Times New Roman" panose="02020603050405020304" pitchFamily="18" charset="0"/>
+              </a:rPr>
               <a:t>).</a:t>
             </a:r>
           </a:p>
           <a:p>
             <a:pPr lvl="1"/>
             <a:r>
-              <a:rPr lang="en-US" dirty="0"/>
+              <a:rPr lang="en-US" sz="2000" dirty="0">
+                <a:latin typeface="Times New Roman" panose="02020603050405020304" pitchFamily="18" charset="0"/>
+                <a:cs typeface="Times New Roman" panose="02020603050405020304" pitchFamily="18" charset="0"/>
+              </a:rPr>
               <a:t>Add features (</a:t>
             </a:r>
             <a:r>
-              <a:rPr lang="en-US" b="1" dirty="0"/>
+              <a:rPr lang="en-US" sz="2000" b="1" dirty="0">
+                <a:latin typeface="Times New Roman" panose="02020603050405020304" pitchFamily="18" charset="0"/>
+                <a:cs typeface="Times New Roman" panose="02020603050405020304" pitchFamily="18" charset="0"/>
+              </a:rPr>
               <a:t>perfective maintenance</a:t>
             </a:r>
             <a:r>
-              <a:rPr lang="en-US" dirty="0"/>
+              <a:rPr lang="en-US" sz="2000" dirty="0">
+                <a:latin typeface="Times New Roman" panose="02020603050405020304" pitchFamily="18" charset="0"/>
+                <a:cs typeface="Times New Roman" panose="02020603050405020304" pitchFamily="18" charset="0"/>
+              </a:rPr>
               <a:t>).</a:t>
             </a:r>
           </a:p>
           <a:p>
             <a:r>
-              <a:rPr lang="en-US" b="1" dirty="0"/>
+              <a:rPr lang="en-US" b="1" dirty="0">
+                <a:latin typeface="Times New Roman" panose="02020603050405020304" pitchFamily="18" charset="0"/>
+                <a:cs typeface="Times New Roman" panose="02020603050405020304" pitchFamily="18" charset="0"/>
+              </a:rPr>
               <a:t>Output:</a:t>
             </a:r>
             <a:r>
-              <a:rPr lang="en-US" dirty="0"/>
+              <a:rPr lang="en-US" dirty="0">
+                <a:latin typeface="Times New Roman" panose="02020603050405020304" pitchFamily="18" charset="0"/>
+                <a:cs typeface="Times New Roman" panose="02020603050405020304" pitchFamily="18" charset="0"/>
+              </a:rPr>
               <a:t> Updated software versions.</a:t>
             </a:r>
           </a:p>
@@ -4690,7 +7284,7 @@
                 <a:latin typeface="Times New Roman" panose="02020603050405020304" pitchFamily="18" charset="0"/>
                 <a:cs typeface="Times New Roman" panose="02020603050405020304" pitchFamily="18" charset="0"/>
               </a:rPr>
-              <a:t>Waterfall Model</a:t>
+              <a:t>When to Use Waterfall Model</a:t>
             </a:r>
             <a:endParaRPr lang="en-US" sz="4000" dirty="0">
               <a:latin typeface="Times New Roman" panose="02020603050405020304" pitchFamily="18" charset="0"/>
@@ -4727,19 +7321,8 @@
           </a:bodyPr>
           <a:lstStyle/>
           <a:p>
-            <a:pPr lvl="0"/>
-            <a:r>
-              <a:rPr lang="en-US" sz="2400" b="1" dirty="0">
-                <a:latin typeface="Times New Roman" panose="02020603050405020304" pitchFamily="18" charset="0"/>
-                <a:cs typeface="Times New Roman" panose="02020603050405020304" pitchFamily="18" charset="0"/>
-              </a:rPr>
-              <a:t>When to use Waterfall Model?</a:t>
-            </a:r>
-          </a:p>
-          <a:p>
-            <a:pPr lvl="1"/>
-            <a:r>
-              <a:rPr lang="en-US" sz="2000" dirty="0">
+            <a:r>
+              <a:rPr lang="en-US" sz="2400" dirty="0">
                 <a:latin typeface="Times New Roman" panose="02020603050405020304" pitchFamily="18" charset="0"/>
                 <a:cs typeface="Times New Roman" panose="02020603050405020304" pitchFamily="18" charset="0"/>
               </a:rPr>
@@ -4747,9 +7330,8 @@
             </a:r>
           </a:p>
           <a:p>
-            <a:pPr lvl="1"/>
-            <a:r>
-              <a:rPr lang="en-US" sz="2000" dirty="0">
+            <a:r>
+              <a:rPr lang="en-US" sz="2400" dirty="0">
                 <a:latin typeface="Times New Roman" panose="02020603050405020304" pitchFamily="18" charset="0"/>
                 <a:cs typeface="Times New Roman" panose="02020603050405020304" pitchFamily="18" charset="0"/>
               </a:rPr>
@@ -4757,9 +7339,8 @@
             </a:r>
           </a:p>
           <a:p>
-            <a:pPr lvl="1"/>
-            <a:r>
-              <a:rPr lang="en-US" sz="2000" dirty="0">
+            <a:r>
+              <a:rPr lang="en-US" sz="2400" dirty="0">
                 <a:latin typeface="Times New Roman" panose="02020603050405020304" pitchFamily="18" charset="0"/>
                 <a:cs typeface="Times New Roman" panose="02020603050405020304" pitchFamily="18" charset="0"/>
               </a:rPr>
@@ -4767,27 +7348,12 @@
             </a:r>
           </a:p>
           <a:p>
-            <a:pPr lvl="1"/>
-            <a:r>
-              <a:rPr lang="en-US" sz="2000" dirty="0">
+            <a:r>
+              <a:rPr lang="en-US" sz="2400" dirty="0">
                 <a:latin typeface="Times New Roman" panose="02020603050405020304" pitchFamily="18" charset="0"/>
                 <a:cs typeface="Times New Roman" panose="02020603050405020304" pitchFamily="18" charset="0"/>
               </a:rPr>
               <a:t>In case of Safety-critical systems (e.g., medical devices, avionics) and Large-scale engineering projects (e.g., hardware-software integration).</a:t>
-            </a:r>
-          </a:p>
-          <a:p>
-            <a:pPr>
-              <a:lnSpc>
-                <a:spcPct val="100000"/>
-              </a:lnSpc>
-            </a:pPr>
-            <a:r>
-              <a:rPr lang="en-US" dirty="0">
-                <a:latin typeface="Times New Roman" panose="02020603050405020304" pitchFamily="18" charset="0"/>
-                <a:cs typeface="Times New Roman" panose="02020603050405020304" pitchFamily="18" charset="0"/>
-              </a:rPr>
-              <a:t>The Waterfall Model remains relevant for high-certainty, regulated, or safety-critical projects where upfront planning is essential</a:t>
             </a:r>
           </a:p>
         </p:txBody>
@@ -4796,6 +7362,1764 @@
     <p:extLst>
       <p:ext uri="{BB962C8B-B14F-4D97-AF65-F5344CB8AC3E}">
         <p14:creationId xmlns:p14="http://schemas.microsoft.com/office/powerpoint/2010/main" val="3472583215"/>
+      </p:ext>
+    </p:extLst>
+  </p:cSld>
+  <p:clrMapOvr>
+    <a:masterClrMapping/>
+  </p:clrMapOvr>
+</p:sld>
+</file>
+
+<file path=ppt/slides/slide13.xml><?xml version="1.0" encoding="utf-8"?>
+<p:sld xmlns:a="http://schemas.openxmlformats.org/drawingml/2006/main" xmlns:r="http://schemas.openxmlformats.org/officeDocument/2006/relationships" xmlns:p="http://schemas.openxmlformats.org/presentationml/2006/main">
+  <p:cSld>
+    <p:spTree>
+      <p:nvGrpSpPr>
+        <p:cNvPr id="1" name="">
+          <a:extLst>
+            <a:ext uri="{FF2B5EF4-FFF2-40B4-BE49-F238E27FC236}">
+              <a16:creationId xmlns:a16="http://schemas.microsoft.com/office/drawing/2014/main" id="{CFF26341-BE78-7389-DF08-0508473B8BA7}"/>
+            </a:ext>
+          </a:extLst>
+        </p:cNvPr>
+        <p:cNvGrpSpPr/>
+        <p:nvPr/>
+      </p:nvGrpSpPr>
+      <p:grpSpPr>
+        <a:xfrm>
+          <a:off x="0" y="0"/>
+          <a:ext cx="0" cy="0"/>
+          <a:chOff x="0" y="0"/>
+          <a:chExt cx="0" cy="0"/>
+        </a:xfrm>
+      </p:grpSpPr>
+      <p:sp>
+        <p:nvSpPr>
+          <p:cNvPr id="2" name="Title 1">
+            <a:extLst>
+              <a:ext uri="{FF2B5EF4-FFF2-40B4-BE49-F238E27FC236}">
+                <a16:creationId xmlns:a16="http://schemas.microsoft.com/office/drawing/2014/main" id="{3B752792-B554-8A8B-C561-4244883B1780}"/>
+              </a:ext>
+            </a:extLst>
+          </p:cNvPr>
+          <p:cNvSpPr>
+            <a:spLocks noGrp="1"/>
+          </p:cNvSpPr>
+          <p:nvPr>
+            <p:ph type="title"/>
+          </p:nvPr>
+        </p:nvSpPr>
+        <p:spPr>
+          <a:xfrm>
+            <a:off x="748937" y="266264"/>
+            <a:ext cx="10563497" cy="874559"/>
+          </a:xfrm>
+        </p:spPr>
+        <p:txBody>
+          <a:bodyPr>
+            <a:normAutofit/>
+          </a:bodyPr>
+          <a:lstStyle/>
+          <a:p>
+            <a:r>
+              <a:rPr lang="en-US" sz="4000" b="1" dirty="0">
+                <a:latin typeface="Times New Roman" panose="02020603050405020304" pitchFamily="18" charset="0"/>
+                <a:cs typeface="Times New Roman" panose="02020603050405020304" pitchFamily="18" charset="0"/>
+              </a:rPr>
+              <a:t>Incremental Development Model</a:t>
+            </a:r>
+            <a:endParaRPr lang="en-US" sz="4000" dirty="0">
+              <a:latin typeface="Times New Roman" panose="02020603050405020304" pitchFamily="18" charset="0"/>
+              <a:cs typeface="Times New Roman" panose="02020603050405020304" pitchFamily="18" charset="0"/>
+            </a:endParaRPr>
+          </a:p>
+        </p:txBody>
+      </p:sp>
+      <p:sp>
+        <p:nvSpPr>
+          <p:cNvPr id="3" name="Content Placeholder 2">
+            <a:extLst>
+              <a:ext uri="{FF2B5EF4-FFF2-40B4-BE49-F238E27FC236}">
+                <a16:creationId xmlns:a16="http://schemas.microsoft.com/office/drawing/2014/main" id="{B26C3694-4C54-D8AF-9CA6-A62EE1253B9C}"/>
+              </a:ext>
+            </a:extLst>
+          </p:cNvPr>
+          <p:cNvSpPr>
+            <a:spLocks noGrp="1"/>
+          </p:cNvSpPr>
+          <p:nvPr>
+            <p:ph idx="1"/>
+          </p:nvPr>
+        </p:nvSpPr>
+        <p:spPr>
+          <a:xfrm>
+            <a:off x="748937" y="1271451"/>
+            <a:ext cx="10563497" cy="5103223"/>
+          </a:xfrm>
+        </p:spPr>
+        <p:txBody>
+          <a:bodyPr>
+            <a:normAutofit/>
+          </a:bodyPr>
+          <a:lstStyle/>
+          <a:p>
+            <a:r>
+              <a:rPr lang="en-US" dirty="0">
+                <a:latin typeface="Times New Roman" panose="02020603050405020304" pitchFamily="18" charset="0"/>
+                <a:cs typeface="Times New Roman" panose="02020603050405020304" pitchFamily="18" charset="0"/>
+              </a:rPr>
+              <a:t>The </a:t>
+            </a:r>
+            <a:r>
+              <a:rPr lang="en-US" b="1" dirty="0">
+                <a:latin typeface="Times New Roman" panose="02020603050405020304" pitchFamily="18" charset="0"/>
+                <a:cs typeface="Times New Roman" panose="02020603050405020304" pitchFamily="18" charset="0"/>
+              </a:rPr>
+              <a:t>Incremental Development Model</a:t>
+            </a:r>
+            <a:r>
+              <a:rPr lang="en-US" dirty="0">
+                <a:latin typeface="Times New Roman" panose="02020603050405020304" pitchFamily="18" charset="0"/>
+                <a:cs typeface="Times New Roman" panose="02020603050405020304" pitchFamily="18" charset="0"/>
+              </a:rPr>
+              <a:t> is an iterative approach</a:t>
+            </a:r>
+          </a:p>
+          <a:p>
+            <a:pPr marL="274320" lvl="1" indent="0">
+              <a:buNone/>
+            </a:pPr>
+            <a:r>
+              <a:rPr lang="en-US" sz="2000" dirty="0">
+                <a:latin typeface="Times New Roman" panose="02020603050405020304" pitchFamily="18" charset="0"/>
+                <a:cs typeface="Times New Roman" panose="02020603050405020304" pitchFamily="18" charset="0"/>
+              </a:rPr>
+              <a:t>software is built in small, functional increments.</a:t>
+            </a:r>
+          </a:p>
+          <a:p>
+            <a:r>
+              <a:rPr lang="en-US" dirty="0">
+                <a:latin typeface="Times New Roman" panose="02020603050405020304" pitchFamily="18" charset="0"/>
+                <a:cs typeface="Times New Roman" panose="02020603050405020304" pitchFamily="18" charset="0"/>
+              </a:rPr>
+              <a:t>Incremental development model is based on the idea of</a:t>
+            </a:r>
+          </a:p>
+          <a:p>
+            <a:pPr lvl="1"/>
+            <a:r>
+              <a:rPr lang="en-US" sz="2000" dirty="0">
+                <a:latin typeface="Times New Roman" panose="02020603050405020304" pitchFamily="18" charset="0"/>
+                <a:cs typeface="Times New Roman" panose="02020603050405020304" pitchFamily="18" charset="0"/>
+              </a:rPr>
+              <a:t>developing an initial implementation</a:t>
+            </a:r>
+          </a:p>
+          <a:p>
+            <a:pPr lvl="1"/>
+            <a:r>
+              <a:rPr lang="en-US" sz="2000" dirty="0">
+                <a:latin typeface="Times New Roman" panose="02020603050405020304" pitchFamily="18" charset="0"/>
+                <a:cs typeface="Times New Roman" panose="02020603050405020304" pitchFamily="18" charset="0"/>
+              </a:rPr>
+              <a:t>getting feedback from users and others</a:t>
+            </a:r>
+          </a:p>
+          <a:p>
+            <a:pPr lvl="1"/>
+            <a:r>
+              <a:rPr lang="en-US" sz="2000" dirty="0">
+                <a:latin typeface="Times New Roman" panose="02020603050405020304" pitchFamily="18" charset="0"/>
+                <a:cs typeface="Times New Roman" panose="02020603050405020304" pitchFamily="18" charset="0"/>
+              </a:rPr>
+              <a:t>and evolving the software through several versions until the required system has been developed</a:t>
+            </a:r>
+          </a:p>
+          <a:p>
+            <a:r>
+              <a:rPr lang="en-US" dirty="0"/>
+              <a:t>Unlike the rigid </a:t>
+            </a:r>
+            <a:r>
+              <a:rPr lang="en-US" b="1" dirty="0"/>
+              <a:t>Waterfall Model</a:t>
+            </a:r>
+            <a:r>
+              <a:rPr lang="en-US" dirty="0"/>
+              <a:t>, incremental development </a:t>
+            </a:r>
+            <a:r>
+              <a:rPr lang="en-US" b="1" dirty="0"/>
+              <a:t>interleaves</a:t>
+            </a:r>
+            <a:r>
+              <a:rPr lang="en-US" dirty="0"/>
+              <a:t> specification, development, and validation in cycles:</a:t>
+            </a:r>
+          </a:p>
+          <a:p>
+            <a:pPr lvl="0"/>
+            <a:r>
+              <a:rPr lang="en-US" b="1" dirty="0"/>
+              <a:t>Initial Planning</a:t>
+            </a:r>
+            <a:endParaRPr lang="en-US" dirty="0"/>
+          </a:p>
+          <a:p>
+            <a:pPr lvl="0"/>
+            <a:r>
+              <a:rPr lang="en-US" b="1" dirty="0"/>
+              <a:t>Iterative Development</a:t>
+            </a:r>
+            <a:endParaRPr lang="en-US" dirty="0"/>
+          </a:p>
+          <a:p>
+            <a:pPr lvl="1"/>
+            <a:r>
+              <a:rPr lang="en-US" b="1" dirty="0"/>
+              <a:t>Develop:  Validate: Refine</a:t>
+            </a:r>
+            <a:endParaRPr lang="en-US" dirty="0"/>
+          </a:p>
+          <a:p>
+            <a:pPr lvl="0"/>
+            <a:r>
+              <a:rPr lang="en-US" b="1" dirty="0"/>
+              <a:t>Final Deployment</a:t>
+            </a:r>
+            <a:endParaRPr lang="en-US" dirty="0"/>
+          </a:p>
+          <a:p>
+            <a:endParaRPr lang="en-US" dirty="0">
+              <a:latin typeface="Times New Roman" panose="02020603050405020304" pitchFamily="18" charset="0"/>
+              <a:cs typeface="Times New Roman" panose="02020603050405020304" pitchFamily="18" charset="0"/>
+            </a:endParaRPr>
+          </a:p>
+        </p:txBody>
+      </p:sp>
+    </p:spTree>
+    <p:extLst>
+      <p:ext uri="{BB962C8B-B14F-4D97-AF65-F5344CB8AC3E}">
+        <p14:creationId xmlns:p14="http://schemas.microsoft.com/office/powerpoint/2010/main" val="2405258305"/>
+      </p:ext>
+    </p:extLst>
+  </p:cSld>
+  <p:clrMapOvr>
+    <a:masterClrMapping/>
+  </p:clrMapOvr>
+</p:sld>
+</file>
+
+<file path=ppt/slides/slide14.xml><?xml version="1.0" encoding="utf-8"?>
+<p:sld xmlns:a="http://schemas.openxmlformats.org/drawingml/2006/main" xmlns:r="http://schemas.openxmlformats.org/officeDocument/2006/relationships" xmlns:p="http://schemas.openxmlformats.org/presentationml/2006/main">
+  <p:cSld>
+    <p:spTree>
+      <p:nvGrpSpPr>
+        <p:cNvPr id="1" name="">
+          <a:extLst>
+            <a:ext uri="{FF2B5EF4-FFF2-40B4-BE49-F238E27FC236}">
+              <a16:creationId xmlns:a16="http://schemas.microsoft.com/office/drawing/2014/main" id="{8F2EB9B5-7F95-6498-FC98-B68FD03166D3}"/>
+            </a:ext>
+          </a:extLst>
+        </p:cNvPr>
+        <p:cNvGrpSpPr/>
+        <p:nvPr/>
+      </p:nvGrpSpPr>
+      <p:grpSpPr>
+        <a:xfrm>
+          <a:off x="0" y="0"/>
+          <a:ext cx="0" cy="0"/>
+          <a:chOff x="0" y="0"/>
+          <a:chExt cx="0" cy="0"/>
+        </a:xfrm>
+      </p:grpSpPr>
+      <p:sp>
+        <p:nvSpPr>
+          <p:cNvPr id="2" name="Title 1">
+            <a:extLst>
+              <a:ext uri="{FF2B5EF4-FFF2-40B4-BE49-F238E27FC236}">
+                <a16:creationId xmlns:a16="http://schemas.microsoft.com/office/drawing/2014/main" id="{CAA8EC71-F2F5-1DD6-C53D-87636ED6EC84}"/>
+              </a:ext>
+            </a:extLst>
+          </p:cNvPr>
+          <p:cNvSpPr>
+            <a:spLocks noGrp="1"/>
+          </p:cNvSpPr>
+          <p:nvPr>
+            <p:ph type="title"/>
+          </p:nvPr>
+        </p:nvSpPr>
+        <p:spPr>
+          <a:xfrm>
+            <a:off x="748937" y="266264"/>
+            <a:ext cx="10563497" cy="874559"/>
+          </a:xfrm>
+        </p:spPr>
+        <p:txBody>
+          <a:bodyPr>
+            <a:normAutofit/>
+          </a:bodyPr>
+          <a:lstStyle/>
+          <a:p>
+            <a:r>
+              <a:rPr lang="en-US" sz="4000" b="1" dirty="0">
+                <a:latin typeface="Times New Roman" panose="02020603050405020304" pitchFamily="18" charset="0"/>
+                <a:cs typeface="Times New Roman" panose="02020603050405020304" pitchFamily="18" charset="0"/>
+              </a:rPr>
+              <a:t>Incremental Development Model</a:t>
+            </a:r>
+            <a:endParaRPr lang="en-US" sz="4000" dirty="0">
+              <a:latin typeface="Times New Roman" panose="02020603050405020304" pitchFamily="18" charset="0"/>
+              <a:cs typeface="Times New Roman" panose="02020603050405020304" pitchFamily="18" charset="0"/>
+            </a:endParaRPr>
+          </a:p>
+        </p:txBody>
+      </p:sp>
+      <p:pic>
+        <p:nvPicPr>
+          <p:cNvPr id="4" name="Content Placeholder 3">
+            <a:extLst>
+              <a:ext uri="{FF2B5EF4-FFF2-40B4-BE49-F238E27FC236}">
+                <a16:creationId xmlns:a16="http://schemas.microsoft.com/office/drawing/2014/main" id="{EA32E054-852E-2467-AC60-47A2FF180FFD}"/>
+              </a:ext>
+            </a:extLst>
+          </p:cNvPr>
+          <p:cNvPicPr>
+            <a:picLocks noGrp="1" noChangeAspect="1"/>
+          </p:cNvPicPr>
+          <p:nvPr>
+            <p:ph idx="1"/>
+          </p:nvPr>
+        </p:nvPicPr>
+        <p:blipFill>
+          <a:blip r:embed="rId3"/>
+          <a:stretch>
+            <a:fillRect/>
+          </a:stretch>
+        </p:blipFill>
+        <p:spPr>
+          <a:xfrm>
+            <a:off x="1171062" y="1416702"/>
+            <a:ext cx="8878460" cy="4462280"/>
+          </a:xfrm>
+          <a:prstGeom prst="rect">
+            <a:avLst/>
+          </a:prstGeom>
+        </p:spPr>
+      </p:pic>
+    </p:spTree>
+    <p:extLst>
+      <p:ext uri="{BB962C8B-B14F-4D97-AF65-F5344CB8AC3E}">
+        <p14:creationId xmlns:p14="http://schemas.microsoft.com/office/powerpoint/2010/main" val="2010071124"/>
+      </p:ext>
+    </p:extLst>
+  </p:cSld>
+  <p:clrMapOvr>
+    <a:masterClrMapping/>
+  </p:clrMapOvr>
+</p:sld>
+</file>
+
+<file path=ppt/slides/slide15.xml><?xml version="1.0" encoding="utf-8"?>
+<p:sld xmlns:a="http://schemas.openxmlformats.org/drawingml/2006/main" xmlns:r="http://schemas.openxmlformats.org/officeDocument/2006/relationships" xmlns:p="http://schemas.openxmlformats.org/presentationml/2006/main">
+  <p:cSld>
+    <p:spTree>
+      <p:nvGrpSpPr>
+        <p:cNvPr id="1" name="">
+          <a:extLst>
+            <a:ext uri="{FF2B5EF4-FFF2-40B4-BE49-F238E27FC236}">
+              <a16:creationId xmlns:a16="http://schemas.microsoft.com/office/drawing/2014/main" id="{70861D93-D0B9-74F9-E628-838016F477C7}"/>
+            </a:ext>
+          </a:extLst>
+        </p:cNvPr>
+        <p:cNvGrpSpPr/>
+        <p:nvPr/>
+      </p:nvGrpSpPr>
+      <p:grpSpPr>
+        <a:xfrm>
+          <a:off x="0" y="0"/>
+          <a:ext cx="0" cy="0"/>
+          <a:chOff x="0" y="0"/>
+          <a:chExt cx="0" cy="0"/>
+        </a:xfrm>
+      </p:grpSpPr>
+      <p:sp>
+        <p:nvSpPr>
+          <p:cNvPr id="2" name="Title 1">
+            <a:extLst>
+              <a:ext uri="{FF2B5EF4-FFF2-40B4-BE49-F238E27FC236}">
+                <a16:creationId xmlns:a16="http://schemas.microsoft.com/office/drawing/2014/main" id="{62F08DD7-5FD7-9378-7A8F-D29F74CFD245}"/>
+              </a:ext>
+            </a:extLst>
+          </p:cNvPr>
+          <p:cNvSpPr>
+            <a:spLocks noGrp="1"/>
+          </p:cNvSpPr>
+          <p:nvPr>
+            <p:ph type="title"/>
+          </p:nvPr>
+        </p:nvSpPr>
+        <p:spPr>
+          <a:xfrm>
+            <a:off x="748937" y="266264"/>
+            <a:ext cx="10563497" cy="874559"/>
+          </a:xfrm>
+        </p:spPr>
+        <p:txBody>
+          <a:bodyPr>
+            <a:normAutofit/>
+          </a:bodyPr>
+          <a:lstStyle/>
+          <a:p>
+            <a:r>
+              <a:rPr lang="en-US" sz="4000" b="1" dirty="0">
+                <a:latin typeface="Times New Roman" panose="02020603050405020304" pitchFamily="18" charset="0"/>
+                <a:cs typeface="Times New Roman" panose="02020603050405020304" pitchFamily="18" charset="0"/>
+              </a:rPr>
+              <a:t>Advantage of  Incremental Model</a:t>
+            </a:r>
+            <a:endParaRPr lang="en-US" sz="4000" dirty="0">
+              <a:latin typeface="Times New Roman" panose="02020603050405020304" pitchFamily="18" charset="0"/>
+              <a:cs typeface="Times New Roman" panose="02020603050405020304" pitchFamily="18" charset="0"/>
+            </a:endParaRPr>
+          </a:p>
+        </p:txBody>
+      </p:sp>
+      <p:graphicFrame>
+        <p:nvGraphicFramePr>
+          <p:cNvPr id="4" name="Content Placeholder 3">
+            <a:extLst>
+              <a:ext uri="{FF2B5EF4-FFF2-40B4-BE49-F238E27FC236}">
+                <a16:creationId xmlns:a16="http://schemas.microsoft.com/office/drawing/2014/main" id="{650AC5EA-2EAE-1588-5741-A6373D5235E9}"/>
+              </a:ext>
+            </a:extLst>
+          </p:cNvPr>
+          <p:cNvGraphicFramePr>
+            <a:graphicFrameLocks noGrp="1"/>
+          </p:cNvGraphicFramePr>
+          <p:nvPr>
+            <p:ph idx="1"/>
+            <p:extLst>
+              <p:ext uri="{D42A27DB-BD31-4B8C-83A1-F6EECF244321}">
+                <p14:modId xmlns:p14="http://schemas.microsoft.com/office/powerpoint/2010/main" val="3828235739"/>
+              </p:ext>
+            </p:extLst>
+          </p:nvPr>
+        </p:nvGraphicFramePr>
+        <p:xfrm>
+          <a:off x="748937" y="1585030"/>
+          <a:ext cx="10126209" cy="3938350"/>
+        </p:xfrm>
+        <a:graphic>
+          <a:graphicData uri="http://schemas.openxmlformats.org/drawingml/2006/table">
+            <a:tbl>
+              <a:tblPr firstRow="1" firstCol="1" bandRow="1">
+                <a:tableStyleId>{5C22544A-7EE6-4342-B048-85BDC9FD1C3A}</a:tableStyleId>
+              </a:tblPr>
+              <a:tblGrid>
+                <a:gridCol w="3361424">
+                  <a:extLst>
+                    <a:ext uri="{9D8B030D-6E8A-4147-A177-3AD203B41FA5}">
+                      <a16:colId xmlns:a16="http://schemas.microsoft.com/office/drawing/2014/main" val="3159408229"/>
+                    </a:ext>
+                  </a:extLst>
+                </a:gridCol>
+                <a:gridCol w="6764785">
+                  <a:extLst>
+                    <a:ext uri="{9D8B030D-6E8A-4147-A177-3AD203B41FA5}">
+                      <a16:colId xmlns:a16="http://schemas.microsoft.com/office/drawing/2014/main" val="2165249821"/>
+                    </a:ext>
+                  </a:extLst>
+                </a:gridCol>
+              </a:tblGrid>
+              <a:tr h="455094">
+                <a:tc>
+                  <a:txBody>
+                    <a:bodyPr/>
+                    <a:lstStyle/>
+                    <a:p>
+                      <a:pPr marL="0" marR="0" algn="l">
+                        <a:lnSpc>
+                          <a:spcPct val="150000"/>
+                        </a:lnSpc>
+                        <a:buNone/>
+                      </a:pPr>
+                      <a:r>
+                        <a:rPr lang="en-US" sz="2000" kern="100" dirty="0">
+                          <a:effectLst/>
+                          <a:latin typeface="Times New Roman" panose="02020603050405020304" pitchFamily="18" charset="0"/>
+                          <a:cs typeface="Times New Roman" panose="02020603050405020304" pitchFamily="18" charset="0"/>
+                        </a:rPr>
+                        <a:t> Benefit</a:t>
+                      </a:r>
+                      <a:endParaRPr lang="en-US" sz="2000" kern="100" dirty="0">
+                        <a:effectLst/>
+                        <a:latin typeface="Times New Roman" panose="02020603050405020304" pitchFamily="18" charset="0"/>
+                        <a:ea typeface="Calibri" panose="020F0502020204030204" pitchFamily="34" charset="0"/>
+                        <a:cs typeface="Times New Roman" panose="02020603050405020304" pitchFamily="18" charset="0"/>
+                      </a:endParaRPr>
+                    </a:p>
+                  </a:txBody>
+                  <a:tcPr marL="0" marR="38632" marT="38632" marB="38632" anchor="ctr"/>
+                </a:tc>
+                <a:tc>
+                  <a:txBody>
+                    <a:bodyPr/>
+                    <a:lstStyle/>
+                    <a:p>
+                      <a:pPr marL="0" marR="0" algn="l">
+                        <a:lnSpc>
+                          <a:spcPct val="150000"/>
+                        </a:lnSpc>
+                        <a:buNone/>
+                      </a:pPr>
+                      <a:r>
+                        <a:rPr lang="en-US" sz="2000" kern="100" dirty="0">
+                          <a:effectLst/>
+                          <a:latin typeface="Times New Roman" panose="02020603050405020304" pitchFamily="18" charset="0"/>
+                          <a:cs typeface="Times New Roman" panose="02020603050405020304" pitchFamily="18" charset="0"/>
+                        </a:rPr>
+                        <a:t>Explanation</a:t>
+                      </a:r>
+                      <a:endParaRPr lang="en-US" sz="2000" kern="100" dirty="0">
+                        <a:effectLst/>
+                        <a:latin typeface="Times New Roman" panose="02020603050405020304" pitchFamily="18" charset="0"/>
+                        <a:ea typeface="Calibri" panose="020F0502020204030204" pitchFamily="34" charset="0"/>
+                        <a:cs typeface="Times New Roman" panose="02020603050405020304" pitchFamily="18" charset="0"/>
+                      </a:endParaRPr>
+                    </a:p>
+                  </a:txBody>
+                  <a:tcPr marL="38632" marR="38632" marT="38632" marB="38632" anchor="ctr"/>
+                </a:tc>
+                <a:extLst>
+                  <a:ext uri="{0D108BD9-81ED-4DB2-BD59-A6C34878D82A}">
+                    <a16:rowId xmlns:a16="http://schemas.microsoft.com/office/drawing/2014/main" val="956133193"/>
+                  </a:ext>
+                </a:extLst>
+              </a:tr>
+              <a:tr h="666406">
+                <a:tc>
+                  <a:txBody>
+                    <a:bodyPr/>
+                    <a:lstStyle/>
+                    <a:p>
+                      <a:pPr marL="0" marR="0" algn="l">
+                        <a:lnSpc>
+                          <a:spcPct val="150000"/>
+                        </a:lnSpc>
+                        <a:buNone/>
+                      </a:pPr>
+                      <a:r>
+                        <a:rPr lang="en-US" sz="2000" kern="100">
+                          <a:effectLst/>
+                          <a:latin typeface="Times New Roman" panose="02020603050405020304" pitchFamily="18" charset="0"/>
+                          <a:cs typeface="Times New Roman" panose="02020603050405020304" pitchFamily="18" charset="0"/>
+                        </a:rPr>
+                        <a:t> Lower change costs</a:t>
+                      </a:r>
+                      <a:endParaRPr lang="en-US" sz="2000" kern="100">
+                        <a:effectLst/>
+                        <a:latin typeface="Times New Roman" panose="02020603050405020304" pitchFamily="18" charset="0"/>
+                        <a:ea typeface="Calibri" panose="020F0502020204030204" pitchFamily="34" charset="0"/>
+                        <a:cs typeface="Times New Roman" panose="02020603050405020304" pitchFamily="18" charset="0"/>
+                      </a:endParaRPr>
+                    </a:p>
+                  </a:txBody>
+                  <a:tcPr marL="0" marR="38632" marT="38632" marB="38632" anchor="ctr"/>
+                </a:tc>
+                <a:tc>
+                  <a:txBody>
+                    <a:bodyPr/>
+                    <a:lstStyle/>
+                    <a:p>
+                      <a:pPr marL="0" marR="0" algn="l">
+                        <a:lnSpc>
+                          <a:spcPct val="150000"/>
+                        </a:lnSpc>
+                        <a:buNone/>
+                      </a:pPr>
+                      <a:r>
+                        <a:rPr lang="en-US" sz="2000" kern="100" dirty="0">
+                          <a:effectLst/>
+                          <a:latin typeface="Times New Roman" panose="02020603050405020304" pitchFamily="18" charset="0"/>
+                          <a:cs typeface="Times New Roman" panose="02020603050405020304" pitchFamily="18" charset="0"/>
+                        </a:rPr>
+                        <a:t>Only the current increment needs modification.</a:t>
+                      </a:r>
+                      <a:endParaRPr lang="en-US" sz="2000" kern="100" dirty="0">
+                        <a:effectLst/>
+                        <a:latin typeface="Times New Roman" panose="02020603050405020304" pitchFamily="18" charset="0"/>
+                        <a:ea typeface="Calibri" panose="020F0502020204030204" pitchFamily="34" charset="0"/>
+                        <a:cs typeface="Times New Roman" panose="02020603050405020304" pitchFamily="18" charset="0"/>
+                      </a:endParaRPr>
+                    </a:p>
+                  </a:txBody>
+                  <a:tcPr marL="38632" marR="38632" marT="38632" marB="38632" anchor="ctr"/>
+                </a:tc>
+                <a:extLst>
+                  <a:ext uri="{0D108BD9-81ED-4DB2-BD59-A6C34878D82A}">
+                    <a16:rowId xmlns:a16="http://schemas.microsoft.com/office/drawing/2014/main" val="3997077993"/>
+                  </a:ext>
+                </a:extLst>
+              </a:tr>
+              <a:tr h="1052152">
+                <a:tc>
+                  <a:txBody>
+                    <a:bodyPr/>
+                    <a:lstStyle/>
+                    <a:p>
+                      <a:pPr marL="0" marR="0" algn="l">
+                        <a:lnSpc>
+                          <a:spcPct val="150000"/>
+                        </a:lnSpc>
+                        <a:buNone/>
+                      </a:pPr>
+                      <a:r>
+                        <a:rPr lang="en-US" sz="2000" kern="100" dirty="0">
+                          <a:effectLst/>
+                          <a:latin typeface="Times New Roman" panose="02020603050405020304" pitchFamily="18" charset="0"/>
+                          <a:cs typeface="Times New Roman" panose="02020603050405020304" pitchFamily="18" charset="0"/>
+                        </a:rPr>
+                        <a:t> Early customer feedback</a:t>
+                      </a:r>
+                      <a:endParaRPr lang="en-US" sz="2000" kern="100" dirty="0">
+                        <a:effectLst/>
+                        <a:latin typeface="Times New Roman" panose="02020603050405020304" pitchFamily="18" charset="0"/>
+                        <a:ea typeface="Calibri" panose="020F0502020204030204" pitchFamily="34" charset="0"/>
+                        <a:cs typeface="Times New Roman" panose="02020603050405020304" pitchFamily="18" charset="0"/>
+                      </a:endParaRPr>
+                    </a:p>
+                  </a:txBody>
+                  <a:tcPr marL="0" marR="38632" marT="38632" marB="38632" anchor="ctr"/>
+                </a:tc>
+                <a:tc>
+                  <a:txBody>
+                    <a:bodyPr/>
+                    <a:lstStyle/>
+                    <a:p>
+                      <a:pPr marL="0" marR="0" algn="l">
+                        <a:lnSpc>
+                          <a:spcPct val="150000"/>
+                        </a:lnSpc>
+                        <a:buNone/>
+                      </a:pPr>
+                      <a:r>
+                        <a:rPr lang="en-US" sz="2000" kern="100" dirty="0">
+                          <a:effectLst/>
+                          <a:latin typeface="Times New Roman" panose="02020603050405020304" pitchFamily="18" charset="0"/>
+                          <a:cs typeface="Times New Roman" panose="02020603050405020304" pitchFamily="18" charset="0"/>
+                        </a:rPr>
+                        <a:t>Users validate working features.</a:t>
+                      </a:r>
+                      <a:endParaRPr lang="en-US" sz="2000" kern="100" dirty="0">
+                        <a:effectLst/>
+                        <a:latin typeface="Times New Roman" panose="02020603050405020304" pitchFamily="18" charset="0"/>
+                        <a:ea typeface="Calibri" panose="020F0502020204030204" pitchFamily="34" charset="0"/>
+                        <a:cs typeface="Times New Roman" panose="02020603050405020304" pitchFamily="18" charset="0"/>
+                      </a:endParaRPr>
+                    </a:p>
+                  </a:txBody>
+                  <a:tcPr marL="38632" marR="38632" marT="38632" marB="38632" anchor="ctr"/>
+                </a:tc>
+                <a:extLst>
+                  <a:ext uri="{0D108BD9-81ED-4DB2-BD59-A6C34878D82A}">
+                    <a16:rowId xmlns:a16="http://schemas.microsoft.com/office/drawing/2014/main" val="2858978228"/>
+                  </a:ext>
+                </a:extLst>
+              </a:tr>
+              <a:tr h="842014">
+                <a:tc>
+                  <a:txBody>
+                    <a:bodyPr/>
+                    <a:lstStyle/>
+                    <a:p>
+                      <a:pPr marL="0" marR="0" algn="l">
+                        <a:lnSpc>
+                          <a:spcPct val="150000"/>
+                        </a:lnSpc>
+                        <a:buNone/>
+                      </a:pPr>
+                      <a:r>
+                        <a:rPr lang="en-US" sz="2000" kern="100" dirty="0">
+                          <a:effectLst/>
+                          <a:latin typeface="Times New Roman" panose="02020603050405020304" pitchFamily="18" charset="0"/>
+                          <a:cs typeface="Times New Roman" panose="02020603050405020304" pitchFamily="18" charset="0"/>
+                        </a:rPr>
+                        <a:t> Faster ROI (Return of Inv)</a:t>
+                      </a:r>
+                      <a:endParaRPr lang="en-US" sz="2000" kern="100" dirty="0">
+                        <a:effectLst/>
+                        <a:latin typeface="Times New Roman" panose="02020603050405020304" pitchFamily="18" charset="0"/>
+                        <a:ea typeface="Calibri" panose="020F0502020204030204" pitchFamily="34" charset="0"/>
+                        <a:cs typeface="Times New Roman" panose="02020603050405020304" pitchFamily="18" charset="0"/>
+                      </a:endParaRPr>
+                    </a:p>
+                  </a:txBody>
+                  <a:tcPr marL="0" marR="38632" marT="38632" marB="38632" anchor="ctr"/>
+                </a:tc>
+                <a:tc>
+                  <a:txBody>
+                    <a:bodyPr/>
+                    <a:lstStyle/>
+                    <a:p>
+                      <a:pPr marL="0" marR="0" algn="l">
+                        <a:lnSpc>
+                          <a:spcPct val="150000"/>
+                        </a:lnSpc>
+                        <a:buNone/>
+                      </a:pPr>
+                      <a:r>
+                        <a:rPr lang="en-US" sz="2000" kern="100" dirty="0">
+                          <a:effectLst/>
+                          <a:latin typeface="Times New Roman" panose="02020603050405020304" pitchFamily="18" charset="0"/>
+                          <a:cs typeface="Times New Roman" panose="02020603050405020304" pitchFamily="18" charset="0"/>
+                        </a:rPr>
+                        <a:t>Partial functionality can be deployed early.</a:t>
+                      </a:r>
+                      <a:endParaRPr lang="en-US" sz="2000" kern="100" dirty="0">
+                        <a:effectLst/>
+                        <a:latin typeface="Times New Roman" panose="02020603050405020304" pitchFamily="18" charset="0"/>
+                        <a:ea typeface="Calibri" panose="020F0502020204030204" pitchFamily="34" charset="0"/>
+                        <a:cs typeface="Times New Roman" panose="02020603050405020304" pitchFamily="18" charset="0"/>
+                      </a:endParaRPr>
+                    </a:p>
+                  </a:txBody>
+                  <a:tcPr marL="38632" marR="38632" marT="38632" marB="38632" anchor="ctr"/>
+                </a:tc>
+                <a:extLst>
+                  <a:ext uri="{0D108BD9-81ED-4DB2-BD59-A6C34878D82A}">
+                    <a16:rowId xmlns:a16="http://schemas.microsoft.com/office/drawing/2014/main" val="986850803"/>
+                  </a:ext>
+                </a:extLst>
+              </a:tr>
+              <a:tr h="898114">
+                <a:tc>
+                  <a:txBody>
+                    <a:bodyPr/>
+                    <a:lstStyle/>
+                    <a:p>
+                      <a:pPr marL="0" marR="0" algn="l">
+                        <a:lnSpc>
+                          <a:spcPct val="150000"/>
+                        </a:lnSpc>
+                        <a:buNone/>
+                      </a:pPr>
+                      <a:r>
+                        <a:rPr lang="en-US" sz="2000" kern="100" dirty="0">
+                          <a:effectLst/>
+                          <a:latin typeface="Times New Roman" panose="02020603050405020304" pitchFamily="18" charset="0"/>
+                          <a:cs typeface="Times New Roman" panose="02020603050405020304" pitchFamily="18" charset="0"/>
+                        </a:rPr>
+                        <a:t> Risk mitigation</a:t>
+                      </a:r>
+                      <a:endParaRPr lang="en-US" sz="2000" kern="100" dirty="0">
+                        <a:effectLst/>
+                        <a:latin typeface="Times New Roman" panose="02020603050405020304" pitchFamily="18" charset="0"/>
+                        <a:ea typeface="Calibri" panose="020F0502020204030204" pitchFamily="34" charset="0"/>
+                        <a:cs typeface="Times New Roman" panose="02020603050405020304" pitchFamily="18" charset="0"/>
+                      </a:endParaRPr>
+                    </a:p>
+                  </a:txBody>
+                  <a:tcPr marL="0" marR="38632" marT="38632" marB="38632" anchor="ctr"/>
+                </a:tc>
+                <a:tc>
+                  <a:txBody>
+                    <a:bodyPr/>
+                    <a:lstStyle/>
+                    <a:p>
+                      <a:pPr marL="0" marR="0" algn="l">
+                        <a:lnSpc>
+                          <a:spcPct val="150000"/>
+                        </a:lnSpc>
+                        <a:buNone/>
+                      </a:pPr>
+                      <a:r>
+                        <a:rPr lang="en-US" sz="2000" kern="100" dirty="0">
+                          <a:effectLst/>
+                          <a:latin typeface="Times New Roman" panose="02020603050405020304" pitchFamily="18" charset="0"/>
+                          <a:cs typeface="Times New Roman" panose="02020603050405020304" pitchFamily="18" charset="0"/>
+                        </a:rPr>
+                        <a:t>Issues surface sooner, reducing late-stage failures.</a:t>
+                      </a:r>
+                      <a:endParaRPr lang="en-US" sz="2000" kern="100" dirty="0">
+                        <a:effectLst/>
+                        <a:latin typeface="Times New Roman" panose="02020603050405020304" pitchFamily="18" charset="0"/>
+                        <a:ea typeface="Calibri" panose="020F0502020204030204" pitchFamily="34" charset="0"/>
+                        <a:cs typeface="Times New Roman" panose="02020603050405020304" pitchFamily="18" charset="0"/>
+                      </a:endParaRPr>
+                    </a:p>
+                  </a:txBody>
+                  <a:tcPr marL="38632" marR="38632" marT="38632" marB="38632" anchor="ctr"/>
+                </a:tc>
+                <a:extLst>
+                  <a:ext uri="{0D108BD9-81ED-4DB2-BD59-A6C34878D82A}">
+                    <a16:rowId xmlns:a16="http://schemas.microsoft.com/office/drawing/2014/main" val="3355616239"/>
+                  </a:ext>
+                </a:extLst>
+              </a:tr>
+            </a:tbl>
+          </a:graphicData>
+        </a:graphic>
+      </p:graphicFrame>
+    </p:spTree>
+    <p:extLst>
+      <p:ext uri="{BB962C8B-B14F-4D97-AF65-F5344CB8AC3E}">
+        <p14:creationId xmlns:p14="http://schemas.microsoft.com/office/powerpoint/2010/main" val="672685121"/>
+      </p:ext>
+    </p:extLst>
+  </p:cSld>
+  <p:clrMapOvr>
+    <a:masterClrMapping/>
+  </p:clrMapOvr>
+</p:sld>
+</file>
+
+<file path=ppt/slides/slide16.xml><?xml version="1.0" encoding="utf-8"?>
+<p:sld xmlns:a="http://schemas.openxmlformats.org/drawingml/2006/main" xmlns:r="http://schemas.openxmlformats.org/officeDocument/2006/relationships" xmlns:p="http://schemas.openxmlformats.org/presentationml/2006/main">
+  <p:cSld>
+    <p:spTree>
+      <p:nvGrpSpPr>
+        <p:cNvPr id="1" name="">
+          <a:extLst>
+            <a:ext uri="{FF2B5EF4-FFF2-40B4-BE49-F238E27FC236}">
+              <a16:creationId xmlns:a16="http://schemas.microsoft.com/office/drawing/2014/main" id="{5B007A0D-88D9-F60C-944E-F260792C9D8F}"/>
+            </a:ext>
+          </a:extLst>
+        </p:cNvPr>
+        <p:cNvGrpSpPr/>
+        <p:nvPr/>
+      </p:nvGrpSpPr>
+      <p:grpSpPr>
+        <a:xfrm>
+          <a:off x="0" y="0"/>
+          <a:ext cx="0" cy="0"/>
+          <a:chOff x="0" y="0"/>
+          <a:chExt cx="0" cy="0"/>
+        </a:xfrm>
+      </p:grpSpPr>
+      <p:sp>
+        <p:nvSpPr>
+          <p:cNvPr id="2" name="Title 1">
+            <a:extLst>
+              <a:ext uri="{FF2B5EF4-FFF2-40B4-BE49-F238E27FC236}">
+                <a16:creationId xmlns:a16="http://schemas.microsoft.com/office/drawing/2014/main" id="{1F09E226-F833-0FC9-DB68-4803B831B05C}"/>
+              </a:ext>
+            </a:extLst>
+          </p:cNvPr>
+          <p:cNvSpPr>
+            <a:spLocks noGrp="1"/>
+          </p:cNvSpPr>
+          <p:nvPr>
+            <p:ph type="title"/>
+          </p:nvPr>
+        </p:nvSpPr>
+        <p:spPr>
+          <a:xfrm>
+            <a:off x="748937" y="266264"/>
+            <a:ext cx="10563497" cy="874559"/>
+          </a:xfrm>
+        </p:spPr>
+        <p:txBody>
+          <a:bodyPr>
+            <a:normAutofit/>
+          </a:bodyPr>
+          <a:lstStyle/>
+          <a:p>
+            <a:r>
+              <a:rPr lang="en-US" sz="4400" b="1" dirty="0">
+                <a:latin typeface="Times New Roman" panose="02020603050405020304" pitchFamily="18" charset="0"/>
+                <a:cs typeface="Times New Roman" panose="02020603050405020304" pitchFamily="18" charset="0"/>
+              </a:rPr>
+              <a:t>Integration and Configuration</a:t>
+            </a:r>
+          </a:p>
+        </p:txBody>
+      </p:sp>
+      <p:sp>
+        <p:nvSpPr>
+          <p:cNvPr id="5" name="Content Placeholder 4">
+            <a:extLst>
+              <a:ext uri="{FF2B5EF4-FFF2-40B4-BE49-F238E27FC236}">
+                <a16:creationId xmlns:a16="http://schemas.microsoft.com/office/drawing/2014/main" id="{2FB97CBB-ED41-2234-490C-888E0DC33A0D}"/>
+              </a:ext>
+            </a:extLst>
+          </p:cNvPr>
+          <p:cNvSpPr>
+            <a:spLocks noGrp="1"/>
+          </p:cNvSpPr>
+          <p:nvPr>
+            <p:ph idx="1"/>
+          </p:nvPr>
+        </p:nvSpPr>
+        <p:spPr>
+          <a:xfrm>
+            <a:off x="748937" y="1615736"/>
+            <a:ext cx="10379311" cy="4556464"/>
+          </a:xfrm>
+        </p:spPr>
+        <p:txBody>
+          <a:bodyPr>
+            <a:normAutofit/>
+          </a:bodyPr>
+          <a:lstStyle/>
+          <a:p>
+            <a:r>
+              <a:rPr lang="en-US" dirty="0">
+                <a:latin typeface="Times New Roman" panose="02020603050405020304" pitchFamily="18" charset="0"/>
+                <a:cs typeface="Times New Roman" panose="02020603050405020304" pitchFamily="18" charset="0"/>
+              </a:rPr>
+              <a:t>Integration and Configuration is a </a:t>
+            </a:r>
+            <a:r>
+              <a:rPr lang="en-US" b="1" dirty="0">
+                <a:latin typeface="Times New Roman" panose="02020603050405020304" pitchFamily="18" charset="0"/>
+                <a:cs typeface="Times New Roman" panose="02020603050405020304" pitchFamily="18" charset="0"/>
+              </a:rPr>
+              <a:t>reuse-driven software development model</a:t>
+            </a:r>
+          </a:p>
+          <a:p>
+            <a:r>
+              <a:rPr lang="en-US" dirty="0">
+                <a:latin typeface="Times New Roman" panose="02020603050405020304" pitchFamily="18" charset="0"/>
+                <a:cs typeface="Times New Roman" panose="02020603050405020304" pitchFamily="18" charset="0"/>
+              </a:rPr>
+              <a:t>leverages </a:t>
+            </a:r>
+            <a:r>
+              <a:rPr lang="en-US" b="1" dirty="0">
+                <a:latin typeface="Times New Roman" panose="02020603050405020304" pitchFamily="18" charset="0"/>
+                <a:cs typeface="Times New Roman" panose="02020603050405020304" pitchFamily="18" charset="0"/>
+              </a:rPr>
+              <a:t>off-the-shelf software, libraries, APIs, and services</a:t>
+            </a:r>
+            <a:r>
+              <a:rPr lang="en-US" dirty="0">
+                <a:latin typeface="Times New Roman" panose="02020603050405020304" pitchFamily="18" charset="0"/>
+                <a:cs typeface="Times New Roman" panose="02020603050405020304" pitchFamily="18" charset="0"/>
+              </a:rPr>
+              <a:t> to accelerate development</a:t>
+            </a:r>
+          </a:p>
+          <a:p>
+            <a:r>
+              <a:rPr lang="en-US" b="1" dirty="0">
+                <a:latin typeface="Times New Roman" panose="02020603050405020304" pitchFamily="18" charset="0"/>
+                <a:cs typeface="Times New Roman" panose="02020603050405020304" pitchFamily="18" charset="0"/>
+              </a:rPr>
+              <a:t>Key Characteristics</a:t>
+            </a:r>
+          </a:p>
+          <a:p>
+            <a:pPr lvl="1"/>
+            <a:r>
+              <a:rPr lang="en-US" sz="2000" b="1" dirty="0">
+                <a:latin typeface="Times New Roman" panose="02020603050405020304" pitchFamily="18" charset="0"/>
+                <a:cs typeface="Times New Roman" panose="02020603050405020304" pitchFamily="18" charset="0"/>
+              </a:rPr>
+              <a:t>Reuse-Centric</a:t>
+            </a:r>
+          </a:p>
+          <a:p>
+            <a:pPr lvl="1"/>
+            <a:r>
+              <a:rPr lang="en-US" sz="2000" b="1" dirty="0">
+                <a:latin typeface="Times New Roman" panose="02020603050405020304" pitchFamily="18" charset="0"/>
+                <a:cs typeface="Times New Roman" panose="02020603050405020304" pitchFamily="18" charset="0"/>
+              </a:rPr>
+              <a:t>Configurable and</a:t>
+            </a:r>
+          </a:p>
+          <a:p>
+            <a:pPr lvl="1"/>
+            <a:r>
+              <a:rPr lang="en-US" sz="2000" b="1" dirty="0">
+                <a:latin typeface="Times New Roman" panose="02020603050405020304" pitchFamily="18" charset="0"/>
+                <a:cs typeface="Times New Roman" panose="02020603050405020304" pitchFamily="18" charset="0"/>
+              </a:rPr>
+              <a:t>Integration-Focused</a:t>
+            </a:r>
+          </a:p>
+          <a:p>
+            <a:r>
+              <a:rPr lang="en-US" b="1" dirty="0">
+                <a:latin typeface="Times New Roman" panose="02020603050405020304" pitchFamily="18" charset="0"/>
+                <a:cs typeface="Times New Roman" panose="02020603050405020304" pitchFamily="18" charset="0"/>
+              </a:rPr>
+              <a:t>Types of Reusable Components</a:t>
+            </a:r>
+            <a:endParaRPr lang="en-US" dirty="0">
+              <a:latin typeface="Times New Roman" panose="02020603050405020304" pitchFamily="18" charset="0"/>
+              <a:cs typeface="Times New Roman" panose="02020603050405020304" pitchFamily="18" charset="0"/>
+            </a:endParaRPr>
+          </a:p>
+          <a:p>
+            <a:pPr lvl="1"/>
+            <a:r>
+              <a:rPr lang="en-US" sz="2000" b="1" dirty="0">
+                <a:latin typeface="Times New Roman" panose="02020603050405020304" pitchFamily="18" charset="0"/>
+                <a:cs typeface="Times New Roman" panose="02020603050405020304" pitchFamily="18" charset="0"/>
+              </a:rPr>
+              <a:t>Stand-Alone Application Systems</a:t>
+            </a:r>
+            <a:r>
+              <a:rPr lang="en-US" sz="2000" dirty="0">
+                <a:latin typeface="Times New Roman" panose="02020603050405020304" pitchFamily="18" charset="0"/>
+                <a:cs typeface="Times New Roman" panose="02020603050405020304" pitchFamily="18" charset="0"/>
+              </a:rPr>
+              <a:t>: </a:t>
+            </a:r>
+            <a:r>
+              <a:rPr lang="en-US" sz="2000" b="1" dirty="0">
+                <a:latin typeface="Times New Roman" panose="02020603050405020304" pitchFamily="18" charset="0"/>
+                <a:cs typeface="Times New Roman" panose="02020603050405020304" pitchFamily="18" charset="0"/>
+              </a:rPr>
+              <a:t>Example:</a:t>
+            </a:r>
+            <a:r>
+              <a:rPr lang="en-US" sz="2000" dirty="0">
+                <a:latin typeface="Times New Roman" panose="02020603050405020304" pitchFamily="18" charset="0"/>
+                <a:cs typeface="Times New Roman" panose="02020603050405020304" pitchFamily="18" charset="0"/>
+              </a:rPr>
+              <a:t> ERP systems, CMS platforms.</a:t>
+            </a:r>
+          </a:p>
+          <a:p>
+            <a:pPr lvl="1"/>
+            <a:r>
+              <a:rPr lang="en-US" sz="2000" b="1" dirty="0">
+                <a:latin typeface="Times New Roman" panose="02020603050405020304" pitchFamily="18" charset="0"/>
+                <a:cs typeface="Times New Roman" panose="02020603050405020304" pitchFamily="18" charset="0"/>
+              </a:rPr>
+              <a:t>Object Collections &amp; Frameworks</a:t>
+            </a:r>
+            <a:r>
+              <a:rPr lang="en-US" sz="2000" dirty="0">
+                <a:latin typeface="Times New Roman" panose="02020603050405020304" pitchFamily="18" charset="0"/>
+                <a:cs typeface="Times New Roman" panose="02020603050405020304" pitchFamily="18" charset="0"/>
+              </a:rPr>
+              <a:t>: </a:t>
+            </a:r>
+            <a:r>
+              <a:rPr lang="en-US" sz="2000" b="1" dirty="0">
+                <a:latin typeface="Times New Roman" panose="02020603050405020304" pitchFamily="18" charset="0"/>
+                <a:cs typeface="Times New Roman" panose="02020603050405020304" pitchFamily="18" charset="0"/>
+              </a:rPr>
+              <a:t>Example:</a:t>
+            </a:r>
+            <a:r>
+              <a:rPr lang="en-US" sz="2000" dirty="0">
+                <a:latin typeface="Times New Roman" panose="02020603050405020304" pitchFamily="18" charset="0"/>
+                <a:cs typeface="Times New Roman" panose="02020603050405020304" pitchFamily="18" charset="0"/>
+              </a:rPr>
+              <a:t> </a:t>
+            </a:r>
+            <a:r>
+              <a:rPr lang="en-US" sz="2000" b="1" dirty="0">
+                <a:latin typeface="Times New Roman" panose="02020603050405020304" pitchFamily="18" charset="0"/>
+                <a:cs typeface="Times New Roman" panose="02020603050405020304" pitchFamily="18" charset="0"/>
+              </a:rPr>
+              <a:t>.NET Core</a:t>
+            </a:r>
+            <a:endParaRPr lang="en-US" sz="2000" dirty="0">
+              <a:latin typeface="Times New Roman" panose="02020603050405020304" pitchFamily="18" charset="0"/>
+              <a:cs typeface="Times New Roman" panose="02020603050405020304" pitchFamily="18" charset="0"/>
+            </a:endParaRPr>
+          </a:p>
+          <a:p>
+            <a:pPr lvl="1"/>
+            <a:r>
+              <a:rPr lang="en-US" sz="2000" b="1" dirty="0">
+                <a:latin typeface="Times New Roman" panose="02020603050405020304" pitchFamily="18" charset="0"/>
+                <a:cs typeface="Times New Roman" panose="02020603050405020304" pitchFamily="18" charset="0"/>
+              </a:rPr>
+              <a:t>Web Services &amp; APIs</a:t>
+            </a:r>
+            <a:r>
+              <a:rPr lang="en-US" sz="2000" dirty="0">
+                <a:latin typeface="Times New Roman" panose="02020603050405020304" pitchFamily="18" charset="0"/>
+                <a:cs typeface="Times New Roman" panose="02020603050405020304" pitchFamily="18" charset="0"/>
+              </a:rPr>
+              <a:t>: </a:t>
+            </a:r>
+            <a:r>
+              <a:rPr lang="en-US" sz="2000" b="1" dirty="0">
+                <a:latin typeface="Times New Roman" panose="02020603050405020304" pitchFamily="18" charset="0"/>
+                <a:cs typeface="Times New Roman" panose="02020603050405020304" pitchFamily="18" charset="0"/>
+              </a:rPr>
+              <a:t>Example:</a:t>
+            </a:r>
+            <a:r>
+              <a:rPr lang="en-US" sz="2000" dirty="0">
+                <a:latin typeface="Times New Roman" panose="02020603050405020304" pitchFamily="18" charset="0"/>
+                <a:cs typeface="Times New Roman" panose="02020603050405020304" pitchFamily="18" charset="0"/>
+              </a:rPr>
+              <a:t> Payment gateways (Stripe, PayPal), Cloud services (AWS S3, Google Maps API)</a:t>
+            </a:r>
+          </a:p>
+        </p:txBody>
+      </p:sp>
+    </p:spTree>
+    <p:extLst>
+      <p:ext uri="{BB962C8B-B14F-4D97-AF65-F5344CB8AC3E}">
+        <p14:creationId xmlns:p14="http://schemas.microsoft.com/office/powerpoint/2010/main" val="4267785272"/>
+      </p:ext>
+    </p:extLst>
+  </p:cSld>
+  <p:clrMapOvr>
+    <a:masterClrMapping/>
+  </p:clrMapOvr>
+</p:sld>
+</file>
+
+<file path=ppt/slides/slide17.xml><?xml version="1.0" encoding="utf-8"?>
+<p:sld xmlns:a="http://schemas.openxmlformats.org/drawingml/2006/main" xmlns:r="http://schemas.openxmlformats.org/officeDocument/2006/relationships" xmlns:p="http://schemas.openxmlformats.org/presentationml/2006/main">
+  <p:cSld>
+    <p:spTree>
+      <p:nvGrpSpPr>
+        <p:cNvPr id="1" name="">
+          <a:extLst>
+            <a:ext uri="{FF2B5EF4-FFF2-40B4-BE49-F238E27FC236}">
+              <a16:creationId xmlns:a16="http://schemas.microsoft.com/office/drawing/2014/main" id="{75A383BE-7E5C-B652-6D39-60C850613965}"/>
+            </a:ext>
+          </a:extLst>
+        </p:cNvPr>
+        <p:cNvGrpSpPr/>
+        <p:nvPr/>
+      </p:nvGrpSpPr>
+      <p:grpSpPr>
+        <a:xfrm>
+          <a:off x="0" y="0"/>
+          <a:ext cx="0" cy="0"/>
+          <a:chOff x="0" y="0"/>
+          <a:chExt cx="0" cy="0"/>
+        </a:xfrm>
+      </p:grpSpPr>
+      <p:sp>
+        <p:nvSpPr>
+          <p:cNvPr id="2" name="Title 1">
+            <a:extLst>
+              <a:ext uri="{FF2B5EF4-FFF2-40B4-BE49-F238E27FC236}">
+                <a16:creationId xmlns:a16="http://schemas.microsoft.com/office/drawing/2014/main" id="{4F8F3691-5F48-1793-9871-6D3CE088D032}"/>
+              </a:ext>
+            </a:extLst>
+          </p:cNvPr>
+          <p:cNvSpPr>
+            <a:spLocks noGrp="1"/>
+          </p:cNvSpPr>
+          <p:nvPr>
+            <p:ph type="title"/>
+          </p:nvPr>
+        </p:nvSpPr>
+        <p:spPr>
+          <a:xfrm>
+            <a:off x="748937" y="266264"/>
+            <a:ext cx="10563497" cy="874559"/>
+          </a:xfrm>
+        </p:spPr>
+        <p:txBody>
+          <a:bodyPr>
+            <a:normAutofit/>
+          </a:bodyPr>
+          <a:lstStyle/>
+          <a:p>
+            <a:r>
+              <a:rPr lang="en-US" sz="4400" b="1" dirty="0">
+                <a:latin typeface="Times New Roman" panose="02020603050405020304" pitchFamily="18" charset="0"/>
+                <a:cs typeface="Times New Roman" panose="02020603050405020304" pitchFamily="18" charset="0"/>
+              </a:rPr>
+              <a:t>Integration and Configuration</a:t>
+            </a:r>
+          </a:p>
+        </p:txBody>
+      </p:sp>
+      <p:sp>
+        <p:nvSpPr>
+          <p:cNvPr id="5" name="Content Placeholder 4">
+            <a:extLst>
+              <a:ext uri="{FF2B5EF4-FFF2-40B4-BE49-F238E27FC236}">
+                <a16:creationId xmlns:a16="http://schemas.microsoft.com/office/drawing/2014/main" id="{D54BE0F4-331C-54D9-7807-03173D73106F}"/>
+              </a:ext>
+            </a:extLst>
+          </p:cNvPr>
+          <p:cNvSpPr>
+            <a:spLocks noGrp="1"/>
+          </p:cNvSpPr>
+          <p:nvPr>
+            <p:ph idx="1"/>
+          </p:nvPr>
+        </p:nvSpPr>
+        <p:spPr>
+          <a:xfrm>
+            <a:off x="748937" y="1615736"/>
+            <a:ext cx="10379311" cy="4556464"/>
+          </a:xfrm>
+        </p:spPr>
+        <p:txBody>
+          <a:bodyPr>
+            <a:normAutofit/>
+          </a:bodyPr>
+          <a:lstStyle/>
+          <a:p>
+            <a:pPr marL="0" indent="0" algn="ctr">
+              <a:buNone/>
+            </a:pPr>
+            <a:r>
+              <a:rPr lang="en-US" sz="2400" dirty="0">
+                <a:latin typeface="Times New Roman" panose="02020603050405020304" pitchFamily="18" charset="0"/>
+                <a:cs typeface="Times New Roman" panose="02020603050405020304" pitchFamily="18" charset="0"/>
+              </a:rPr>
+              <a:t>Reuse-oriented software engineering</a:t>
+            </a:r>
+          </a:p>
+          <a:p>
+            <a:pPr marL="0" indent="0" algn="ctr">
+              <a:buNone/>
+            </a:pPr>
+            <a:endParaRPr lang="en-US" sz="2400" dirty="0">
+              <a:latin typeface="Times New Roman" panose="02020603050405020304" pitchFamily="18" charset="0"/>
+              <a:cs typeface="Times New Roman" panose="02020603050405020304" pitchFamily="18" charset="0"/>
+            </a:endParaRPr>
+          </a:p>
+        </p:txBody>
+      </p:sp>
+      <p:pic>
+        <p:nvPicPr>
+          <p:cNvPr id="3" name="Picture 2">
+            <a:extLst>
+              <a:ext uri="{FF2B5EF4-FFF2-40B4-BE49-F238E27FC236}">
+                <a16:creationId xmlns:a16="http://schemas.microsoft.com/office/drawing/2014/main" id="{569CA823-EFD6-60D8-B539-8FC1970969DE}"/>
+              </a:ext>
+            </a:extLst>
+          </p:cNvPr>
+          <p:cNvPicPr>
+            <a:picLocks noChangeAspect="1"/>
+          </p:cNvPicPr>
+          <p:nvPr/>
+        </p:nvPicPr>
+        <p:blipFill>
+          <a:blip r:embed="rId3"/>
+          <a:stretch>
+            <a:fillRect/>
+          </a:stretch>
+        </p:blipFill>
+        <p:spPr>
+          <a:xfrm>
+            <a:off x="748937" y="2074471"/>
+            <a:ext cx="10464114" cy="3305391"/>
+          </a:xfrm>
+          <a:prstGeom prst="rect">
+            <a:avLst/>
+          </a:prstGeom>
+        </p:spPr>
+      </p:pic>
+    </p:spTree>
+    <p:extLst>
+      <p:ext uri="{BB962C8B-B14F-4D97-AF65-F5344CB8AC3E}">
+        <p14:creationId xmlns:p14="http://schemas.microsoft.com/office/powerpoint/2010/main" val="3051191237"/>
+      </p:ext>
+    </p:extLst>
+  </p:cSld>
+  <p:clrMapOvr>
+    <a:masterClrMapping/>
+  </p:clrMapOvr>
+</p:sld>
+</file>
+
+<file path=ppt/slides/slide18.xml><?xml version="1.0" encoding="utf-8"?>
+<p:sld xmlns:a="http://schemas.openxmlformats.org/drawingml/2006/main" xmlns:r="http://schemas.openxmlformats.org/officeDocument/2006/relationships" xmlns:p="http://schemas.openxmlformats.org/presentationml/2006/main">
+  <p:cSld>
+    <p:spTree>
+      <p:nvGrpSpPr>
+        <p:cNvPr id="1" name="">
+          <a:extLst>
+            <a:ext uri="{FF2B5EF4-FFF2-40B4-BE49-F238E27FC236}">
+              <a16:creationId xmlns:a16="http://schemas.microsoft.com/office/drawing/2014/main" id="{A876326A-60B0-A391-8373-D005E621EF4B}"/>
+            </a:ext>
+          </a:extLst>
+        </p:cNvPr>
+        <p:cNvGrpSpPr/>
+        <p:nvPr/>
+      </p:nvGrpSpPr>
+      <p:grpSpPr>
+        <a:xfrm>
+          <a:off x="0" y="0"/>
+          <a:ext cx="0" cy="0"/>
+          <a:chOff x="0" y="0"/>
+          <a:chExt cx="0" cy="0"/>
+        </a:xfrm>
+      </p:grpSpPr>
+      <p:sp>
+        <p:nvSpPr>
+          <p:cNvPr id="2" name="Title 1">
+            <a:extLst>
+              <a:ext uri="{FF2B5EF4-FFF2-40B4-BE49-F238E27FC236}">
+                <a16:creationId xmlns:a16="http://schemas.microsoft.com/office/drawing/2014/main" id="{A7F89794-78A7-62AA-448E-2569B3CBDF3E}"/>
+              </a:ext>
+            </a:extLst>
+          </p:cNvPr>
+          <p:cNvSpPr>
+            <a:spLocks noGrp="1"/>
+          </p:cNvSpPr>
+          <p:nvPr>
+            <p:ph type="title"/>
+          </p:nvPr>
+        </p:nvSpPr>
+        <p:spPr>
+          <a:xfrm>
+            <a:off x="748937" y="266264"/>
+            <a:ext cx="10563497" cy="874559"/>
+          </a:xfrm>
+        </p:spPr>
+        <p:txBody>
+          <a:bodyPr>
+            <a:normAutofit/>
+          </a:bodyPr>
+          <a:lstStyle/>
+          <a:p>
+            <a:r>
+              <a:rPr lang="en-US" sz="4400" b="1" dirty="0">
+                <a:latin typeface="Times New Roman" panose="02020603050405020304" pitchFamily="18" charset="0"/>
+                <a:cs typeface="Times New Roman" panose="02020603050405020304" pitchFamily="18" charset="0"/>
+              </a:rPr>
+              <a:t>Integration and Configuration</a:t>
+            </a:r>
+          </a:p>
+        </p:txBody>
+      </p:sp>
+      <p:sp>
+        <p:nvSpPr>
+          <p:cNvPr id="5" name="Content Placeholder 4">
+            <a:extLst>
+              <a:ext uri="{FF2B5EF4-FFF2-40B4-BE49-F238E27FC236}">
+                <a16:creationId xmlns:a16="http://schemas.microsoft.com/office/drawing/2014/main" id="{757EC4DF-8C05-67B3-A73C-B59A1C306438}"/>
+              </a:ext>
+            </a:extLst>
+          </p:cNvPr>
+          <p:cNvSpPr>
+            <a:spLocks noGrp="1"/>
+          </p:cNvSpPr>
+          <p:nvPr>
+            <p:ph idx="1"/>
+          </p:nvPr>
+        </p:nvSpPr>
+        <p:spPr>
+          <a:xfrm>
+            <a:off x="748937" y="1313894"/>
+            <a:ext cx="10379311" cy="5149049"/>
+          </a:xfrm>
+        </p:spPr>
+        <p:txBody>
+          <a:bodyPr>
+            <a:noAutofit/>
+          </a:bodyPr>
+          <a:lstStyle/>
+          <a:p>
+            <a:pPr marL="0" indent="0">
+              <a:buNone/>
+            </a:pPr>
+            <a:r>
+              <a:rPr lang="en-US" b="1" dirty="0">
+                <a:latin typeface="Times New Roman" panose="02020603050405020304" pitchFamily="18" charset="0"/>
+                <a:cs typeface="Times New Roman" panose="02020603050405020304" pitchFamily="18" charset="0"/>
+              </a:rPr>
+              <a:t>1. Requirements Specification</a:t>
+            </a:r>
+            <a:endParaRPr lang="en-US" dirty="0">
+              <a:latin typeface="Times New Roman" panose="02020603050405020304" pitchFamily="18" charset="0"/>
+              <a:cs typeface="Times New Roman" panose="02020603050405020304" pitchFamily="18" charset="0"/>
+            </a:endParaRPr>
+          </a:p>
+          <a:p>
+            <a:pPr lvl="1"/>
+            <a:r>
+              <a:rPr lang="en-US" sz="2000" dirty="0">
+                <a:latin typeface="Times New Roman" panose="02020603050405020304" pitchFamily="18" charset="0"/>
+                <a:cs typeface="Times New Roman" panose="02020603050405020304" pitchFamily="18" charset="0"/>
+              </a:rPr>
+              <a:t>Define </a:t>
+            </a:r>
+            <a:r>
+              <a:rPr lang="en-US" sz="2000" b="1" dirty="0">
+                <a:latin typeface="Times New Roman" panose="02020603050405020304" pitchFamily="18" charset="0"/>
+                <a:cs typeface="Times New Roman" panose="02020603050405020304" pitchFamily="18" charset="0"/>
+              </a:rPr>
+              <a:t>high-level needs</a:t>
+            </a:r>
+            <a:r>
+              <a:rPr lang="en-US" sz="2000" dirty="0">
+                <a:latin typeface="Times New Roman" panose="02020603050405020304" pitchFamily="18" charset="0"/>
+                <a:cs typeface="Times New Roman" panose="02020603050405020304" pitchFamily="18" charset="0"/>
+              </a:rPr>
+              <a:t> (no deep detail required).</a:t>
+            </a:r>
+          </a:p>
+          <a:p>
+            <a:pPr lvl="1"/>
+            <a:r>
+              <a:rPr lang="en-US" sz="2000" dirty="0">
+                <a:latin typeface="Times New Roman" panose="02020603050405020304" pitchFamily="18" charset="0"/>
+                <a:cs typeface="Times New Roman" panose="02020603050405020304" pitchFamily="18" charset="0"/>
+              </a:rPr>
+              <a:t>Example: "The system must process payments and manage user profiles."</a:t>
+            </a:r>
+          </a:p>
+          <a:p>
+            <a:pPr marL="0" indent="0">
+              <a:buNone/>
+            </a:pPr>
+            <a:r>
+              <a:rPr lang="en-US" b="1" dirty="0">
+                <a:latin typeface="Times New Roman" panose="02020603050405020304" pitchFamily="18" charset="0"/>
+                <a:cs typeface="Times New Roman" panose="02020603050405020304" pitchFamily="18" charset="0"/>
+              </a:rPr>
+              <a:t>2. Software Discovery &amp; Evaluation</a:t>
+            </a:r>
+            <a:endParaRPr lang="en-US" dirty="0">
+              <a:latin typeface="Times New Roman" panose="02020603050405020304" pitchFamily="18" charset="0"/>
+              <a:cs typeface="Times New Roman" panose="02020603050405020304" pitchFamily="18" charset="0"/>
+            </a:endParaRPr>
+          </a:p>
+          <a:p>
+            <a:pPr lvl="1"/>
+            <a:r>
+              <a:rPr lang="en-US" sz="2000" b="1" dirty="0">
+                <a:latin typeface="Times New Roman" panose="02020603050405020304" pitchFamily="18" charset="0"/>
+                <a:cs typeface="Times New Roman" panose="02020603050405020304" pitchFamily="18" charset="0"/>
+              </a:rPr>
+              <a:t>Search</a:t>
+            </a:r>
+            <a:r>
+              <a:rPr lang="en-US" sz="2000" dirty="0">
+                <a:latin typeface="Times New Roman" panose="02020603050405020304" pitchFamily="18" charset="0"/>
+                <a:cs typeface="Times New Roman" panose="02020603050405020304" pitchFamily="18" charset="0"/>
+              </a:rPr>
+              <a:t> for reusable components (e.g., GitHub, vendor marketplaces).</a:t>
+            </a:r>
+          </a:p>
+          <a:p>
+            <a:pPr marL="274320" lvl="1" indent="0">
+              <a:buNone/>
+            </a:pPr>
+            <a:r>
+              <a:rPr lang="en-US" b="1" dirty="0">
+                <a:latin typeface="Times New Roman" panose="02020603050405020304" pitchFamily="18" charset="0"/>
+                <a:cs typeface="Times New Roman" panose="02020603050405020304" pitchFamily="18" charset="0"/>
+              </a:rPr>
+              <a:t>Evaluate</a:t>
+            </a:r>
+            <a:r>
+              <a:rPr lang="en-US" dirty="0">
+                <a:latin typeface="Times New Roman" panose="02020603050405020304" pitchFamily="18" charset="0"/>
+                <a:cs typeface="Times New Roman" panose="02020603050405020304" pitchFamily="18" charset="0"/>
+              </a:rPr>
+              <a:t> based on:</a:t>
+            </a:r>
+          </a:p>
+          <a:p>
+            <a:pPr lvl="1"/>
+            <a:r>
+              <a:rPr lang="en-US" sz="2000" dirty="0">
+                <a:latin typeface="Times New Roman" panose="02020603050405020304" pitchFamily="18" charset="0"/>
+                <a:cs typeface="Times New Roman" panose="02020603050405020304" pitchFamily="18" charset="0"/>
+              </a:rPr>
+              <a:t>Compatibility with requirements.</a:t>
+            </a:r>
+          </a:p>
+          <a:p>
+            <a:pPr lvl="1"/>
+            <a:r>
+              <a:rPr lang="en-US" sz="2000" dirty="0">
+                <a:latin typeface="Times New Roman" panose="02020603050405020304" pitchFamily="18" charset="0"/>
+                <a:cs typeface="Times New Roman" panose="02020603050405020304" pitchFamily="18" charset="0"/>
+              </a:rPr>
+              <a:t>Licensing (open-source vs. proprietary).</a:t>
+            </a:r>
+          </a:p>
+          <a:p>
+            <a:pPr lvl="1"/>
+            <a:r>
+              <a:rPr lang="en-US" sz="2000" dirty="0">
+                <a:latin typeface="Times New Roman" panose="02020603050405020304" pitchFamily="18" charset="0"/>
+                <a:cs typeface="Times New Roman" panose="02020603050405020304" pitchFamily="18" charset="0"/>
+              </a:rPr>
+              <a:t>Support and scalability.</a:t>
+            </a:r>
+          </a:p>
+          <a:p>
+            <a:pPr marL="0" indent="0">
+              <a:buNone/>
+            </a:pPr>
+            <a:r>
+              <a:rPr lang="en-US" b="1" dirty="0">
+                <a:latin typeface="Times New Roman" panose="02020603050405020304" pitchFamily="18" charset="0"/>
+                <a:cs typeface="Times New Roman" panose="02020603050405020304" pitchFamily="18" charset="0"/>
+              </a:rPr>
+              <a:t>3. Requirements Refinement</a:t>
+            </a:r>
+            <a:endParaRPr lang="en-US" dirty="0">
+              <a:latin typeface="Times New Roman" panose="02020603050405020304" pitchFamily="18" charset="0"/>
+              <a:cs typeface="Times New Roman" panose="02020603050405020304" pitchFamily="18" charset="0"/>
+            </a:endParaRPr>
+          </a:p>
+          <a:p>
+            <a:pPr lvl="1"/>
+            <a:r>
+              <a:rPr lang="en-US" sz="2000" dirty="0">
+                <a:latin typeface="Times New Roman" panose="02020603050405020304" pitchFamily="18" charset="0"/>
+                <a:cs typeface="Times New Roman" panose="02020603050405020304" pitchFamily="18" charset="0"/>
+              </a:rPr>
+              <a:t>Adjust requirements to </a:t>
+            </a:r>
+            <a:r>
+              <a:rPr lang="en-US" sz="2000" b="1" dirty="0">
+                <a:latin typeface="Times New Roman" panose="02020603050405020304" pitchFamily="18" charset="0"/>
+                <a:cs typeface="Times New Roman" panose="02020603050405020304" pitchFamily="18" charset="0"/>
+              </a:rPr>
+              <a:t>align with available components</a:t>
+            </a:r>
+            <a:r>
+              <a:rPr lang="en-US" sz="2000" dirty="0">
+                <a:latin typeface="Times New Roman" panose="02020603050405020304" pitchFamily="18" charset="0"/>
+                <a:cs typeface="Times New Roman" panose="02020603050405020304" pitchFamily="18" charset="0"/>
+              </a:rPr>
+              <a:t>.</a:t>
+            </a:r>
+          </a:p>
+          <a:p>
+            <a:pPr lvl="1"/>
+            <a:r>
+              <a:rPr lang="en-US" sz="2000" dirty="0">
+                <a:latin typeface="Times New Roman" panose="02020603050405020304" pitchFamily="18" charset="0"/>
+                <a:cs typeface="Times New Roman" panose="02020603050405020304" pitchFamily="18" charset="0"/>
+              </a:rPr>
+              <a:t>Example: If no pre-built fraud detection module exists, modify the system to use a third-party API.</a:t>
+            </a:r>
+          </a:p>
+        </p:txBody>
+      </p:sp>
+    </p:spTree>
+    <p:extLst>
+      <p:ext uri="{BB962C8B-B14F-4D97-AF65-F5344CB8AC3E}">
+        <p14:creationId xmlns:p14="http://schemas.microsoft.com/office/powerpoint/2010/main" val="3563286452"/>
+      </p:ext>
+    </p:extLst>
+  </p:cSld>
+  <p:clrMapOvr>
+    <a:masterClrMapping/>
+  </p:clrMapOvr>
+</p:sld>
+</file>
+
+<file path=ppt/slides/slide19.xml><?xml version="1.0" encoding="utf-8"?>
+<p:sld xmlns:a="http://schemas.openxmlformats.org/drawingml/2006/main" xmlns:r="http://schemas.openxmlformats.org/officeDocument/2006/relationships" xmlns:p="http://schemas.openxmlformats.org/presentationml/2006/main">
+  <p:cSld>
+    <p:spTree>
+      <p:nvGrpSpPr>
+        <p:cNvPr id="1" name="">
+          <a:extLst>
+            <a:ext uri="{FF2B5EF4-FFF2-40B4-BE49-F238E27FC236}">
+              <a16:creationId xmlns:a16="http://schemas.microsoft.com/office/drawing/2014/main" id="{6485C629-C0B5-214E-4939-FE04D8FF4DA6}"/>
+            </a:ext>
+          </a:extLst>
+        </p:cNvPr>
+        <p:cNvGrpSpPr/>
+        <p:nvPr/>
+      </p:nvGrpSpPr>
+      <p:grpSpPr>
+        <a:xfrm>
+          <a:off x="0" y="0"/>
+          <a:ext cx="0" cy="0"/>
+          <a:chOff x="0" y="0"/>
+          <a:chExt cx="0" cy="0"/>
+        </a:xfrm>
+      </p:grpSpPr>
+      <p:sp>
+        <p:nvSpPr>
+          <p:cNvPr id="2" name="Title 1">
+            <a:extLst>
+              <a:ext uri="{FF2B5EF4-FFF2-40B4-BE49-F238E27FC236}">
+                <a16:creationId xmlns:a16="http://schemas.microsoft.com/office/drawing/2014/main" id="{E3BC4625-E8F7-67FF-4E67-364237F147E4}"/>
+              </a:ext>
+            </a:extLst>
+          </p:cNvPr>
+          <p:cNvSpPr>
+            <a:spLocks noGrp="1"/>
+          </p:cNvSpPr>
+          <p:nvPr>
+            <p:ph type="title"/>
+          </p:nvPr>
+        </p:nvSpPr>
+        <p:spPr>
+          <a:xfrm>
+            <a:off x="748937" y="266264"/>
+            <a:ext cx="10563497" cy="874559"/>
+          </a:xfrm>
+        </p:spPr>
+        <p:txBody>
+          <a:bodyPr>
+            <a:normAutofit/>
+          </a:bodyPr>
+          <a:lstStyle/>
+          <a:p>
+            <a:r>
+              <a:rPr lang="en-US" sz="4400" b="1" dirty="0">
+                <a:latin typeface="Times New Roman" panose="02020603050405020304" pitchFamily="18" charset="0"/>
+                <a:cs typeface="Times New Roman" panose="02020603050405020304" pitchFamily="18" charset="0"/>
+              </a:rPr>
+              <a:t>Integration and Configuration</a:t>
+            </a:r>
+          </a:p>
+        </p:txBody>
+      </p:sp>
+      <p:sp>
+        <p:nvSpPr>
+          <p:cNvPr id="5" name="Content Placeholder 4">
+            <a:extLst>
+              <a:ext uri="{FF2B5EF4-FFF2-40B4-BE49-F238E27FC236}">
+                <a16:creationId xmlns:a16="http://schemas.microsoft.com/office/drawing/2014/main" id="{DD199EE3-9511-A7DB-23B8-53EF2E2D1871}"/>
+              </a:ext>
+            </a:extLst>
+          </p:cNvPr>
+          <p:cNvSpPr>
+            <a:spLocks noGrp="1"/>
+          </p:cNvSpPr>
+          <p:nvPr>
+            <p:ph idx="1"/>
+          </p:nvPr>
+        </p:nvSpPr>
+        <p:spPr>
+          <a:xfrm>
+            <a:off x="748937" y="1615736"/>
+            <a:ext cx="10379311" cy="4556464"/>
+          </a:xfrm>
+        </p:spPr>
+        <p:txBody>
+          <a:bodyPr>
+            <a:normAutofit/>
+          </a:bodyPr>
+          <a:lstStyle/>
+          <a:p>
+            <a:pPr marL="0" indent="0">
+              <a:buNone/>
+            </a:pPr>
+            <a:r>
+              <a:rPr lang="en-US" b="1" dirty="0">
+                <a:latin typeface="Times New Roman" panose="02020603050405020304" pitchFamily="18" charset="0"/>
+                <a:cs typeface="Times New Roman" panose="02020603050405020304" pitchFamily="18" charset="0"/>
+              </a:rPr>
+              <a:t>4. Application System Configuration</a:t>
+            </a:r>
+            <a:endParaRPr lang="en-US" dirty="0">
+              <a:latin typeface="Times New Roman" panose="02020603050405020304" pitchFamily="18" charset="0"/>
+              <a:cs typeface="Times New Roman" panose="02020603050405020304" pitchFamily="18" charset="0"/>
+            </a:endParaRPr>
+          </a:p>
+          <a:p>
+            <a:pPr lvl="1"/>
+            <a:r>
+              <a:rPr lang="en-US" sz="2000" dirty="0">
+                <a:latin typeface="Times New Roman" panose="02020603050405020304" pitchFamily="18" charset="0"/>
+                <a:cs typeface="Times New Roman" panose="02020603050405020304" pitchFamily="18" charset="0"/>
+              </a:rPr>
+              <a:t>Customize </a:t>
+            </a:r>
+            <a:r>
+              <a:rPr lang="en-US" sz="2000" b="1" dirty="0">
+                <a:latin typeface="Times New Roman" panose="02020603050405020304" pitchFamily="18" charset="0"/>
+                <a:cs typeface="Times New Roman" panose="02020603050405020304" pitchFamily="18" charset="0"/>
+              </a:rPr>
+              <a:t>off-the-shelf (OTS) software</a:t>
+            </a:r>
+            <a:r>
+              <a:rPr lang="en-US" sz="2000" dirty="0">
+                <a:latin typeface="Times New Roman" panose="02020603050405020304" pitchFamily="18" charset="0"/>
+                <a:cs typeface="Times New Roman" panose="02020603050405020304" pitchFamily="18" charset="0"/>
+              </a:rPr>
+              <a:t> (e.g., Shopify for e-commerce).</a:t>
+            </a:r>
+          </a:p>
+          <a:p>
+            <a:pPr lvl="1"/>
+            <a:r>
+              <a:rPr lang="en-US" sz="2000" dirty="0">
+                <a:latin typeface="Times New Roman" panose="02020603050405020304" pitchFamily="18" charset="0"/>
+                <a:cs typeface="Times New Roman" panose="02020603050405020304" pitchFamily="18" charset="0"/>
+              </a:rPr>
+              <a:t>Example: Configuring WordPress with WooCommerce for an online store.</a:t>
+            </a:r>
+          </a:p>
+          <a:p>
+            <a:pPr marL="0" indent="0">
+              <a:buNone/>
+            </a:pPr>
+            <a:r>
+              <a:rPr lang="en-US" b="1" dirty="0">
+                <a:latin typeface="Times New Roman" panose="02020603050405020304" pitchFamily="18" charset="0"/>
+                <a:cs typeface="Times New Roman" panose="02020603050405020304" pitchFamily="18" charset="0"/>
+              </a:rPr>
+              <a:t>5. Component Adaptation &amp; Integration</a:t>
+            </a:r>
+            <a:endParaRPr lang="en-US" dirty="0">
+              <a:latin typeface="Times New Roman" panose="02020603050405020304" pitchFamily="18" charset="0"/>
+              <a:cs typeface="Times New Roman" panose="02020603050405020304" pitchFamily="18" charset="0"/>
+            </a:endParaRPr>
+          </a:p>
+          <a:p>
+            <a:pPr lvl="1"/>
+            <a:r>
+              <a:rPr lang="en-US" sz="2000" b="1" dirty="0">
+                <a:latin typeface="Times New Roman" panose="02020603050405020304" pitchFamily="18" charset="0"/>
+                <a:cs typeface="Times New Roman" panose="02020603050405020304" pitchFamily="18" charset="0"/>
+              </a:rPr>
+              <a:t>Modify components</a:t>
+            </a:r>
+            <a:r>
+              <a:rPr lang="en-US" sz="2000" dirty="0">
+                <a:latin typeface="Times New Roman" panose="02020603050405020304" pitchFamily="18" charset="0"/>
+                <a:cs typeface="Times New Roman" panose="02020603050405020304" pitchFamily="18" charset="0"/>
+              </a:rPr>
+              <a:t> (if needed) and integrate them.</a:t>
+            </a:r>
+          </a:p>
+          <a:p>
+            <a:pPr lvl="1"/>
+            <a:r>
+              <a:rPr lang="en-US" sz="2000" dirty="0">
+                <a:latin typeface="Times New Roman" panose="02020603050405020304" pitchFamily="18" charset="0"/>
+                <a:cs typeface="Times New Roman" panose="02020603050405020304" pitchFamily="18" charset="0"/>
+              </a:rPr>
+              <a:t>Example:</a:t>
+            </a:r>
+          </a:p>
+          <a:p>
+            <a:pPr lvl="2"/>
+            <a:r>
+              <a:rPr lang="en-US" sz="2000" dirty="0">
+                <a:latin typeface="Times New Roman" panose="02020603050405020304" pitchFamily="18" charset="0"/>
+                <a:cs typeface="Times New Roman" panose="02020603050405020304" pitchFamily="18" charset="0"/>
+              </a:rPr>
+              <a:t>Extending an open-source dashboard library (e.g., Grafana) for custom analytics.</a:t>
+            </a:r>
+          </a:p>
+          <a:p>
+            <a:pPr lvl="2"/>
+            <a:r>
+              <a:rPr lang="en-US" sz="2000" dirty="0">
+                <a:latin typeface="Times New Roman" panose="02020603050405020304" pitchFamily="18" charset="0"/>
+                <a:cs typeface="Times New Roman" panose="02020603050405020304" pitchFamily="18" charset="0"/>
+              </a:rPr>
+              <a:t>Combining Auth0 for login with a custom backend.</a:t>
+            </a:r>
+          </a:p>
+        </p:txBody>
+      </p:sp>
+    </p:spTree>
+    <p:extLst>
+      <p:ext uri="{BB962C8B-B14F-4D97-AF65-F5344CB8AC3E}">
+        <p14:creationId xmlns:p14="http://schemas.microsoft.com/office/powerpoint/2010/main" val="1129423686"/>
       </p:ext>
     </p:extLst>
   </p:cSld>
@@ -5079,6 +9403,2389 @@
     <p:extLst>
       <p:ext uri="{BB962C8B-B14F-4D97-AF65-F5344CB8AC3E}">
         <p14:creationId xmlns:p14="http://schemas.microsoft.com/office/powerpoint/2010/main" val="2802333941"/>
+      </p:ext>
+    </p:extLst>
+  </p:cSld>
+  <p:clrMapOvr>
+    <a:masterClrMapping/>
+  </p:clrMapOvr>
+</p:sld>
+</file>
+
+<file path=ppt/slides/slide20.xml><?xml version="1.0" encoding="utf-8"?>
+<p:sld xmlns:a="http://schemas.openxmlformats.org/drawingml/2006/main" xmlns:r="http://schemas.openxmlformats.org/officeDocument/2006/relationships" xmlns:p="http://schemas.openxmlformats.org/presentationml/2006/main">
+  <p:cSld>
+    <p:spTree>
+      <p:nvGrpSpPr>
+        <p:cNvPr id="1" name="">
+          <a:extLst>
+            <a:ext uri="{FF2B5EF4-FFF2-40B4-BE49-F238E27FC236}">
+              <a16:creationId xmlns:a16="http://schemas.microsoft.com/office/drawing/2014/main" id="{4CBB47CF-28FB-BC98-4203-3AB29FE34369}"/>
+            </a:ext>
+          </a:extLst>
+        </p:cNvPr>
+        <p:cNvGrpSpPr/>
+        <p:nvPr/>
+      </p:nvGrpSpPr>
+      <p:grpSpPr>
+        <a:xfrm>
+          <a:off x="0" y="0"/>
+          <a:ext cx="0" cy="0"/>
+          <a:chOff x="0" y="0"/>
+          <a:chExt cx="0" cy="0"/>
+        </a:xfrm>
+      </p:grpSpPr>
+      <p:sp>
+        <p:nvSpPr>
+          <p:cNvPr id="2" name="Title 1">
+            <a:extLst>
+              <a:ext uri="{FF2B5EF4-FFF2-40B4-BE49-F238E27FC236}">
+                <a16:creationId xmlns:a16="http://schemas.microsoft.com/office/drawing/2014/main" id="{7C85E239-5EBB-F98E-866C-919EACD51BA5}"/>
+              </a:ext>
+            </a:extLst>
+          </p:cNvPr>
+          <p:cNvSpPr>
+            <a:spLocks noGrp="1"/>
+          </p:cNvSpPr>
+          <p:nvPr>
+            <p:ph type="title"/>
+          </p:nvPr>
+        </p:nvSpPr>
+        <p:spPr>
+          <a:xfrm>
+            <a:off x="748937" y="266264"/>
+            <a:ext cx="10563497" cy="874559"/>
+          </a:xfrm>
+        </p:spPr>
+        <p:txBody>
+          <a:bodyPr>
+            <a:normAutofit/>
+          </a:bodyPr>
+          <a:lstStyle/>
+          <a:p>
+            <a:r>
+              <a:rPr lang="en-US" sz="4400" b="1" dirty="0">
+                <a:latin typeface="Times New Roman" panose="02020603050405020304" pitchFamily="18" charset="0"/>
+                <a:cs typeface="Times New Roman" panose="02020603050405020304" pitchFamily="18" charset="0"/>
+              </a:rPr>
+              <a:t>Integration and Configuration</a:t>
+            </a:r>
+          </a:p>
+        </p:txBody>
+      </p:sp>
+      <p:sp>
+        <p:nvSpPr>
+          <p:cNvPr id="5" name="Content Placeholder 4">
+            <a:extLst>
+              <a:ext uri="{FF2B5EF4-FFF2-40B4-BE49-F238E27FC236}">
+                <a16:creationId xmlns:a16="http://schemas.microsoft.com/office/drawing/2014/main" id="{CCEA7D18-6A72-5C46-1172-C343D0A3949C}"/>
+              </a:ext>
+            </a:extLst>
+          </p:cNvPr>
+          <p:cNvSpPr>
+            <a:spLocks noGrp="1"/>
+          </p:cNvSpPr>
+          <p:nvPr>
+            <p:ph idx="1"/>
+          </p:nvPr>
+        </p:nvSpPr>
+        <p:spPr>
+          <a:xfrm>
+            <a:off x="748937" y="1615736"/>
+            <a:ext cx="10379311" cy="4556464"/>
+          </a:xfrm>
+        </p:spPr>
+        <p:txBody>
+          <a:bodyPr>
+            <a:normAutofit/>
+          </a:bodyPr>
+          <a:lstStyle/>
+          <a:p>
+            <a:r>
+              <a:rPr lang="en-US" b="1" dirty="0">
+                <a:latin typeface="Times New Roman" panose="02020603050405020304" pitchFamily="18" charset="0"/>
+                <a:cs typeface="Times New Roman" panose="02020603050405020304" pitchFamily="18" charset="0"/>
+              </a:rPr>
+              <a:t>When to Use This Model</a:t>
+            </a:r>
+            <a:endParaRPr lang="en-US" dirty="0">
+              <a:latin typeface="Times New Roman" panose="02020603050405020304" pitchFamily="18" charset="0"/>
+              <a:cs typeface="Times New Roman" panose="02020603050405020304" pitchFamily="18" charset="0"/>
+            </a:endParaRPr>
+          </a:p>
+          <a:p>
+            <a:pPr lvl="1"/>
+            <a:r>
+              <a:rPr lang="en-US" sz="2000" b="1" dirty="0">
+                <a:latin typeface="Times New Roman" panose="02020603050405020304" pitchFamily="18" charset="0"/>
+                <a:cs typeface="Times New Roman" panose="02020603050405020304" pitchFamily="18" charset="0"/>
+              </a:rPr>
+              <a:t>Enterprise systems</a:t>
+            </a:r>
+            <a:r>
+              <a:rPr lang="en-US" sz="2000" dirty="0">
+                <a:latin typeface="Times New Roman" panose="02020603050405020304" pitchFamily="18" charset="0"/>
+                <a:cs typeface="Times New Roman" panose="02020603050405020304" pitchFamily="18" charset="0"/>
+              </a:rPr>
+              <a:t> (ERP, CRM)</a:t>
+            </a:r>
+          </a:p>
+          <a:p>
+            <a:pPr lvl="1"/>
+            <a:r>
+              <a:rPr lang="en-US" sz="2000" b="1" dirty="0">
+                <a:latin typeface="Times New Roman" panose="02020603050405020304" pitchFamily="18" charset="0"/>
+                <a:cs typeface="Times New Roman" panose="02020603050405020304" pitchFamily="18" charset="0"/>
+              </a:rPr>
+              <a:t>Startups needing rapid MVPs</a:t>
+            </a:r>
+            <a:endParaRPr lang="en-US" sz="2000" dirty="0">
+              <a:latin typeface="Times New Roman" panose="02020603050405020304" pitchFamily="18" charset="0"/>
+              <a:cs typeface="Times New Roman" panose="02020603050405020304" pitchFamily="18" charset="0"/>
+            </a:endParaRPr>
+          </a:p>
+          <a:p>
+            <a:pPr lvl="1"/>
+            <a:r>
+              <a:rPr lang="en-US" sz="2000" b="1" dirty="0">
+                <a:latin typeface="Times New Roman" panose="02020603050405020304" pitchFamily="18" charset="0"/>
+                <a:cs typeface="Times New Roman" panose="02020603050405020304" pitchFamily="18" charset="0"/>
+              </a:rPr>
+              <a:t>Cloud-native applications</a:t>
+            </a:r>
+            <a:r>
+              <a:rPr lang="en-US" sz="2000" dirty="0">
+                <a:latin typeface="Times New Roman" panose="02020603050405020304" pitchFamily="18" charset="0"/>
+                <a:cs typeface="Times New Roman" panose="02020603050405020304" pitchFamily="18" charset="0"/>
+              </a:rPr>
+              <a:t>.</a:t>
+            </a:r>
+          </a:p>
+          <a:p>
+            <a:r>
+              <a:rPr lang="en-US" b="1" dirty="0">
+                <a:latin typeface="Times New Roman" panose="02020603050405020304" pitchFamily="18" charset="0"/>
+                <a:cs typeface="Times New Roman" panose="02020603050405020304" pitchFamily="18" charset="0"/>
+              </a:rPr>
+              <a:t>Not ideal for:</a:t>
+            </a:r>
+            <a:endParaRPr lang="en-US" dirty="0">
+              <a:latin typeface="Times New Roman" panose="02020603050405020304" pitchFamily="18" charset="0"/>
+              <a:cs typeface="Times New Roman" panose="02020603050405020304" pitchFamily="18" charset="0"/>
+            </a:endParaRPr>
+          </a:p>
+          <a:p>
+            <a:pPr lvl="1"/>
+            <a:r>
+              <a:rPr lang="en-US" sz="2000" dirty="0">
+                <a:latin typeface="Times New Roman" panose="02020603050405020304" pitchFamily="18" charset="0"/>
+                <a:cs typeface="Times New Roman" panose="02020603050405020304" pitchFamily="18" charset="0"/>
+              </a:rPr>
+              <a:t>Highly specialized systems (e.g., spacecraft firmware).</a:t>
+            </a:r>
+          </a:p>
+          <a:p>
+            <a:pPr lvl="1"/>
+            <a:r>
+              <a:rPr lang="en-US" sz="2000" dirty="0">
+                <a:latin typeface="Times New Roman" panose="02020603050405020304" pitchFamily="18" charset="0"/>
+                <a:cs typeface="Times New Roman" panose="02020603050405020304" pitchFamily="18" charset="0"/>
+              </a:rPr>
+              <a:t>Projects requiring full control over codebase.</a:t>
+            </a:r>
+          </a:p>
+          <a:p>
+            <a:r>
+              <a:rPr lang="en-US" dirty="0">
+                <a:latin typeface="Times New Roman" panose="02020603050405020304" pitchFamily="18" charset="0"/>
+                <a:cs typeface="Times New Roman" panose="02020603050405020304" pitchFamily="18" charset="0"/>
+              </a:rPr>
+              <a:t>Integration and Configuration is a </a:t>
+            </a:r>
+            <a:r>
+              <a:rPr lang="en-US" b="1" dirty="0">
+                <a:latin typeface="Times New Roman" panose="02020603050405020304" pitchFamily="18" charset="0"/>
+                <a:cs typeface="Times New Roman" panose="02020603050405020304" pitchFamily="18" charset="0"/>
+              </a:rPr>
+              <a:t>pragmatic approach</a:t>
+            </a:r>
+            <a:r>
+              <a:rPr lang="en-US" dirty="0">
+                <a:latin typeface="Times New Roman" panose="02020603050405020304" pitchFamily="18" charset="0"/>
+                <a:cs typeface="Times New Roman" panose="02020603050405020304" pitchFamily="18" charset="0"/>
+              </a:rPr>
+              <a:t> for modern software engineering, particularly suited for:</a:t>
+            </a:r>
+          </a:p>
+          <a:p>
+            <a:pPr lvl="1"/>
+            <a:r>
+              <a:rPr lang="en-US" sz="2000" b="1" dirty="0">
+                <a:latin typeface="Times New Roman" panose="02020603050405020304" pitchFamily="18" charset="0"/>
+                <a:cs typeface="Times New Roman" panose="02020603050405020304" pitchFamily="18" charset="0"/>
+              </a:rPr>
+              <a:t>Business applications</a:t>
+            </a:r>
+            <a:r>
+              <a:rPr lang="en-US" sz="2000" dirty="0">
+                <a:latin typeface="Times New Roman" panose="02020603050405020304" pitchFamily="18" charset="0"/>
+                <a:cs typeface="Times New Roman" panose="02020603050405020304" pitchFamily="18" charset="0"/>
+              </a:rPr>
+              <a:t> (e.g., SaaS platforms).</a:t>
+            </a:r>
+          </a:p>
+          <a:p>
+            <a:pPr lvl="1"/>
+            <a:r>
+              <a:rPr lang="en-US" sz="2000" b="1" dirty="0">
+                <a:latin typeface="Times New Roman" panose="02020603050405020304" pitchFamily="18" charset="0"/>
+                <a:cs typeface="Times New Roman" panose="02020603050405020304" pitchFamily="18" charset="0"/>
+              </a:rPr>
+              <a:t>Systems with reusable ecosystems</a:t>
+            </a:r>
+            <a:r>
+              <a:rPr lang="en-US" sz="2000" dirty="0">
+                <a:latin typeface="Times New Roman" panose="02020603050405020304" pitchFamily="18" charset="0"/>
+                <a:cs typeface="Times New Roman" panose="02020603050405020304" pitchFamily="18" charset="0"/>
+              </a:rPr>
+              <a:t> (e.g., web/mobile apps).</a:t>
+            </a:r>
+          </a:p>
+        </p:txBody>
+      </p:sp>
+    </p:spTree>
+    <p:extLst>
+      <p:ext uri="{BB962C8B-B14F-4D97-AF65-F5344CB8AC3E}">
+        <p14:creationId xmlns:p14="http://schemas.microsoft.com/office/powerpoint/2010/main" val="796488947"/>
+      </p:ext>
+    </p:extLst>
+  </p:cSld>
+  <p:clrMapOvr>
+    <a:masterClrMapping/>
+  </p:clrMapOvr>
+</p:sld>
+</file>
+
+<file path=ppt/slides/slide21.xml><?xml version="1.0" encoding="utf-8"?>
+<p:sld xmlns:a="http://schemas.openxmlformats.org/drawingml/2006/main" xmlns:r="http://schemas.openxmlformats.org/officeDocument/2006/relationships" xmlns:p="http://schemas.openxmlformats.org/presentationml/2006/main">
+  <p:cSld>
+    <p:spTree>
+      <p:nvGrpSpPr>
+        <p:cNvPr id="1" name="">
+          <a:extLst>
+            <a:ext uri="{FF2B5EF4-FFF2-40B4-BE49-F238E27FC236}">
+              <a16:creationId xmlns:a16="http://schemas.microsoft.com/office/drawing/2014/main" id="{09FD70C4-C7BB-E0D6-10D8-7887E4BA7808}"/>
+            </a:ext>
+          </a:extLst>
+        </p:cNvPr>
+        <p:cNvGrpSpPr/>
+        <p:nvPr/>
+      </p:nvGrpSpPr>
+      <p:grpSpPr>
+        <a:xfrm>
+          <a:off x="0" y="0"/>
+          <a:ext cx="0" cy="0"/>
+          <a:chOff x="0" y="0"/>
+          <a:chExt cx="0" cy="0"/>
+        </a:xfrm>
+      </p:grpSpPr>
+      <p:sp>
+        <p:nvSpPr>
+          <p:cNvPr id="2" name="Title 1">
+            <a:extLst>
+              <a:ext uri="{FF2B5EF4-FFF2-40B4-BE49-F238E27FC236}">
+                <a16:creationId xmlns:a16="http://schemas.microsoft.com/office/drawing/2014/main" id="{48F9942C-2F9A-571F-968D-556048EB5DC8}"/>
+              </a:ext>
+            </a:extLst>
+          </p:cNvPr>
+          <p:cNvSpPr>
+            <a:spLocks noGrp="1"/>
+          </p:cNvSpPr>
+          <p:nvPr>
+            <p:ph type="title"/>
+          </p:nvPr>
+        </p:nvSpPr>
+        <p:spPr>
+          <a:xfrm>
+            <a:off x="748937" y="266264"/>
+            <a:ext cx="10563497" cy="874559"/>
+          </a:xfrm>
+        </p:spPr>
+        <p:txBody>
+          <a:bodyPr>
+            <a:normAutofit/>
+          </a:bodyPr>
+          <a:lstStyle/>
+          <a:p>
+            <a:r>
+              <a:rPr lang="en-US" sz="4000" b="1" dirty="0">
+                <a:latin typeface="Times New Roman" panose="02020603050405020304" pitchFamily="18" charset="0"/>
+                <a:cs typeface="Times New Roman" panose="02020603050405020304" pitchFamily="18" charset="0"/>
+              </a:rPr>
+              <a:t>Process Improvement</a:t>
+            </a:r>
+          </a:p>
+        </p:txBody>
+      </p:sp>
+      <p:sp>
+        <p:nvSpPr>
+          <p:cNvPr id="5" name="Content Placeholder 4">
+            <a:extLst>
+              <a:ext uri="{FF2B5EF4-FFF2-40B4-BE49-F238E27FC236}">
+                <a16:creationId xmlns:a16="http://schemas.microsoft.com/office/drawing/2014/main" id="{C2674817-DC3F-92C3-3826-FB8F398C74AC}"/>
+              </a:ext>
+            </a:extLst>
+          </p:cNvPr>
+          <p:cNvSpPr>
+            <a:spLocks noGrp="1"/>
+          </p:cNvSpPr>
+          <p:nvPr>
+            <p:ph idx="1"/>
+          </p:nvPr>
+        </p:nvSpPr>
+        <p:spPr>
+          <a:xfrm>
+            <a:off x="748937" y="1615736"/>
+            <a:ext cx="10379311" cy="4556464"/>
+          </a:xfrm>
+        </p:spPr>
+        <p:txBody>
+          <a:bodyPr>
+            <a:normAutofit/>
+          </a:bodyPr>
+          <a:lstStyle/>
+          <a:p>
+            <a:r>
+              <a:rPr lang="en-US" sz="2400" dirty="0">
+                <a:latin typeface="Times New Roman" panose="02020603050405020304" pitchFamily="18" charset="0"/>
+                <a:cs typeface="Times New Roman" panose="02020603050405020304" pitchFamily="18" charset="0"/>
+              </a:rPr>
+              <a:t>Process improvement is a systematic approach to </a:t>
+            </a:r>
+            <a:r>
+              <a:rPr lang="en-US" sz="2400" b="1" dirty="0">
+                <a:latin typeface="Times New Roman" panose="02020603050405020304" pitchFamily="18" charset="0"/>
+                <a:cs typeface="Times New Roman" panose="02020603050405020304" pitchFamily="18" charset="0"/>
+              </a:rPr>
+              <a:t>enhancing software development practices</a:t>
+            </a:r>
+            <a:r>
+              <a:rPr lang="en-US" sz="2400" dirty="0">
+                <a:latin typeface="Times New Roman" panose="02020603050405020304" pitchFamily="18" charset="0"/>
+                <a:cs typeface="Times New Roman" panose="02020603050405020304" pitchFamily="18" charset="0"/>
+              </a:rPr>
+              <a:t> to achieve </a:t>
+            </a:r>
+            <a:r>
+              <a:rPr lang="en-US" sz="2400" b="1" dirty="0">
+                <a:latin typeface="Times New Roman" panose="02020603050405020304" pitchFamily="18" charset="0"/>
+                <a:cs typeface="Times New Roman" panose="02020603050405020304" pitchFamily="18" charset="0"/>
+              </a:rPr>
+              <a:t>higher product quality</a:t>
+            </a:r>
+            <a:r>
+              <a:rPr lang="en-US" sz="2400" dirty="0">
+                <a:latin typeface="Times New Roman" panose="02020603050405020304" pitchFamily="18" charset="0"/>
+                <a:cs typeface="Times New Roman" panose="02020603050405020304" pitchFamily="18" charset="0"/>
+              </a:rPr>
+              <a:t>, </a:t>
+            </a:r>
+            <a:r>
+              <a:rPr lang="en-US" sz="2400" b="1" dirty="0">
+                <a:latin typeface="Times New Roman" panose="02020603050405020304" pitchFamily="18" charset="0"/>
+                <a:cs typeface="Times New Roman" panose="02020603050405020304" pitchFamily="18" charset="0"/>
+              </a:rPr>
+              <a:t>reduced costs</a:t>
+            </a:r>
+            <a:r>
+              <a:rPr lang="en-US" sz="2400" dirty="0">
+                <a:latin typeface="Times New Roman" panose="02020603050405020304" pitchFamily="18" charset="0"/>
+                <a:cs typeface="Times New Roman" panose="02020603050405020304" pitchFamily="18" charset="0"/>
+              </a:rPr>
+              <a:t> and </a:t>
+            </a:r>
+            <a:r>
+              <a:rPr lang="en-US" sz="2400" b="1" dirty="0">
+                <a:latin typeface="Times New Roman" panose="02020603050405020304" pitchFamily="18" charset="0"/>
+                <a:cs typeface="Times New Roman" panose="02020603050405020304" pitchFamily="18" charset="0"/>
+              </a:rPr>
+              <a:t>faster delivery times</a:t>
+            </a:r>
+          </a:p>
+          <a:p>
+            <a:r>
+              <a:rPr lang="en-US" sz="2400" b="1" dirty="0">
+                <a:latin typeface="Times New Roman" panose="02020603050405020304" pitchFamily="18" charset="0"/>
+                <a:cs typeface="Times New Roman" panose="02020603050405020304" pitchFamily="18" charset="0"/>
+              </a:rPr>
+              <a:t>Two Key Approaches to Process Improvement</a:t>
+            </a:r>
+            <a:endParaRPr lang="en-US" sz="2400" dirty="0">
+              <a:latin typeface="Times New Roman" panose="02020603050405020304" pitchFamily="18" charset="0"/>
+              <a:cs typeface="Times New Roman" panose="02020603050405020304" pitchFamily="18" charset="0"/>
+            </a:endParaRPr>
+          </a:p>
+          <a:p>
+            <a:r>
+              <a:rPr lang="en-US" sz="2400" b="1" dirty="0">
+                <a:latin typeface="Times New Roman" panose="02020603050405020304" pitchFamily="18" charset="0"/>
+                <a:cs typeface="Times New Roman" panose="02020603050405020304" pitchFamily="18" charset="0"/>
+              </a:rPr>
+              <a:t>Process Maturity Approach</a:t>
+            </a:r>
+            <a:endParaRPr lang="en-US" sz="2400" dirty="0">
+              <a:latin typeface="Times New Roman" panose="02020603050405020304" pitchFamily="18" charset="0"/>
+              <a:cs typeface="Times New Roman" panose="02020603050405020304" pitchFamily="18" charset="0"/>
+            </a:endParaRPr>
+          </a:p>
+          <a:p>
+            <a:pPr marL="274320" lvl="1" indent="0">
+              <a:buNone/>
+            </a:pPr>
+            <a:r>
+              <a:rPr lang="en-US" sz="2400" b="1" dirty="0">
+                <a:latin typeface="Times New Roman" panose="02020603050405020304" pitchFamily="18" charset="0"/>
+                <a:cs typeface="Times New Roman" panose="02020603050405020304" pitchFamily="18" charset="0"/>
+              </a:rPr>
+              <a:t>Focus: </a:t>
+            </a:r>
+            <a:r>
+              <a:rPr lang="en-US" sz="2400" dirty="0">
+                <a:latin typeface="Times New Roman" panose="02020603050405020304" pitchFamily="18" charset="0"/>
+                <a:cs typeface="Times New Roman" panose="02020603050405020304" pitchFamily="18" charset="0"/>
+              </a:rPr>
+              <a:t>Enhancing process predictability and product quality through structured management practices</a:t>
+            </a:r>
+          </a:p>
+          <a:p>
+            <a:r>
+              <a:rPr lang="en-US" sz="2400" b="1" dirty="0">
+                <a:latin typeface="Times New Roman" panose="02020603050405020304" pitchFamily="18" charset="0"/>
+                <a:cs typeface="Times New Roman" panose="02020603050405020304" pitchFamily="18" charset="0"/>
+              </a:rPr>
+              <a:t>Agile Approach</a:t>
+            </a:r>
+            <a:endParaRPr lang="en-US" sz="2400" dirty="0">
+              <a:latin typeface="Times New Roman" panose="02020603050405020304" pitchFamily="18" charset="0"/>
+              <a:cs typeface="Times New Roman" panose="02020603050405020304" pitchFamily="18" charset="0"/>
+            </a:endParaRPr>
+          </a:p>
+          <a:p>
+            <a:pPr marL="274320" lvl="1" indent="0">
+              <a:buNone/>
+            </a:pPr>
+            <a:r>
+              <a:rPr lang="en-US" sz="2400" b="1" dirty="0">
+                <a:latin typeface="Times New Roman" panose="02020603050405020304" pitchFamily="18" charset="0"/>
+                <a:cs typeface="Times New Roman" panose="02020603050405020304" pitchFamily="18" charset="0"/>
+              </a:rPr>
+              <a:t>Focus: </a:t>
+            </a:r>
+            <a:r>
+              <a:rPr lang="en-US" sz="2400" dirty="0">
+                <a:latin typeface="Times New Roman" panose="02020603050405020304" pitchFamily="18" charset="0"/>
+                <a:cs typeface="Times New Roman" panose="02020603050405020304" pitchFamily="18" charset="0"/>
+              </a:rPr>
+              <a:t>Maximizing responsiveness and minimizing overhead</a:t>
+            </a:r>
+          </a:p>
+        </p:txBody>
+      </p:sp>
+    </p:spTree>
+    <p:extLst>
+      <p:ext uri="{BB962C8B-B14F-4D97-AF65-F5344CB8AC3E}">
+        <p14:creationId xmlns:p14="http://schemas.microsoft.com/office/powerpoint/2010/main" val="2918308137"/>
+      </p:ext>
+    </p:extLst>
+  </p:cSld>
+  <p:clrMapOvr>
+    <a:masterClrMapping/>
+  </p:clrMapOvr>
+</p:sld>
+</file>
+
+<file path=ppt/slides/slide22.xml><?xml version="1.0" encoding="utf-8"?>
+<p:sld xmlns:a="http://schemas.openxmlformats.org/drawingml/2006/main" xmlns:r="http://schemas.openxmlformats.org/officeDocument/2006/relationships" xmlns:p="http://schemas.openxmlformats.org/presentationml/2006/main">
+  <p:cSld>
+    <p:spTree>
+      <p:nvGrpSpPr>
+        <p:cNvPr id="1" name="">
+          <a:extLst>
+            <a:ext uri="{FF2B5EF4-FFF2-40B4-BE49-F238E27FC236}">
+              <a16:creationId xmlns:a16="http://schemas.microsoft.com/office/drawing/2014/main" id="{2FE142FC-D348-803D-6A8F-23AA2BD3447F}"/>
+            </a:ext>
+          </a:extLst>
+        </p:cNvPr>
+        <p:cNvGrpSpPr/>
+        <p:nvPr/>
+      </p:nvGrpSpPr>
+      <p:grpSpPr>
+        <a:xfrm>
+          <a:off x="0" y="0"/>
+          <a:ext cx="0" cy="0"/>
+          <a:chOff x="0" y="0"/>
+          <a:chExt cx="0" cy="0"/>
+        </a:xfrm>
+      </p:grpSpPr>
+      <p:sp>
+        <p:nvSpPr>
+          <p:cNvPr id="2" name="Title 1">
+            <a:extLst>
+              <a:ext uri="{FF2B5EF4-FFF2-40B4-BE49-F238E27FC236}">
+                <a16:creationId xmlns:a16="http://schemas.microsoft.com/office/drawing/2014/main" id="{14882B6D-659F-CE1F-F1ED-CB5FA497A8CE}"/>
+              </a:ext>
+            </a:extLst>
+          </p:cNvPr>
+          <p:cNvSpPr>
+            <a:spLocks noGrp="1"/>
+          </p:cNvSpPr>
+          <p:nvPr>
+            <p:ph type="title"/>
+          </p:nvPr>
+        </p:nvSpPr>
+        <p:spPr>
+          <a:xfrm>
+            <a:off x="748937" y="266264"/>
+            <a:ext cx="10563497" cy="874559"/>
+          </a:xfrm>
+        </p:spPr>
+        <p:txBody>
+          <a:bodyPr>
+            <a:normAutofit/>
+          </a:bodyPr>
+          <a:lstStyle/>
+          <a:p>
+            <a:r>
+              <a:rPr lang="en-US" sz="4000" b="1" dirty="0">
+                <a:latin typeface="Times New Roman" panose="02020603050405020304" pitchFamily="18" charset="0"/>
+                <a:cs typeface="Times New Roman" panose="02020603050405020304" pitchFamily="18" charset="0"/>
+              </a:rPr>
+              <a:t>Process Improvement</a:t>
+            </a:r>
+          </a:p>
+        </p:txBody>
+      </p:sp>
+      <p:sp>
+        <p:nvSpPr>
+          <p:cNvPr id="5" name="Content Placeholder 4">
+            <a:extLst>
+              <a:ext uri="{FF2B5EF4-FFF2-40B4-BE49-F238E27FC236}">
+                <a16:creationId xmlns:a16="http://schemas.microsoft.com/office/drawing/2014/main" id="{626C2345-5F6C-E580-58C9-DB4B1F1CD195}"/>
+              </a:ext>
+            </a:extLst>
+          </p:cNvPr>
+          <p:cNvSpPr>
+            <a:spLocks noGrp="1"/>
+          </p:cNvSpPr>
+          <p:nvPr>
+            <p:ph idx="1"/>
+          </p:nvPr>
+        </p:nvSpPr>
+        <p:spPr>
+          <a:xfrm>
+            <a:off x="748937" y="1615736"/>
+            <a:ext cx="10379311" cy="4669654"/>
+          </a:xfrm>
+        </p:spPr>
+        <p:txBody>
+          <a:bodyPr>
+            <a:normAutofit/>
+          </a:bodyPr>
+          <a:lstStyle/>
+          <a:p>
+            <a:r>
+              <a:rPr lang="en-US" sz="2400" b="1" dirty="0">
+                <a:latin typeface="Times New Roman" panose="02020603050405020304" pitchFamily="18" charset="0"/>
+                <a:cs typeface="Times New Roman" panose="02020603050405020304" pitchFamily="18" charset="0"/>
+              </a:rPr>
+              <a:t>Process Maturity Approach</a:t>
+            </a:r>
+          </a:p>
+          <a:p>
+            <a:r>
+              <a:rPr lang="en-US" b="1" dirty="0">
+                <a:latin typeface="Times New Roman" panose="02020603050405020304" pitchFamily="18" charset="0"/>
+                <a:cs typeface="Times New Roman" panose="02020603050405020304" pitchFamily="18" charset="0"/>
+              </a:rPr>
+              <a:t>Characteristics:</a:t>
+            </a:r>
+            <a:endParaRPr lang="en-US" dirty="0">
+              <a:latin typeface="Times New Roman" panose="02020603050405020304" pitchFamily="18" charset="0"/>
+              <a:cs typeface="Times New Roman" panose="02020603050405020304" pitchFamily="18" charset="0"/>
+            </a:endParaRPr>
+          </a:p>
+          <a:p>
+            <a:pPr lvl="1"/>
+            <a:r>
+              <a:rPr lang="en-US" sz="2000" dirty="0">
+                <a:latin typeface="Times New Roman" panose="02020603050405020304" pitchFamily="18" charset="0"/>
+                <a:cs typeface="Times New Roman" panose="02020603050405020304" pitchFamily="18" charset="0"/>
+              </a:rPr>
+              <a:t>Emphasizes standardization and measurement (e.g., ISO 9001)</a:t>
+            </a:r>
+          </a:p>
+          <a:p>
+            <a:pPr lvl="1"/>
+            <a:r>
+              <a:rPr lang="en-US" sz="2000" dirty="0">
+                <a:latin typeface="Times New Roman" panose="02020603050405020304" pitchFamily="18" charset="0"/>
+                <a:cs typeface="Times New Roman" panose="02020603050405020304" pitchFamily="18" charset="0"/>
+              </a:rPr>
+              <a:t>Implements proven engineering practices</a:t>
+            </a:r>
+          </a:p>
+          <a:p>
+            <a:pPr lvl="1"/>
+            <a:r>
+              <a:rPr lang="en-US" sz="2000" dirty="0">
+                <a:latin typeface="Times New Roman" panose="02020603050405020304" pitchFamily="18" charset="0"/>
+                <a:cs typeface="Times New Roman" panose="02020603050405020304" pitchFamily="18" charset="0"/>
+              </a:rPr>
+              <a:t>Uses capability maturity models for assessment (CMMI)</a:t>
+            </a:r>
+          </a:p>
+          <a:p>
+            <a:pPr lvl="1"/>
+            <a:r>
+              <a:rPr lang="en-US" sz="2000" dirty="0">
+                <a:latin typeface="Times New Roman" panose="02020603050405020304" pitchFamily="18" charset="0"/>
+                <a:cs typeface="Times New Roman" panose="02020603050405020304" pitchFamily="18" charset="0"/>
+              </a:rPr>
+              <a:t>Best suited for large organizations and complex projects</a:t>
+            </a:r>
+          </a:p>
+          <a:p>
+            <a:r>
+              <a:rPr lang="en-US" b="1" dirty="0">
+                <a:latin typeface="Times New Roman" panose="02020603050405020304" pitchFamily="18" charset="0"/>
+                <a:cs typeface="Times New Roman" panose="02020603050405020304" pitchFamily="18" charset="0"/>
+              </a:rPr>
+              <a:t>Pros:</a:t>
+            </a:r>
+            <a:endParaRPr lang="en-US" dirty="0">
+              <a:latin typeface="Times New Roman" panose="02020603050405020304" pitchFamily="18" charset="0"/>
+              <a:cs typeface="Times New Roman" panose="02020603050405020304" pitchFamily="18" charset="0"/>
+            </a:endParaRPr>
+          </a:p>
+          <a:p>
+            <a:pPr lvl="1"/>
+            <a:r>
+              <a:rPr lang="en-US" sz="2000" dirty="0">
+                <a:latin typeface="Times New Roman" panose="02020603050405020304" pitchFamily="18" charset="0"/>
+                <a:cs typeface="Times New Roman" panose="02020603050405020304" pitchFamily="18" charset="0"/>
+              </a:rPr>
+              <a:t>Predictability and quality in outcomes</a:t>
+            </a:r>
+          </a:p>
+          <a:p>
+            <a:pPr lvl="1"/>
+            <a:r>
+              <a:rPr lang="en-US" sz="2000" dirty="0">
+                <a:latin typeface="Times New Roman" panose="02020603050405020304" pitchFamily="18" charset="0"/>
+                <a:cs typeface="Times New Roman" panose="02020603050405020304" pitchFamily="18" charset="0"/>
+              </a:rPr>
+              <a:t>Ideal for </a:t>
+            </a:r>
+            <a:r>
+              <a:rPr lang="en-US" sz="2000" b="1" dirty="0">
+                <a:latin typeface="Times New Roman" panose="02020603050405020304" pitchFamily="18" charset="0"/>
+                <a:cs typeface="Times New Roman" panose="02020603050405020304" pitchFamily="18" charset="0"/>
+              </a:rPr>
+              <a:t>large, regulated industries</a:t>
+            </a:r>
+            <a:r>
+              <a:rPr lang="en-US" sz="2000" dirty="0">
+                <a:latin typeface="Times New Roman" panose="02020603050405020304" pitchFamily="18" charset="0"/>
+                <a:cs typeface="Times New Roman" panose="02020603050405020304" pitchFamily="18" charset="0"/>
+              </a:rPr>
+              <a:t> (e.g., aerospace, healthcare).</a:t>
+            </a:r>
+          </a:p>
+          <a:p>
+            <a:r>
+              <a:rPr lang="en-US" b="1" dirty="0">
+                <a:latin typeface="Times New Roman" panose="02020603050405020304" pitchFamily="18" charset="0"/>
+                <a:cs typeface="Times New Roman" panose="02020603050405020304" pitchFamily="18" charset="0"/>
+              </a:rPr>
+              <a:t>Cons:</a:t>
+            </a:r>
+            <a:endParaRPr lang="en-US" dirty="0">
+              <a:latin typeface="Times New Roman" panose="02020603050405020304" pitchFamily="18" charset="0"/>
+              <a:cs typeface="Times New Roman" panose="02020603050405020304" pitchFamily="18" charset="0"/>
+            </a:endParaRPr>
+          </a:p>
+          <a:p>
+            <a:pPr lvl="1"/>
+            <a:r>
+              <a:rPr lang="en-US" sz="2000" dirty="0">
+                <a:latin typeface="Times New Roman" panose="02020603050405020304" pitchFamily="18" charset="0"/>
+                <a:cs typeface="Times New Roman" panose="02020603050405020304" pitchFamily="18" charset="0"/>
+              </a:rPr>
+              <a:t>High overhead (documentation, compliance).</a:t>
+            </a:r>
+          </a:p>
+          <a:p>
+            <a:pPr lvl="1"/>
+            <a:r>
+              <a:rPr lang="en-US" sz="2000" dirty="0">
+                <a:latin typeface="Times New Roman" panose="02020603050405020304" pitchFamily="18" charset="0"/>
+                <a:cs typeface="Times New Roman" panose="02020603050405020304" pitchFamily="18" charset="0"/>
+              </a:rPr>
+              <a:t>Less flexible for dynamic projects</a:t>
+            </a:r>
+          </a:p>
+          <a:p>
+            <a:endParaRPr lang="en-US" dirty="0">
+              <a:latin typeface="Times New Roman" panose="02020603050405020304" pitchFamily="18" charset="0"/>
+              <a:cs typeface="Times New Roman" panose="02020603050405020304" pitchFamily="18" charset="0"/>
+            </a:endParaRPr>
+          </a:p>
+        </p:txBody>
+      </p:sp>
+    </p:spTree>
+    <p:extLst>
+      <p:ext uri="{BB962C8B-B14F-4D97-AF65-F5344CB8AC3E}">
+        <p14:creationId xmlns:p14="http://schemas.microsoft.com/office/powerpoint/2010/main" val="2180675907"/>
+      </p:ext>
+    </p:extLst>
+  </p:cSld>
+  <p:clrMapOvr>
+    <a:masterClrMapping/>
+  </p:clrMapOvr>
+</p:sld>
+</file>
+
+<file path=ppt/slides/slide23.xml><?xml version="1.0" encoding="utf-8"?>
+<p:sld xmlns:a="http://schemas.openxmlformats.org/drawingml/2006/main" xmlns:r="http://schemas.openxmlformats.org/officeDocument/2006/relationships" xmlns:p="http://schemas.openxmlformats.org/presentationml/2006/main">
+  <p:cSld>
+    <p:spTree>
+      <p:nvGrpSpPr>
+        <p:cNvPr id="1" name="">
+          <a:extLst>
+            <a:ext uri="{FF2B5EF4-FFF2-40B4-BE49-F238E27FC236}">
+              <a16:creationId xmlns:a16="http://schemas.microsoft.com/office/drawing/2014/main" id="{9D04057C-ED63-EFCE-C3BA-3FCC9F273E47}"/>
+            </a:ext>
+          </a:extLst>
+        </p:cNvPr>
+        <p:cNvGrpSpPr/>
+        <p:nvPr/>
+      </p:nvGrpSpPr>
+      <p:grpSpPr>
+        <a:xfrm>
+          <a:off x="0" y="0"/>
+          <a:ext cx="0" cy="0"/>
+          <a:chOff x="0" y="0"/>
+          <a:chExt cx="0" cy="0"/>
+        </a:xfrm>
+      </p:grpSpPr>
+      <p:sp>
+        <p:nvSpPr>
+          <p:cNvPr id="2" name="Title 1">
+            <a:extLst>
+              <a:ext uri="{FF2B5EF4-FFF2-40B4-BE49-F238E27FC236}">
+                <a16:creationId xmlns:a16="http://schemas.microsoft.com/office/drawing/2014/main" id="{0B4F5856-98DF-516A-CD8F-437D9A8E166C}"/>
+              </a:ext>
+            </a:extLst>
+          </p:cNvPr>
+          <p:cNvSpPr>
+            <a:spLocks noGrp="1"/>
+          </p:cNvSpPr>
+          <p:nvPr>
+            <p:ph type="title"/>
+          </p:nvPr>
+        </p:nvSpPr>
+        <p:spPr>
+          <a:xfrm>
+            <a:off x="748937" y="266264"/>
+            <a:ext cx="10563497" cy="874559"/>
+          </a:xfrm>
+        </p:spPr>
+        <p:txBody>
+          <a:bodyPr>
+            <a:normAutofit/>
+          </a:bodyPr>
+          <a:lstStyle/>
+          <a:p>
+            <a:r>
+              <a:rPr lang="en-US" sz="4000" b="1" dirty="0">
+                <a:latin typeface="Times New Roman" panose="02020603050405020304" pitchFamily="18" charset="0"/>
+                <a:cs typeface="Times New Roman" panose="02020603050405020304" pitchFamily="18" charset="0"/>
+              </a:rPr>
+              <a:t>Process Improvement</a:t>
+            </a:r>
+          </a:p>
+        </p:txBody>
+      </p:sp>
+      <p:sp>
+        <p:nvSpPr>
+          <p:cNvPr id="5" name="Content Placeholder 4">
+            <a:extLst>
+              <a:ext uri="{FF2B5EF4-FFF2-40B4-BE49-F238E27FC236}">
+                <a16:creationId xmlns:a16="http://schemas.microsoft.com/office/drawing/2014/main" id="{3158B23E-AC65-AB01-1516-41D6190310E9}"/>
+              </a:ext>
+            </a:extLst>
+          </p:cNvPr>
+          <p:cNvSpPr>
+            <a:spLocks noGrp="1"/>
+          </p:cNvSpPr>
+          <p:nvPr>
+            <p:ph idx="1"/>
+          </p:nvPr>
+        </p:nvSpPr>
+        <p:spPr>
+          <a:xfrm>
+            <a:off x="748937" y="1615736"/>
+            <a:ext cx="10379311" cy="4669654"/>
+          </a:xfrm>
+        </p:spPr>
+        <p:txBody>
+          <a:bodyPr>
+            <a:normAutofit/>
+          </a:bodyPr>
+          <a:lstStyle/>
+          <a:p>
+            <a:pPr marL="0" indent="0">
+              <a:buNone/>
+            </a:pPr>
+            <a:r>
+              <a:rPr lang="en-US" sz="2400" b="1" dirty="0">
+                <a:latin typeface="Times New Roman" panose="02020603050405020304" pitchFamily="18" charset="0"/>
+                <a:cs typeface="Times New Roman" panose="02020603050405020304" pitchFamily="18" charset="0"/>
+              </a:rPr>
+              <a:t>Agile Approach</a:t>
+            </a:r>
+            <a:endParaRPr lang="en-US" sz="2400" dirty="0">
+              <a:latin typeface="Times New Roman" panose="02020603050405020304" pitchFamily="18" charset="0"/>
+              <a:cs typeface="Times New Roman" panose="02020603050405020304" pitchFamily="18" charset="0"/>
+            </a:endParaRPr>
+          </a:p>
+          <a:p>
+            <a:r>
+              <a:rPr lang="en-US" b="1" dirty="0">
+                <a:latin typeface="Times New Roman" panose="02020603050405020304" pitchFamily="18" charset="0"/>
+                <a:cs typeface="Times New Roman" panose="02020603050405020304" pitchFamily="18" charset="0"/>
+              </a:rPr>
+              <a:t>Characteristics:</a:t>
+            </a:r>
+            <a:endParaRPr lang="en-US" dirty="0">
+              <a:latin typeface="Times New Roman" panose="02020603050405020304" pitchFamily="18" charset="0"/>
+              <a:cs typeface="Times New Roman" panose="02020603050405020304" pitchFamily="18" charset="0"/>
+            </a:endParaRPr>
+          </a:p>
+          <a:p>
+            <a:pPr lvl="1"/>
+            <a:r>
+              <a:rPr lang="en-US" sz="2000" dirty="0">
+                <a:latin typeface="Times New Roman" panose="02020603050405020304" pitchFamily="18" charset="0"/>
+                <a:cs typeface="Times New Roman" panose="02020603050405020304" pitchFamily="18" charset="0"/>
+              </a:rPr>
+              <a:t>Prioritizes working software over documentation</a:t>
+            </a:r>
+          </a:p>
+          <a:p>
+            <a:pPr lvl="1"/>
+            <a:r>
+              <a:rPr lang="en-US" sz="2000" dirty="0">
+                <a:latin typeface="Times New Roman" panose="02020603050405020304" pitchFamily="18" charset="0"/>
+                <a:cs typeface="Times New Roman" panose="02020603050405020304" pitchFamily="18" charset="0"/>
+              </a:rPr>
+              <a:t>Emphasizes iterative development</a:t>
+            </a:r>
+          </a:p>
+          <a:p>
+            <a:pPr lvl="1"/>
+            <a:r>
+              <a:rPr lang="en-US" sz="2000" dirty="0">
+                <a:latin typeface="Times New Roman" panose="02020603050405020304" pitchFamily="18" charset="0"/>
+                <a:cs typeface="Times New Roman" panose="02020603050405020304" pitchFamily="18" charset="0"/>
+              </a:rPr>
+              <a:t>Adapts quickly to changing requirements</a:t>
+            </a:r>
+          </a:p>
+          <a:p>
+            <a:pPr lvl="1"/>
+            <a:r>
+              <a:rPr lang="en-US" sz="2000" dirty="0">
+                <a:latin typeface="Times New Roman" panose="02020603050405020304" pitchFamily="18" charset="0"/>
+                <a:cs typeface="Times New Roman" panose="02020603050405020304" pitchFamily="18" charset="0"/>
+              </a:rPr>
+              <a:t>Particularly effective for dynamic environments</a:t>
+            </a:r>
+          </a:p>
+          <a:p>
+            <a:r>
+              <a:rPr lang="en-US" b="1" dirty="0">
+                <a:latin typeface="Times New Roman" panose="02020603050405020304" pitchFamily="18" charset="0"/>
+                <a:cs typeface="Times New Roman" panose="02020603050405020304" pitchFamily="18" charset="0"/>
+              </a:rPr>
+              <a:t>Pros:</a:t>
+            </a:r>
+            <a:endParaRPr lang="en-US" dirty="0">
+              <a:latin typeface="Times New Roman" panose="02020603050405020304" pitchFamily="18" charset="0"/>
+              <a:cs typeface="Times New Roman" panose="02020603050405020304" pitchFamily="18" charset="0"/>
+            </a:endParaRPr>
+          </a:p>
+          <a:p>
+            <a:pPr lvl="1"/>
+            <a:r>
+              <a:rPr lang="en-US" sz="2000" dirty="0">
+                <a:latin typeface="Times New Roman" panose="02020603050405020304" pitchFamily="18" charset="0"/>
+                <a:cs typeface="Times New Roman" panose="02020603050405020304" pitchFamily="18" charset="0"/>
+              </a:rPr>
+              <a:t>Adapts quickly to changing requirements.</a:t>
+            </a:r>
+          </a:p>
+          <a:p>
+            <a:pPr lvl="1"/>
+            <a:r>
+              <a:rPr lang="en-US" sz="2000" dirty="0">
+                <a:latin typeface="Times New Roman" panose="02020603050405020304" pitchFamily="18" charset="0"/>
+                <a:cs typeface="Times New Roman" panose="02020603050405020304" pitchFamily="18" charset="0"/>
+              </a:rPr>
+              <a:t>Lowers overhead (focus on working software).</a:t>
+            </a:r>
+          </a:p>
+          <a:p>
+            <a:r>
+              <a:rPr lang="en-US" b="1" dirty="0">
+                <a:latin typeface="Times New Roman" panose="02020603050405020304" pitchFamily="18" charset="0"/>
+                <a:cs typeface="Times New Roman" panose="02020603050405020304" pitchFamily="18" charset="0"/>
+              </a:rPr>
+              <a:t>Cons:</a:t>
+            </a:r>
+            <a:endParaRPr lang="en-US" dirty="0">
+              <a:latin typeface="Times New Roman" panose="02020603050405020304" pitchFamily="18" charset="0"/>
+              <a:cs typeface="Times New Roman" panose="02020603050405020304" pitchFamily="18" charset="0"/>
+            </a:endParaRPr>
+          </a:p>
+          <a:p>
+            <a:pPr lvl="1"/>
+            <a:r>
+              <a:rPr lang="en-US" sz="2000" dirty="0">
+                <a:latin typeface="Times New Roman" panose="02020603050405020304" pitchFamily="18" charset="0"/>
+                <a:cs typeface="Times New Roman" panose="02020603050405020304" pitchFamily="18" charset="0"/>
+              </a:rPr>
+              <a:t>Hard to scale for large, complex systems.</a:t>
+            </a:r>
+          </a:p>
+          <a:p>
+            <a:pPr lvl="1"/>
+            <a:r>
+              <a:rPr lang="en-US" sz="2000" dirty="0">
+                <a:latin typeface="Times New Roman" panose="02020603050405020304" pitchFamily="18" charset="0"/>
+                <a:cs typeface="Times New Roman" panose="02020603050405020304" pitchFamily="18" charset="0"/>
+              </a:rPr>
+              <a:t>Less emphasis on long-term process metrics.</a:t>
+            </a:r>
+          </a:p>
+          <a:p>
+            <a:endParaRPr lang="en-US" dirty="0">
+              <a:latin typeface="Times New Roman" panose="02020603050405020304" pitchFamily="18" charset="0"/>
+              <a:cs typeface="Times New Roman" panose="02020603050405020304" pitchFamily="18" charset="0"/>
+            </a:endParaRPr>
+          </a:p>
+        </p:txBody>
+      </p:sp>
+    </p:spTree>
+    <p:extLst>
+      <p:ext uri="{BB962C8B-B14F-4D97-AF65-F5344CB8AC3E}">
+        <p14:creationId xmlns:p14="http://schemas.microsoft.com/office/powerpoint/2010/main" val="4003084957"/>
+      </p:ext>
+    </p:extLst>
+  </p:cSld>
+  <p:clrMapOvr>
+    <a:masterClrMapping/>
+  </p:clrMapOvr>
+</p:sld>
+</file>
+
+<file path=ppt/slides/slide24.xml><?xml version="1.0" encoding="utf-8"?>
+<p:sld xmlns:a="http://schemas.openxmlformats.org/drawingml/2006/main" xmlns:r="http://schemas.openxmlformats.org/officeDocument/2006/relationships" xmlns:p="http://schemas.openxmlformats.org/presentationml/2006/main">
+  <p:cSld>
+    <p:spTree>
+      <p:nvGrpSpPr>
+        <p:cNvPr id="1" name="">
+          <a:extLst>
+            <a:ext uri="{FF2B5EF4-FFF2-40B4-BE49-F238E27FC236}">
+              <a16:creationId xmlns:a16="http://schemas.microsoft.com/office/drawing/2014/main" id="{C40ABEBD-38DC-2913-3096-E7E1FAC60FE5}"/>
+            </a:ext>
+          </a:extLst>
+        </p:cNvPr>
+        <p:cNvGrpSpPr/>
+        <p:nvPr/>
+      </p:nvGrpSpPr>
+      <p:grpSpPr>
+        <a:xfrm>
+          <a:off x="0" y="0"/>
+          <a:ext cx="0" cy="0"/>
+          <a:chOff x="0" y="0"/>
+          <a:chExt cx="0" cy="0"/>
+        </a:xfrm>
+      </p:grpSpPr>
+      <p:sp>
+        <p:nvSpPr>
+          <p:cNvPr id="2" name="Title 1">
+            <a:extLst>
+              <a:ext uri="{FF2B5EF4-FFF2-40B4-BE49-F238E27FC236}">
+                <a16:creationId xmlns:a16="http://schemas.microsoft.com/office/drawing/2014/main" id="{9B07FD34-F539-463B-A1A1-92D495C0BFB8}"/>
+              </a:ext>
+            </a:extLst>
+          </p:cNvPr>
+          <p:cNvSpPr>
+            <a:spLocks noGrp="1"/>
+          </p:cNvSpPr>
+          <p:nvPr>
+            <p:ph type="title"/>
+          </p:nvPr>
+        </p:nvSpPr>
+        <p:spPr>
+          <a:xfrm>
+            <a:off x="748937" y="266264"/>
+            <a:ext cx="10563497" cy="874559"/>
+          </a:xfrm>
+        </p:spPr>
+        <p:txBody>
+          <a:bodyPr>
+            <a:normAutofit/>
+          </a:bodyPr>
+          <a:lstStyle/>
+          <a:p>
+            <a:r>
+              <a:rPr lang="en-US" sz="4000" b="1" dirty="0">
+                <a:latin typeface="Times New Roman" panose="02020603050405020304" pitchFamily="18" charset="0"/>
+                <a:cs typeface="Times New Roman" panose="02020603050405020304" pitchFamily="18" charset="0"/>
+              </a:rPr>
+              <a:t>Process Improvement CYCLE</a:t>
+            </a:r>
+          </a:p>
+        </p:txBody>
+      </p:sp>
+      <p:sp>
+        <p:nvSpPr>
+          <p:cNvPr id="5" name="Content Placeholder 4">
+            <a:extLst>
+              <a:ext uri="{FF2B5EF4-FFF2-40B4-BE49-F238E27FC236}">
+                <a16:creationId xmlns:a16="http://schemas.microsoft.com/office/drawing/2014/main" id="{A6103448-A019-390B-97A4-76051C7168C0}"/>
+              </a:ext>
+            </a:extLst>
+          </p:cNvPr>
+          <p:cNvSpPr>
+            <a:spLocks noGrp="1"/>
+          </p:cNvSpPr>
+          <p:nvPr>
+            <p:ph idx="1"/>
+          </p:nvPr>
+        </p:nvSpPr>
+        <p:spPr>
+          <a:xfrm>
+            <a:off x="748937" y="1615736"/>
+            <a:ext cx="10379311" cy="4669654"/>
+          </a:xfrm>
+        </p:spPr>
+        <p:txBody>
+          <a:bodyPr>
+            <a:normAutofit/>
+          </a:bodyPr>
+          <a:lstStyle/>
+          <a:p>
+            <a:r>
+              <a:rPr lang="en-US" dirty="0">
+                <a:latin typeface="Times New Roman" panose="02020603050405020304" pitchFamily="18" charset="0"/>
+                <a:cs typeface="Times New Roman" panose="02020603050405020304" pitchFamily="18" charset="0"/>
+              </a:rPr>
+              <a:t>Represents a systematic and structured approach to enhancing software development practices.</a:t>
+            </a:r>
+          </a:p>
+          <a:p>
+            <a:r>
+              <a:rPr lang="en-US" dirty="0">
+                <a:latin typeface="Times New Roman" panose="02020603050405020304" pitchFamily="18" charset="0"/>
+                <a:cs typeface="Times New Roman" panose="02020603050405020304" pitchFamily="18" charset="0"/>
+              </a:rPr>
+              <a:t>The process maturity approach is rooted in plan-driven development and usually requires increased “overhead”.</a:t>
+            </a:r>
+          </a:p>
+          <a:p>
+            <a:r>
+              <a:rPr lang="en-US" dirty="0">
+                <a:latin typeface="Times New Roman" panose="02020603050405020304" pitchFamily="18" charset="0"/>
+                <a:cs typeface="Times New Roman" panose="02020603050405020304" pitchFamily="18" charset="0"/>
+              </a:rPr>
+              <a:t>Agile approaches focus on the code being developed and deliberately minimize formality and documentation.</a:t>
+            </a:r>
+          </a:p>
+          <a:p>
+            <a:endParaRPr lang="en-US" dirty="0">
+              <a:latin typeface="Times New Roman" panose="02020603050405020304" pitchFamily="18" charset="0"/>
+              <a:cs typeface="Times New Roman" panose="02020603050405020304" pitchFamily="18" charset="0"/>
+            </a:endParaRPr>
+          </a:p>
+        </p:txBody>
+      </p:sp>
+      <p:pic>
+        <p:nvPicPr>
+          <p:cNvPr id="3" name="Picture 2">
+            <a:extLst>
+              <a:ext uri="{FF2B5EF4-FFF2-40B4-BE49-F238E27FC236}">
+                <a16:creationId xmlns:a16="http://schemas.microsoft.com/office/drawing/2014/main" id="{3058729A-CFD2-99D0-E670-D66BC3CEC771}"/>
+              </a:ext>
+            </a:extLst>
+          </p:cNvPr>
+          <p:cNvPicPr>
+            <a:picLocks noChangeAspect="1"/>
+          </p:cNvPicPr>
+          <p:nvPr/>
+        </p:nvPicPr>
+        <p:blipFill>
+          <a:blip r:embed="rId3"/>
+          <a:stretch>
+            <a:fillRect/>
+          </a:stretch>
+        </p:blipFill>
+        <p:spPr>
+          <a:xfrm>
+            <a:off x="3835153" y="3591630"/>
+            <a:ext cx="4376692" cy="2766424"/>
+          </a:xfrm>
+          <a:prstGeom prst="rect">
+            <a:avLst/>
+          </a:prstGeom>
+        </p:spPr>
+      </p:pic>
+    </p:spTree>
+    <p:extLst>
+      <p:ext uri="{BB962C8B-B14F-4D97-AF65-F5344CB8AC3E}">
+        <p14:creationId xmlns:p14="http://schemas.microsoft.com/office/powerpoint/2010/main" val="2129281530"/>
+      </p:ext>
+    </p:extLst>
+  </p:cSld>
+  <p:clrMapOvr>
+    <a:masterClrMapping/>
+  </p:clrMapOvr>
+</p:sld>
+</file>
+
+<file path=ppt/slides/slide25.xml><?xml version="1.0" encoding="utf-8"?>
+<p:sld xmlns:a="http://schemas.openxmlformats.org/drawingml/2006/main" xmlns:r="http://schemas.openxmlformats.org/officeDocument/2006/relationships" xmlns:p="http://schemas.openxmlformats.org/presentationml/2006/main">
+  <p:cSld>
+    <p:spTree>
+      <p:nvGrpSpPr>
+        <p:cNvPr id="1" name="">
+          <a:extLst>
+            <a:ext uri="{FF2B5EF4-FFF2-40B4-BE49-F238E27FC236}">
+              <a16:creationId xmlns:a16="http://schemas.microsoft.com/office/drawing/2014/main" id="{B8845D67-0822-D364-ABB3-EE28C0D30CC2}"/>
+            </a:ext>
+          </a:extLst>
+        </p:cNvPr>
+        <p:cNvGrpSpPr/>
+        <p:nvPr/>
+      </p:nvGrpSpPr>
+      <p:grpSpPr>
+        <a:xfrm>
+          <a:off x="0" y="0"/>
+          <a:ext cx="0" cy="0"/>
+          <a:chOff x="0" y="0"/>
+          <a:chExt cx="0" cy="0"/>
+        </a:xfrm>
+      </p:grpSpPr>
+      <p:sp>
+        <p:nvSpPr>
+          <p:cNvPr id="2" name="Title 1">
+            <a:extLst>
+              <a:ext uri="{FF2B5EF4-FFF2-40B4-BE49-F238E27FC236}">
+                <a16:creationId xmlns:a16="http://schemas.microsoft.com/office/drawing/2014/main" id="{57516CB4-BE41-AD28-9C73-335F52826587}"/>
+              </a:ext>
+            </a:extLst>
+          </p:cNvPr>
+          <p:cNvSpPr>
+            <a:spLocks noGrp="1"/>
+          </p:cNvSpPr>
+          <p:nvPr>
+            <p:ph type="title"/>
+          </p:nvPr>
+        </p:nvSpPr>
+        <p:spPr>
+          <a:xfrm>
+            <a:off x="748937" y="266264"/>
+            <a:ext cx="10563497" cy="874559"/>
+          </a:xfrm>
+        </p:spPr>
+        <p:txBody>
+          <a:bodyPr>
+            <a:normAutofit/>
+          </a:bodyPr>
+          <a:lstStyle/>
+          <a:p>
+            <a:r>
+              <a:rPr lang="en-US" sz="4000" b="1" dirty="0">
+                <a:latin typeface="Times New Roman" panose="02020603050405020304" pitchFamily="18" charset="0"/>
+                <a:cs typeface="Times New Roman" panose="02020603050405020304" pitchFamily="18" charset="0"/>
+              </a:rPr>
+              <a:t>Process Improvement CYCLE</a:t>
+            </a:r>
+          </a:p>
+        </p:txBody>
+      </p:sp>
+      <p:sp>
+        <p:nvSpPr>
+          <p:cNvPr id="5" name="Content Placeholder 4">
+            <a:extLst>
+              <a:ext uri="{FF2B5EF4-FFF2-40B4-BE49-F238E27FC236}">
+                <a16:creationId xmlns:a16="http://schemas.microsoft.com/office/drawing/2014/main" id="{78B9401D-56EC-2B4B-259B-3E423EA4F87E}"/>
+              </a:ext>
+            </a:extLst>
+          </p:cNvPr>
+          <p:cNvSpPr>
+            <a:spLocks noGrp="1"/>
+          </p:cNvSpPr>
+          <p:nvPr>
+            <p:ph idx="1"/>
+          </p:nvPr>
+        </p:nvSpPr>
+        <p:spPr>
+          <a:xfrm>
+            <a:off x="748937" y="1615736"/>
+            <a:ext cx="10379311" cy="4669654"/>
+          </a:xfrm>
+        </p:spPr>
+        <p:txBody>
+          <a:bodyPr>
+            <a:normAutofit lnSpcReduction="10000"/>
+          </a:bodyPr>
+          <a:lstStyle/>
+          <a:p>
+            <a:pPr marL="0" indent="0">
+              <a:buNone/>
+            </a:pPr>
+            <a:r>
+              <a:rPr lang="en-US" b="1" dirty="0">
+                <a:latin typeface="Times New Roman" panose="02020603050405020304" pitchFamily="18" charset="0"/>
+                <a:cs typeface="Times New Roman" panose="02020603050405020304" pitchFamily="18" charset="0"/>
+              </a:rPr>
+              <a:t>Process Measurement</a:t>
+            </a:r>
+            <a:endParaRPr lang="en-US" dirty="0">
+              <a:latin typeface="Times New Roman" panose="02020603050405020304" pitchFamily="18" charset="0"/>
+              <a:cs typeface="Times New Roman" panose="02020603050405020304" pitchFamily="18" charset="0"/>
+            </a:endParaRPr>
+          </a:p>
+          <a:p>
+            <a:r>
+              <a:rPr lang="en-US" dirty="0">
+                <a:latin typeface="Times New Roman" panose="02020603050405020304" pitchFamily="18" charset="0"/>
+                <a:cs typeface="Times New Roman" panose="02020603050405020304" pitchFamily="18" charset="0"/>
+              </a:rPr>
+              <a:t>The improvement journey begins with quantitative assessment. Organizations must:</a:t>
+            </a:r>
+          </a:p>
+          <a:p>
+            <a:pPr lvl="0"/>
+            <a:r>
+              <a:rPr lang="en-US" dirty="0">
+                <a:latin typeface="Times New Roman" panose="02020603050405020304" pitchFamily="18" charset="0"/>
+                <a:cs typeface="Times New Roman" panose="02020603050405020304" pitchFamily="18" charset="0"/>
+              </a:rPr>
+              <a:t>Identify key metrics that reflect process effectiveness (e.g., defect rates, cycle time, productivity)</a:t>
+            </a:r>
+          </a:p>
+          <a:p>
+            <a:pPr lvl="0"/>
+            <a:r>
+              <a:rPr lang="en-US" dirty="0">
+                <a:latin typeface="Times New Roman" panose="02020603050405020304" pitchFamily="18" charset="0"/>
+                <a:cs typeface="Times New Roman" panose="02020603050405020304" pitchFamily="18" charset="0"/>
+              </a:rPr>
+              <a:t>Implement measurement systems to capture these metrics consistently and establish baseline values that represent current performance levels</a:t>
+            </a:r>
+          </a:p>
+          <a:p>
+            <a:pPr marL="0" lvl="0" indent="0">
+              <a:lnSpc>
+                <a:spcPct val="160000"/>
+              </a:lnSpc>
+              <a:buNone/>
+            </a:pPr>
+            <a:r>
+              <a:rPr lang="en-US" b="1" dirty="0">
+                <a:latin typeface="Times New Roman" panose="02020603050405020304" pitchFamily="18" charset="0"/>
+                <a:cs typeface="Times New Roman" panose="02020603050405020304" pitchFamily="18" charset="0"/>
+              </a:rPr>
+              <a:t>Process Analysis</a:t>
+            </a:r>
+            <a:endParaRPr lang="en-US" dirty="0">
+              <a:latin typeface="Times New Roman" panose="02020603050405020304" pitchFamily="18" charset="0"/>
+              <a:cs typeface="Times New Roman" panose="02020603050405020304" pitchFamily="18" charset="0"/>
+            </a:endParaRPr>
+          </a:p>
+          <a:p>
+            <a:r>
+              <a:rPr lang="en-US" dirty="0">
+                <a:latin typeface="Times New Roman" panose="02020603050405020304" pitchFamily="18" charset="0"/>
+                <a:cs typeface="Times New Roman" panose="02020603050405020304" pitchFamily="18" charset="0"/>
+              </a:rPr>
+              <a:t>With measurement data in hand, teams conduct thorough evaluations to:</a:t>
+            </a:r>
+          </a:p>
+          <a:p>
+            <a:pPr lvl="0"/>
+            <a:r>
+              <a:rPr lang="en-US" dirty="0">
+                <a:latin typeface="Times New Roman" panose="02020603050405020304" pitchFamily="18" charset="0"/>
+                <a:cs typeface="Times New Roman" panose="02020603050405020304" pitchFamily="18" charset="0"/>
+              </a:rPr>
+              <a:t>Map existing workflows through process modeling techniques</a:t>
+            </a:r>
+          </a:p>
+          <a:p>
+            <a:pPr lvl="0"/>
+            <a:r>
+              <a:rPr lang="en-US" dirty="0">
+                <a:latin typeface="Times New Roman" panose="02020603050405020304" pitchFamily="18" charset="0"/>
+                <a:cs typeface="Times New Roman" panose="02020603050405020304" pitchFamily="18" charset="0"/>
+              </a:rPr>
+              <a:t>Identify bottlenecks that slow development</a:t>
+            </a:r>
+          </a:p>
+          <a:p>
+            <a:pPr lvl="0"/>
+            <a:r>
+              <a:rPr lang="en-US" dirty="0">
+                <a:latin typeface="Times New Roman" panose="02020603050405020304" pitchFamily="18" charset="0"/>
+                <a:cs typeface="Times New Roman" panose="02020603050405020304" pitchFamily="18" charset="0"/>
+              </a:rPr>
+              <a:t>Pinpoint quality issues and their root causes</a:t>
+            </a:r>
+          </a:p>
+          <a:p>
+            <a:pPr lvl="0"/>
+            <a:r>
+              <a:rPr lang="en-US" dirty="0">
+                <a:latin typeface="Times New Roman" panose="02020603050405020304" pitchFamily="18" charset="0"/>
+                <a:cs typeface="Times New Roman" panose="02020603050405020304" pitchFamily="18" charset="0"/>
+              </a:rPr>
+              <a:t>Assess process characteristics like speed, reliability, and adaptability</a:t>
+            </a:r>
+          </a:p>
+        </p:txBody>
+      </p:sp>
+    </p:spTree>
+    <p:extLst>
+      <p:ext uri="{BB962C8B-B14F-4D97-AF65-F5344CB8AC3E}">
+        <p14:creationId xmlns:p14="http://schemas.microsoft.com/office/powerpoint/2010/main" val="4149323381"/>
+      </p:ext>
+    </p:extLst>
+  </p:cSld>
+  <p:clrMapOvr>
+    <a:masterClrMapping/>
+  </p:clrMapOvr>
+</p:sld>
+</file>
+
+<file path=ppt/slides/slide26.xml><?xml version="1.0" encoding="utf-8"?>
+<p:sld xmlns:a="http://schemas.openxmlformats.org/drawingml/2006/main" xmlns:r="http://schemas.openxmlformats.org/officeDocument/2006/relationships" xmlns:p="http://schemas.openxmlformats.org/presentationml/2006/main">
+  <p:cSld>
+    <p:spTree>
+      <p:nvGrpSpPr>
+        <p:cNvPr id="1" name="">
+          <a:extLst>
+            <a:ext uri="{FF2B5EF4-FFF2-40B4-BE49-F238E27FC236}">
+              <a16:creationId xmlns:a16="http://schemas.microsoft.com/office/drawing/2014/main" id="{B53C59B4-4A0C-8C58-EE42-E99768BDF3FA}"/>
+            </a:ext>
+          </a:extLst>
+        </p:cNvPr>
+        <p:cNvGrpSpPr/>
+        <p:nvPr/>
+      </p:nvGrpSpPr>
+      <p:grpSpPr>
+        <a:xfrm>
+          <a:off x="0" y="0"/>
+          <a:ext cx="0" cy="0"/>
+          <a:chOff x="0" y="0"/>
+          <a:chExt cx="0" cy="0"/>
+        </a:xfrm>
+      </p:grpSpPr>
+      <p:sp>
+        <p:nvSpPr>
+          <p:cNvPr id="2" name="Title 1">
+            <a:extLst>
+              <a:ext uri="{FF2B5EF4-FFF2-40B4-BE49-F238E27FC236}">
+                <a16:creationId xmlns:a16="http://schemas.microsoft.com/office/drawing/2014/main" id="{17D72BA3-E782-F8E3-DA4C-5CB6B42469FC}"/>
+              </a:ext>
+            </a:extLst>
+          </p:cNvPr>
+          <p:cNvSpPr>
+            <a:spLocks noGrp="1"/>
+          </p:cNvSpPr>
+          <p:nvPr>
+            <p:ph type="title"/>
+          </p:nvPr>
+        </p:nvSpPr>
+        <p:spPr>
+          <a:xfrm>
+            <a:off x="748937" y="266264"/>
+            <a:ext cx="10563497" cy="874559"/>
+          </a:xfrm>
+        </p:spPr>
+        <p:txBody>
+          <a:bodyPr>
+            <a:normAutofit/>
+          </a:bodyPr>
+          <a:lstStyle/>
+          <a:p>
+            <a:r>
+              <a:rPr lang="en-US" sz="4000" b="1" dirty="0">
+                <a:latin typeface="Times New Roman" panose="02020603050405020304" pitchFamily="18" charset="0"/>
+                <a:cs typeface="Times New Roman" panose="02020603050405020304" pitchFamily="18" charset="0"/>
+              </a:rPr>
+              <a:t>Process Improvement CYCLE</a:t>
+            </a:r>
+          </a:p>
+        </p:txBody>
+      </p:sp>
+      <p:sp>
+        <p:nvSpPr>
+          <p:cNvPr id="5" name="Content Placeholder 4">
+            <a:extLst>
+              <a:ext uri="{FF2B5EF4-FFF2-40B4-BE49-F238E27FC236}">
+                <a16:creationId xmlns:a16="http://schemas.microsoft.com/office/drawing/2014/main" id="{3917D279-BFB1-B641-5B15-1005D16B757D}"/>
+              </a:ext>
+            </a:extLst>
+          </p:cNvPr>
+          <p:cNvSpPr>
+            <a:spLocks noGrp="1"/>
+          </p:cNvSpPr>
+          <p:nvPr>
+            <p:ph idx="1"/>
+          </p:nvPr>
+        </p:nvSpPr>
+        <p:spPr>
+          <a:xfrm>
+            <a:off x="748937" y="1615736"/>
+            <a:ext cx="10379311" cy="4669654"/>
+          </a:xfrm>
+        </p:spPr>
+        <p:txBody>
+          <a:bodyPr>
+            <a:normAutofit/>
+          </a:bodyPr>
+          <a:lstStyle/>
+          <a:p>
+            <a:pPr marL="0" lvl="0" indent="0">
+              <a:buNone/>
+            </a:pPr>
+            <a:r>
+              <a:rPr lang="en-US" b="1" dirty="0">
+                <a:latin typeface="Times New Roman" panose="02020603050405020304" pitchFamily="18" charset="0"/>
+                <a:cs typeface="Times New Roman" panose="02020603050405020304" pitchFamily="18" charset="0"/>
+              </a:rPr>
+              <a:t>Process Change</a:t>
+            </a:r>
+            <a:endParaRPr lang="en-US" dirty="0">
+              <a:latin typeface="Times New Roman" panose="02020603050405020304" pitchFamily="18" charset="0"/>
+              <a:cs typeface="Times New Roman" panose="02020603050405020304" pitchFamily="18" charset="0"/>
+            </a:endParaRPr>
+          </a:p>
+          <a:p>
+            <a:r>
+              <a:rPr lang="en-US" dirty="0">
+                <a:latin typeface="Times New Roman" panose="02020603050405020304" pitchFamily="18" charset="0"/>
+                <a:cs typeface="Times New Roman" panose="02020603050405020304" pitchFamily="18" charset="0"/>
+              </a:rPr>
+              <a:t>The insights from analysis drive targeted modifications:</a:t>
+            </a:r>
+          </a:p>
+          <a:p>
+            <a:pPr lvl="0"/>
+            <a:r>
+              <a:rPr lang="en-US" dirty="0">
+                <a:latin typeface="Times New Roman" panose="02020603050405020304" pitchFamily="18" charset="0"/>
+                <a:cs typeface="Times New Roman" panose="02020603050405020304" pitchFamily="18" charset="0"/>
+              </a:rPr>
+              <a:t>Redesigning inefficient workflows</a:t>
+            </a:r>
+          </a:p>
+          <a:p>
+            <a:pPr lvl="0"/>
+            <a:r>
+              <a:rPr lang="en-US" dirty="0">
+                <a:latin typeface="Times New Roman" panose="02020603050405020304" pitchFamily="18" charset="0"/>
+                <a:cs typeface="Times New Roman" panose="02020603050405020304" pitchFamily="18" charset="0"/>
+              </a:rPr>
+              <a:t>Introducing new quality assurance practices</a:t>
+            </a:r>
+          </a:p>
+          <a:p>
+            <a:pPr lvl="0"/>
+            <a:r>
+              <a:rPr lang="en-US" dirty="0">
+                <a:latin typeface="Times New Roman" panose="02020603050405020304" pitchFamily="18" charset="0"/>
+                <a:cs typeface="Times New Roman" panose="02020603050405020304" pitchFamily="18" charset="0"/>
+              </a:rPr>
+              <a:t>Removing redundant process steps</a:t>
+            </a:r>
+          </a:p>
+          <a:p>
+            <a:pPr lvl="0"/>
+            <a:r>
+              <a:rPr lang="en-US" dirty="0">
+                <a:latin typeface="Times New Roman" panose="02020603050405020304" pitchFamily="18" charset="0"/>
+                <a:cs typeface="Times New Roman" panose="02020603050405020304" pitchFamily="18" charset="0"/>
+              </a:rPr>
+              <a:t>Adopting better tools or methodologies</a:t>
+            </a:r>
+          </a:p>
+          <a:p>
+            <a:pPr marL="0" lvl="0" indent="0">
+              <a:buNone/>
+            </a:pPr>
+            <a:endParaRPr lang="en-US" dirty="0">
+              <a:latin typeface="Times New Roman" panose="02020603050405020304" pitchFamily="18" charset="0"/>
+              <a:cs typeface="Times New Roman" panose="02020603050405020304" pitchFamily="18" charset="0"/>
+            </a:endParaRPr>
+          </a:p>
+          <a:p>
+            <a:pPr marL="0" indent="0">
+              <a:buNone/>
+            </a:pPr>
+            <a:r>
+              <a:rPr lang="en-US" b="1" dirty="0">
+                <a:latin typeface="Times New Roman" panose="02020603050405020304" pitchFamily="18" charset="0"/>
+                <a:cs typeface="Times New Roman" panose="02020603050405020304" pitchFamily="18" charset="0"/>
+              </a:rPr>
+              <a:t>Repeat the cycle</a:t>
+            </a:r>
+            <a:r>
+              <a:rPr lang="en-US" dirty="0">
+                <a:latin typeface="Times New Roman" panose="02020603050405020304" pitchFamily="18" charset="0"/>
+                <a:cs typeface="Times New Roman" panose="02020603050405020304" pitchFamily="18" charset="0"/>
+              </a:rPr>
+              <a:t> to ensure continuous enhancement.</a:t>
+            </a:r>
+          </a:p>
+        </p:txBody>
+      </p:sp>
+    </p:spTree>
+    <p:extLst>
+      <p:ext uri="{BB962C8B-B14F-4D97-AF65-F5344CB8AC3E}">
+        <p14:creationId xmlns:p14="http://schemas.microsoft.com/office/powerpoint/2010/main" val="2305958884"/>
+      </p:ext>
+    </p:extLst>
+  </p:cSld>
+  <p:clrMapOvr>
+    <a:masterClrMapping/>
+  </p:clrMapOvr>
+</p:sld>
+</file>
+
+<file path=ppt/slides/slide27.xml><?xml version="1.0" encoding="utf-8"?>
+<p:sld xmlns:a="http://schemas.openxmlformats.org/drawingml/2006/main" xmlns:r="http://schemas.openxmlformats.org/officeDocument/2006/relationships" xmlns:p="http://schemas.openxmlformats.org/presentationml/2006/main">
+  <p:cSld>
+    <p:spTree>
+      <p:nvGrpSpPr>
+        <p:cNvPr id="1" name="">
+          <a:extLst>
+            <a:ext uri="{FF2B5EF4-FFF2-40B4-BE49-F238E27FC236}">
+              <a16:creationId xmlns:a16="http://schemas.microsoft.com/office/drawing/2014/main" id="{681BC0FB-9E95-631D-07D6-8CA6E5A23DF0}"/>
+            </a:ext>
+          </a:extLst>
+        </p:cNvPr>
+        <p:cNvGrpSpPr/>
+        <p:nvPr/>
+      </p:nvGrpSpPr>
+      <p:grpSpPr>
+        <a:xfrm>
+          <a:off x="0" y="0"/>
+          <a:ext cx="0" cy="0"/>
+          <a:chOff x="0" y="0"/>
+          <a:chExt cx="0" cy="0"/>
+        </a:xfrm>
+      </p:grpSpPr>
+      <p:pic>
+        <p:nvPicPr>
+          <p:cNvPr id="3" name="Picture 2">
+            <a:extLst>
+              <a:ext uri="{FF2B5EF4-FFF2-40B4-BE49-F238E27FC236}">
+                <a16:creationId xmlns:a16="http://schemas.microsoft.com/office/drawing/2014/main" id="{E39153B2-3822-200B-4F54-C24DFE459A1A}"/>
+              </a:ext>
+            </a:extLst>
+          </p:cNvPr>
+          <p:cNvPicPr>
+            <a:picLocks noChangeAspect="1"/>
+          </p:cNvPicPr>
+          <p:nvPr/>
+        </p:nvPicPr>
+        <p:blipFill>
+          <a:blip r:embed="rId3"/>
+          <a:stretch>
+            <a:fillRect/>
+          </a:stretch>
+        </p:blipFill>
+        <p:spPr>
+          <a:xfrm>
+            <a:off x="3371237" y="3776983"/>
+            <a:ext cx="4991735" cy="3081017"/>
+          </a:xfrm>
+          <a:prstGeom prst="rect">
+            <a:avLst/>
+          </a:prstGeom>
+        </p:spPr>
+      </p:pic>
+      <p:sp>
+        <p:nvSpPr>
+          <p:cNvPr id="2" name="Title 1">
+            <a:extLst>
+              <a:ext uri="{FF2B5EF4-FFF2-40B4-BE49-F238E27FC236}">
+                <a16:creationId xmlns:a16="http://schemas.microsoft.com/office/drawing/2014/main" id="{BB701199-57B7-4A80-3D6E-BCE451AB5143}"/>
+              </a:ext>
+            </a:extLst>
+          </p:cNvPr>
+          <p:cNvSpPr>
+            <a:spLocks noGrp="1"/>
+          </p:cNvSpPr>
+          <p:nvPr>
+            <p:ph type="title"/>
+          </p:nvPr>
+        </p:nvSpPr>
+        <p:spPr>
+          <a:xfrm>
+            <a:off x="748937" y="266264"/>
+            <a:ext cx="10563497" cy="874559"/>
+          </a:xfrm>
+        </p:spPr>
+        <p:txBody>
+          <a:bodyPr>
+            <a:normAutofit/>
+          </a:bodyPr>
+          <a:lstStyle/>
+          <a:p>
+            <a:r>
+              <a:rPr lang="en-US" sz="4000" b="1" dirty="0">
+                <a:latin typeface="Times New Roman" panose="02020603050405020304" pitchFamily="18" charset="0"/>
+                <a:cs typeface="Times New Roman" panose="02020603050405020304" pitchFamily="18" charset="0"/>
+              </a:rPr>
+              <a:t>Process Maturity Levels</a:t>
+            </a:r>
+          </a:p>
+        </p:txBody>
+      </p:sp>
+      <p:sp>
+        <p:nvSpPr>
+          <p:cNvPr id="5" name="Content Placeholder 4">
+            <a:extLst>
+              <a:ext uri="{FF2B5EF4-FFF2-40B4-BE49-F238E27FC236}">
+                <a16:creationId xmlns:a16="http://schemas.microsoft.com/office/drawing/2014/main" id="{1937C2ED-B968-4DDB-6F0E-9F7CA8C268FD}"/>
+              </a:ext>
+            </a:extLst>
+          </p:cNvPr>
+          <p:cNvSpPr>
+            <a:spLocks noGrp="1"/>
+          </p:cNvSpPr>
+          <p:nvPr>
+            <p:ph idx="1"/>
+          </p:nvPr>
+        </p:nvSpPr>
+        <p:spPr>
+          <a:xfrm>
+            <a:off x="748937" y="1615736"/>
+            <a:ext cx="10379311" cy="5242264"/>
+          </a:xfrm>
+        </p:spPr>
+        <p:txBody>
+          <a:bodyPr>
+            <a:normAutofit/>
+          </a:bodyPr>
+          <a:lstStyle/>
+          <a:p>
+            <a:r>
+              <a:rPr lang="en-US" dirty="0">
+                <a:latin typeface="Times New Roman" panose="02020603050405020304" pitchFamily="18" charset="0"/>
+                <a:cs typeface="Times New Roman" panose="02020603050405020304" pitchFamily="18" charset="0"/>
+              </a:rPr>
+              <a:t>Originally developed by the Software Engineering Institute (SEI) in the 1980s</a:t>
+            </a:r>
+          </a:p>
+          <a:p>
+            <a:r>
+              <a:rPr lang="en-US" dirty="0">
+                <a:latin typeface="Times New Roman" panose="02020603050405020304" pitchFamily="18" charset="0"/>
+                <a:cs typeface="Times New Roman" panose="02020603050405020304" pitchFamily="18" charset="0"/>
+              </a:rPr>
+              <a:t>Provides a structured framework to assess and improve an organization's software development capabilities</a:t>
+            </a:r>
+          </a:p>
+          <a:p>
+            <a:r>
+              <a:rPr lang="en-US" dirty="0">
+                <a:latin typeface="Times New Roman" panose="02020603050405020304" pitchFamily="18" charset="0"/>
+                <a:cs typeface="Times New Roman" panose="02020603050405020304" pitchFamily="18" charset="0"/>
+              </a:rPr>
+              <a:t>Initially created for the U.S. Department of Defense to evaluate contractors, it has become a global standard for measuring process quality and efficiency.</a:t>
+            </a:r>
+          </a:p>
+          <a:p>
+            <a:pPr marL="0" indent="0" algn="ctr">
+              <a:buNone/>
+            </a:pPr>
+            <a:r>
+              <a:rPr lang="en-US" b="1" dirty="0">
+                <a:latin typeface="Times New Roman" panose="02020603050405020304" pitchFamily="18" charset="0"/>
+                <a:cs typeface="Times New Roman" panose="02020603050405020304" pitchFamily="18" charset="0"/>
+              </a:rPr>
+              <a:t>The Five levels of Process Maturity</a:t>
+            </a:r>
+          </a:p>
+        </p:txBody>
+      </p:sp>
+    </p:spTree>
+    <p:extLst>
+      <p:ext uri="{BB962C8B-B14F-4D97-AF65-F5344CB8AC3E}">
+        <p14:creationId xmlns:p14="http://schemas.microsoft.com/office/powerpoint/2010/main" val="1680735493"/>
+      </p:ext>
+    </p:extLst>
+  </p:cSld>
+  <p:clrMapOvr>
+    <a:masterClrMapping/>
+  </p:clrMapOvr>
+</p:sld>
+</file>
+
+<file path=ppt/slides/slide28.xml><?xml version="1.0" encoding="utf-8"?>
+<p:sld xmlns:a="http://schemas.openxmlformats.org/drawingml/2006/main" xmlns:r="http://schemas.openxmlformats.org/officeDocument/2006/relationships" xmlns:p="http://schemas.openxmlformats.org/presentationml/2006/main">
+  <p:cSld>
+    <p:spTree>
+      <p:nvGrpSpPr>
+        <p:cNvPr id="1" name="">
+          <a:extLst>
+            <a:ext uri="{FF2B5EF4-FFF2-40B4-BE49-F238E27FC236}">
+              <a16:creationId xmlns:a16="http://schemas.microsoft.com/office/drawing/2014/main" id="{C610AE8D-4D26-EC85-610C-7B01E1528B04}"/>
+            </a:ext>
+          </a:extLst>
+        </p:cNvPr>
+        <p:cNvGrpSpPr/>
+        <p:nvPr/>
+      </p:nvGrpSpPr>
+      <p:grpSpPr>
+        <a:xfrm>
+          <a:off x="0" y="0"/>
+          <a:ext cx="0" cy="0"/>
+          <a:chOff x="0" y="0"/>
+          <a:chExt cx="0" cy="0"/>
+        </a:xfrm>
+      </p:grpSpPr>
+      <p:sp>
+        <p:nvSpPr>
+          <p:cNvPr id="2" name="Title 1">
+            <a:extLst>
+              <a:ext uri="{FF2B5EF4-FFF2-40B4-BE49-F238E27FC236}">
+                <a16:creationId xmlns:a16="http://schemas.microsoft.com/office/drawing/2014/main" id="{5DBBF736-2D6E-819D-8759-79C2162E1BB9}"/>
+              </a:ext>
+            </a:extLst>
+          </p:cNvPr>
+          <p:cNvSpPr>
+            <a:spLocks noGrp="1"/>
+          </p:cNvSpPr>
+          <p:nvPr>
+            <p:ph type="title"/>
+          </p:nvPr>
+        </p:nvSpPr>
+        <p:spPr>
+          <a:xfrm>
+            <a:off x="748937" y="266264"/>
+            <a:ext cx="10563497" cy="874559"/>
+          </a:xfrm>
+        </p:spPr>
+        <p:txBody>
+          <a:bodyPr>
+            <a:normAutofit/>
+          </a:bodyPr>
+          <a:lstStyle/>
+          <a:p>
+            <a:r>
+              <a:rPr lang="en-US" sz="4000" b="1" dirty="0">
+                <a:latin typeface="Times New Roman" panose="02020603050405020304" pitchFamily="18" charset="0"/>
+                <a:cs typeface="Times New Roman" panose="02020603050405020304" pitchFamily="18" charset="0"/>
+              </a:rPr>
+              <a:t>Process Maturity Levels</a:t>
+            </a:r>
+          </a:p>
+        </p:txBody>
+      </p:sp>
+      <p:sp>
+        <p:nvSpPr>
+          <p:cNvPr id="5" name="Content Placeholder 4">
+            <a:extLst>
+              <a:ext uri="{FF2B5EF4-FFF2-40B4-BE49-F238E27FC236}">
+                <a16:creationId xmlns:a16="http://schemas.microsoft.com/office/drawing/2014/main" id="{C2626E7A-B148-5BF5-B52B-7CF43F12B507}"/>
+              </a:ext>
+            </a:extLst>
+          </p:cNvPr>
+          <p:cNvSpPr>
+            <a:spLocks noGrp="1"/>
+          </p:cNvSpPr>
+          <p:nvPr>
+            <p:ph idx="1"/>
+          </p:nvPr>
+        </p:nvSpPr>
+        <p:spPr>
+          <a:xfrm>
+            <a:off x="748937" y="1615736"/>
+            <a:ext cx="10379311" cy="5242264"/>
+          </a:xfrm>
+        </p:spPr>
+        <p:txBody>
+          <a:bodyPr>
+            <a:normAutofit/>
+          </a:bodyPr>
+          <a:lstStyle/>
+          <a:p>
+            <a:pPr marL="0" indent="0">
+              <a:buNone/>
+            </a:pPr>
+            <a:r>
+              <a:rPr lang="en-US" b="1" dirty="0">
+                <a:latin typeface="Times New Roman" panose="02020603050405020304" pitchFamily="18" charset="0"/>
+                <a:cs typeface="Times New Roman" panose="02020603050405020304" pitchFamily="18" charset="0"/>
+              </a:rPr>
+              <a:t>Initial (Level 1)</a:t>
+            </a:r>
+            <a:endParaRPr lang="en-US" dirty="0">
+              <a:latin typeface="Times New Roman" panose="02020603050405020304" pitchFamily="18" charset="0"/>
+              <a:cs typeface="Times New Roman" panose="02020603050405020304" pitchFamily="18" charset="0"/>
+            </a:endParaRPr>
+          </a:p>
+          <a:p>
+            <a:pPr lvl="0"/>
+            <a:r>
+              <a:rPr lang="en-US" b="1" dirty="0">
+                <a:latin typeface="Times New Roman" panose="02020603050405020304" pitchFamily="18" charset="0"/>
+                <a:cs typeface="Times New Roman" panose="02020603050405020304" pitchFamily="18" charset="0"/>
+              </a:rPr>
+              <a:t>Characteristics:</a:t>
+            </a:r>
+            <a:endParaRPr lang="en-US" dirty="0">
+              <a:latin typeface="Times New Roman" panose="02020603050405020304" pitchFamily="18" charset="0"/>
+              <a:cs typeface="Times New Roman" panose="02020603050405020304" pitchFamily="18" charset="0"/>
+            </a:endParaRPr>
+          </a:p>
+          <a:p>
+            <a:pPr lvl="1"/>
+            <a:r>
+              <a:rPr lang="en-US" sz="2000" dirty="0">
+                <a:latin typeface="Times New Roman" panose="02020603050405020304" pitchFamily="18" charset="0"/>
+                <a:cs typeface="Times New Roman" panose="02020603050405020304" pitchFamily="18" charset="0"/>
+              </a:rPr>
+              <a:t>Processes are </a:t>
+            </a:r>
+            <a:r>
+              <a:rPr lang="en-US" sz="2000" b="1" dirty="0">
+                <a:latin typeface="Times New Roman" panose="02020603050405020304" pitchFamily="18" charset="0"/>
+                <a:cs typeface="Times New Roman" panose="02020603050405020304" pitchFamily="18" charset="0"/>
+              </a:rPr>
+              <a:t>unpredictable and reactive</a:t>
+            </a:r>
+            <a:r>
+              <a:rPr lang="en-US" sz="2000" dirty="0">
+                <a:latin typeface="Times New Roman" panose="02020603050405020304" pitchFamily="18" charset="0"/>
+                <a:cs typeface="Times New Roman" panose="02020603050405020304" pitchFamily="18" charset="0"/>
+              </a:rPr>
+              <a:t>.</a:t>
+            </a:r>
+          </a:p>
+          <a:p>
+            <a:pPr lvl="1"/>
+            <a:r>
+              <a:rPr lang="en-US" sz="2000" dirty="0">
+                <a:latin typeface="Times New Roman" panose="02020603050405020304" pitchFamily="18" charset="0"/>
+                <a:cs typeface="Times New Roman" panose="02020603050405020304" pitchFamily="18" charset="0"/>
+              </a:rPr>
+              <a:t>Success depends on individual heroics.</a:t>
+            </a:r>
+          </a:p>
+          <a:p>
+            <a:pPr lvl="1"/>
+            <a:r>
+              <a:rPr lang="en-US" sz="2000" dirty="0">
+                <a:latin typeface="Times New Roman" panose="02020603050405020304" pitchFamily="18" charset="0"/>
+                <a:cs typeface="Times New Roman" panose="02020603050405020304" pitchFamily="18" charset="0"/>
+              </a:rPr>
+              <a:t>No formal documentation or consistency.</a:t>
+            </a:r>
+          </a:p>
+          <a:p>
+            <a:pPr lvl="0"/>
+            <a:r>
+              <a:rPr lang="en-US" b="1" dirty="0">
+                <a:latin typeface="Times New Roman" panose="02020603050405020304" pitchFamily="18" charset="0"/>
+                <a:cs typeface="Times New Roman" panose="02020603050405020304" pitchFamily="18" charset="0"/>
+              </a:rPr>
+              <a:t>Example:</a:t>
+            </a:r>
+            <a:r>
+              <a:rPr lang="en-US" dirty="0">
+                <a:latin typeface="Times New Roman" panose="02020603050405020304" pitchFamily="18" charset="0"/>
+                <a:cs typeface="Times New Roman" panose="02020603050405020304" pitchFamily="18" charset="0"/>
+              </a:rPr>
+              <a:t> A startup coding without requirements or testing protocols.</a:t>
+            </a:r>
+          </a:p>
+          <a:p>
+            <a:pPr marL="0" indent="0">
+              <a:lnSpc>
+                <a:spcPct val="150000"/>
+              </a:lnSpc>
+              <a:buNone/>
+            </a:pPr>
+            <a:r>
+              <a:rPr lang="en-US" b="1" dirty="0">
+                <a:latin typeface="Times New Roman" panose="02020603050405020304" pitchFamily="18" charset="0"/>
+                <a:cs typeface="Times New Roman" panose="02020603050405020304" pitchFamily="18" charset="0"/>
+              </a:rPr>
+              <a:t>Managed (Level 2)</a:t>
+            </a:r>
+            <a:endParaRPr lang="en-US" dirty="0">
+              <a:latin typeface="Times New Roman" panose="02020603050405020304" pitchFamily="18" charset="0"/>
+              <a:cs typeface="Times New Roman" panose="02020603050405020304" pitchFamily="18" charset="0"/>
+            </a:endParaRPr>
+          </a:p>
+          <a:p>
+            <a:pPr lvl="0"/>
+            <a:r>
+              <a:rPr lang="en-US" b="1" dirty="0">
+                <a:latin typeface="Times New Roman" panose="02020603050405020304" pitchFamily="18" charset="0"/>
+                <a:cs typeface="Times New Roman" panose="02020603050405020304" pitchFamily="18" charset="0"/>
+              </a:rPr>
+              <a:t>Characteristics:</a:t>
+            </a:r>
+            <a:endParaRPr lang="en-US" dirty="0">
+              <a:latin typeface="Times New Roman" panose="02020603050405020304" pitchFamily="18" charset="0"/>
+              <a:cs typeface="Times New Roman" panose="02020603050405020304" pitchFamily="18" charset="0"/>
+            </a:endParaRPr>
+          </a:p>
+          <a:p>
+            <a:pPr lvl="1"/>
+            <a:r>
+              <a:rPr lang="en-US" sz="2000" dirty="0">
+                <a:latin typeface="Times New Roman" panose="02020603050405020304" pitchFamily="18" charset="0"/>
+                <a:cs typeface="Times New Roman" panose="02020603050405020304" pitchFamily="18" charset="0"/>
+              </a:rPr>
+              <a:t>Basic </a:t>
+            </a:r>
+            <a:r>
+              <a:rPr lang="en-US" sz="2000" b="1" dirty="0">
+                <a:latin typeface="Times New Roman" panose="02020603050405020304" pitchFamily="18" charset="0"/>
+                <a:cs typeface="Times New Roman" panose="02020603050405020304" pitchFamily="18" charset="0"/>
+              </a:rPr>
+              <a:t>project management</a:t>
+            </a:r>
+            <a:r>
+              <a:rPr lang="en-US" sz="2000" dirty="0">
+                <a:latin typeface="Times New Roman" panose="02020603050405020304" pitchFamily="18" charset="0"/>
+                <a:cs typeface="Times New Roman" panose="02020603050405020304" pitchFamily="18" charset="0"/>
+              </a:rPr>
+              <a:t> is established (schedules, budgets).</a:t>
+            </a:r>
+          </a:p>
+          <a:p>
+            <a:pPr lvl="1"/>
+            <a:r>
+              <a:rPr lang="en-US" sz="2000" dirty="0">
+                <a:latin typeface="Times New Roman" panose="02020603050405020304" pitchFamily="18" charset="0"/>
+                <a:cs typeface="Times New Roman" panose="02020603050405020304" pitchFamily="18" charset="0"/>
+              </a:rPr>
+              <a:t>Processes are </a:t>
+            </a:r>
+            <a:r>
+              <a:rPr lang="en-US" sz="2000" b="1" dirty="0">
+                <a:latin typeface="Times New Roman" panose="02020603050405020304" pitchFamily="18" charset="0"/>
+                <a:cs typeface="Times New Roman" panose="02020603050405020304" pitchFamily="18" charset="0"/>
+              </a:rPr>
+              <a:t>repeatable</a:t>
+            </a:r>
+            <a:r>
+              <a:rPr lang="en-US" sz="2000" dirty="0">
+                <a:latin typeface="Times New Roman" panose="02020603050405020304" pitchFamily="18" charset="0"/>
+                <a:cs typeface="Times New Roman" panose="02020603050405020304" pitchFamily="18" charset="0"/>
+              </a:rPr>
+              <a:t> for similar projects.</a:t>
+            </a:r>
+          </a:p>
+          <a:p>
+            <a:pPr lvl="1"/>
+            <a:r>
+              <a:rPr lang="en-US" sz="2000" dirty="0">
+                <a:latin typeface="Times New Roman" panose="02020603050405020304" pitchFamily="18" charset="0"/>
+                <a:cs typeface="Times New Roman" panose="02020603050405020304" pitchFamily="18" charset="0"/>
+              </a:rPr>
+              <a:t>Focuses on </a:t>
+            </a:r>
+            <a:r>
+              <a:rPr lang="en-US" sz="2000" b="1" dirty="0">
+                <a:latin typeface="Times New Roman" panose="02020603050405020304" pitchFamily="18" charset="0"/>
+                <a:cs typeface="Times New Roman" panose="02020603050405020304" pitchFamily="18" charset="0"/>
+              </a:rPr>
+              <a:t>meeting immediate goals</a:t>
+            </a:r>
+            <a:r>
+              <a:rPr lang="en-US" sz="2000" dirty="0">
+                <a:latin typeface="Times New Roman" panose="02020603050405020304" pitchFamily="18" charset="0"/>
+                <a:cs typeface="Times New Roman" panose="02020603050405020304" pitchFamily="18" charset="0"/>
+              </a:rPr>
+              <a:t>.</a:t>
+            </a:r>
+          </a:p>
+          <a:p>
+            <a:pPr lvl="0"/>
+            <a:r>
+              <a:rPr lang="en-US" b="1" dirty="0">
+                <a:latin typeface="Times New Roman" panose="02020603050405020304" pitchFamily="18" charset="0"/>
+                <a:cs typeface="Times New Roman" panose="02020603050405020304" pitchFamily="18" charset="0"/>
+              </a:rPr>
+              <a:t>Example:</a:t>
+            </a:r>
+            <a:r>
+              <a:rPr lang="en-US" dirty="0">
+                <a:latin typeface="Times New Roman" panose="02020603050405020304" pitchFamily="18" charset="0"/>
+                <a:cs typeface="Times New Roman" panose="02020603050405020304" pitchFamily="18" charset="0"/>
+              </a:rPr>
+              <a:t> A mid-sized company using documented plans but lacking standardization.</a:t>
+            </a:r>
+          </a:p>
+        </p:txBody>
+      </p:sp>
+    </p:spTree>
+    <p:extLst>
+      <p:ext uri="{BB962C8B-B14F-4D97-AF65-F5344CB8AC3E}">
+        <p14:creationId xmlns:p14="http://schemas.microsoft.com/office/powerpoint/2010/main" val="1809513866"/>
+      </p:ext>
+    </p:extLst>
+  </p:cSld>
+  <p:clrMapOvr>
+    <a:masterClrMapping/>
+  </p:clrMapOvr>
+</p:sld>
+</file>
+
+<file path=ppt/slides/slide29.xml><?xml version="1.0" encoding="utf-8"?>
+<p:sld xmlns:a="http://schemas.openxmlformats.org/drawingml/2006/main" xmlns:r="http://schemas.openxmlformats.org/officeDocument/2006/relationships" xmlns:p="http://schemas.openxmlformats.org/presentationml/2006/main">
+  <p:cSld>
+    <p:spTree>
+      <p:nvGrpSpPr>
+        <p:cNvPr id="1" name="">
+          <a:extLst>
+            <a:ext uri="{FF2B5EF4-FFF2-40B4-BE49-F238E27FC236}">
+              <a16:creationId xmlns:a16="http://schemas.microsoft.com/office/drawing/2014/main" id="{0F2F17DB-0AF7-A90B-9A19-3A871C1D5063}"/>
+            </a:ext>
+          </a:extLst>
+        </p:cNvPr>
+        <p:cNvGrpSpPr/>
+        <p:nvPr/>
+      </p:nvGrpSpPr>
+      <p:grpSpPr>
+        <a:xfrm>
+          <a:off x="0" y="0"/>
+          <a:ext cx="0" cy="0"/>
+          <a:chOff x="0" y="0"/>
+          <a:chExt cx="0" cy="0"/>
+        </a:xfrm>
+      </p:grpSpPr>
+      <p:sp>
+        <p:nvSpPr>
+          <p:cNvPr id="2" name="Title 1">
+            <a:extLst>
+              <a:ext uri="{FF2B5EF4-FFF2-40B4-BE49-F238E27FC236}">
+                <a16:creationId xmlns:a16="http://schemas.microsoft.com/office/drawing/2014/main" id="{A1D5DACC-FD8B-FA9B-35C0-3BB39FE94155}"/>
+              </a:ext>
+            </a:extLst>
+          </p:cNvPr>
+          <p:cNvSpPr>
+            <a:spLocks noGrp="1"/>
+          </p:cNvSpPr>
+          <p:nvPr>
+            <p:ph type="title"/>
+          </p:nvPr>
+        </p:nvSpPr>
+        <p:spPr>
+          <a:xfrm>
+            <a:off x="748937" y="266264"/>
+            <a:ext cx="10563497" cy="874559"/>
+          </a:xfrm>
+        </p:spPr>
+        <p:txBody>
+          <a:bodyPr>
+            <a:normAutofit/>
+          </a:bodyPr>
+          <a:lstStyle/>
+          <a:p>
+            <a:r>
+              <a:rPr lang="en-US" sz="4000" b="1" dirty="0">
+                <a:latin typeface="Times New Roman" panose="02020603050405020304" pitchFamily="18" charset="0"/>
+                <a:cs typeface="Times New Roman" panose="02020603050405020304" pitchFamily="18" charset="0"/>
+              </a:rPr>
+              <a:t>Process Maturity Levels</a:t>
+            </a:r>
+          </a:p>
+        </p:txBody>
+      </p:sp>
+      <p:sp>
+        <p:nvSpPr>
+          <p:cNvPr id="5" name="Content Placeholder 4">
+            <a:extLst>
+              <a:ext uri="{FF2B5EF4-FFF2-40B4-BE49-F238E27FC236}">
+                <a16:creationId xmlns:a16="http://schemas.microsoft.com/office/drawing/2014/main" id="{BC13D4AC-EFF4-7C1D-B26F-D0B03E04C69D}"/>
+              </a:ext>
+            </a:extLst>
+          </p:cNvPr>
+          <p:cNvSpPr>
+            <a:spLocks noGrp="1"/>
+          </p:cNvSpPr>
+          <p:nvPr>
+            <p:ph idx="1"/>
+          </p:nvPr>
+        </p:nvSpPr>
+        <p:spPr>
+          <a:xfrm>
+            <a:off x="748937" y="1615736"/>
+            <a:ext cx="10379311" cy="5242264"/>
+          </a:xfrm>
+        </p:spPr>
+        <p:txBody>
+          <a:bodyPr>
+            <a:normAutofit/>
+          </a:bodyPr>
+          <a:lstStyle/>
+          <a:p>
+            <a:pPr marL="0" indent="0">
+              <a:buNone/>
+            </a:pPr>
+            <a:r>
+              <a:rPr lang="en-US" b="1" dirty="0">
+                <a:latin typeface="Times New Roman" panose="02020603050405020304" pitchFamily="18" charset="0"/>
+                <a:cs typeface="Times New Roman" panose="02020603050405020304" pitchFamily="18" charset="0"/>
+              </a:rPr>
+              <a:t>Defined (Level 3)</a:t>
+            </a:r>
+            <a:endParaRPr lang="en-US" dirty="0">
+              <a:latin typeface="Times New Roman" panose="02020603050405020304" pitchFamily="18" charset="0"/>
+              <a:cs typeface="Times New Roman" panose="02020603050405020304" pitchFamily="18" charset="0"/>
+            </a:endParaRPr>
+          </a:p>
+          <a:p>
+            <a:pPr lvl="0"/>
+            <a:r>
+              <a:rPr lang="en-US" b="1" dirty="0">
+                <a:latin typeface="Times New Roman" panose="02020603050405020304" pitchFamily="18" charset="0"/>
+                <a:cs typeface="Times New Roman" panose="02020603050405020304" pitchFamily="18" charset="0"/>
+              </a:rPr>
+              <a:t>Characteristics:</a:t>
+            </a:r>
+            <a:endParaRPr lang="en-US" dirty="0">
+              <a:latin typeface="Times New Roman" panose="02020603050405020304" pitchFamily="18" charset="0"/>
+              <a:cs typeface="Times New Roman" panose="02020603050405020304" pitchFamily="18" charset="0"/>
+            </a:endParaRPr>
+          </a:p>
+          <a:p>
+            <a:pPr lvl="1"/>
+            <a:r>
+              <a:rPr lang="en-US" sz="2000" dirty="0">
+                <a:latin typeface="Times New Roman" panose="02020603050405020304" pitchFamily="18" charset="0"/>
+                <a:cs typeface="Times New Roman" panose="02020603050405020304" pitchFamily="18" charset="0"/>
+              </a:rPr>
+              <a:t>Organization-wide </a:t>
+            </a:r>
+            <a:r>
+              <a:rPr lang="en-US" sz="2000" b="1" dirty="0">
+                <a:latin typeface="Times New Roman" panose="02020603050405020304" pitchFamily="18" charset="0"/>
+                <a:cs typeface="Times New Roman" panose="02020603050405020304" pitchFamily="18" charset="0"/>
+              </a:rPr>
+              <a:t>standardized processes</a:t>
+            </a:r>
+            <a:r>
+              <a:rPr lang="en-US" sz="2000" dirty="0">
+                <a:latin typeface="Times New Roman" panose="02020603050405020304" pitchFamily="18" charset="0"/>
+                <a:cs typeface="Times New Roman" panose="02020603050405020304" pitchFamily="18" charset="0"/>
+              </a:rPr>
+              <a:t> (e.g., coding standards, QA checklists).</a:t>
+            </a:r>
+          </a:p>
+          <a:p>
+            <a:pPr lvl="1"/>
+            <a:r>
+              <a:rPr lang="en-US" sz="2000" dirty="0">
+                <a:latin typeface="Times New Roman" panose="02020603050405020304" pitchFamily="18" charset="0"/>
+                <a:cs typeface="Times New Roman" panose="02020603050405020304" pitchFamily="18" charset="0"/>
+              </a:rPr>
+              <a:t>Processes are </a:t>
+            </a:r>
+            <a:r>
+              <a:rPr lang="en-US" sz="2000" b="1" dirty="0">
+                <a:latin typeface="Times New Roman" panose="02020603050405020304" pitchFamily="18" charset="0"/>
+                <a:cs typeface="Times New Roman" panose="02020603050405020304" pitchFamily="18" charset="0"/>
+              </a:rPr>
+              <a:t>tailored</a:t>
+            </a:r>
+            <a:r>
+              <a:rPr lang="en-US" sz="2000" dirty="0">
+                <a:latin typeface="Times New Roman" panose="02020603050405020304" pitchFamily="18" charset="0"/>
+                <a:cs typeface="Times New Roman" panose="02020603050405020304" pitchFamily="18" charset="0"/>
+              </a:rPr>
+              <a:t> per project needs.</a:t>
+            </a:r>
+          </a:p>
+          <a:p>
+            <a:pPr lvl="1"/>
+            <a:r>
+              <a:rPr lang="en-US" sz="2000" b="1" dirty="0">
+                <a:latin typeface="Times New Roman" panose="02020603050405020304" pitchFamily="18" charset="0"/>
+                <a:cs typeface="Times New Roman" panose="02020603050405020304" pitchFamily="18" charset="0"/>
+              </a:rPr>
+              <a:t>Knowledge sharing</a:t>
+            </a:r>
+            <a:r>
+              <a:rPr lang="en-US" sz="2000" dirty="0">
+                <a:latin typeface="Times New Roman" panose="02020603050405020304" pitchFamily="18" charset="0"/>
+                <a:cs typeface="Times New Roman" panose="02020603050405020304" pitchFamily="18" charset="0"/>
+              </a:rPr>
+              <a:t> via process assets (templates, guidelines).</a:t>
+            </a:r>
+          </a:p>
+          <a:p>
+            <a:pPr lvl="0"/>
+            <a:r>
+              <a:rPr lang="en-US" b="1" dirty="0">
+                <a:latin typeface="Times New Roman" panose="02020603050405020304" pitchFamily="18" charset="0"/>
+                <a:cs typeface="Times New Roman" panose="02020603050405020304" pitchFamily="18" charset="0"/>
+              </a:rPr>
+              <a:t>Example:</a:t>
+            </a:r>
+            <a:r>
+              <a:rPr lang="en-US" dirty="0">
+                <a:latin typeface="Times New Roman" panose="02020603050405020304" pitchFamily="18" charset="0"/>
+                <a:cs typeface="Times New Roman" panose="02020603050405020304" pitchFamily="18" charset="0"/>
+              </a:rPr>
+              <a:t> A firm with a centralized DevOps pipeline used by all teams.</a:t>
+            </a:r>
+          </a:p>
+          <a:p>
+            <a:pPr marL="0" indent="0">
+              <a:lnSpc>
+                <a:spcPct val="150000"/>
+              </a:lnSpc>
+              <a:buNone/>
+            </a:pPr>
+            <a:r>
+              <a:rPr lang="en-US" b="1" dirty="0">
+                <a:latin typeface="Times New Roman" panose="02020603050405020304" pitchFamily="18" charset="0"/>
+                <a:cs typeface="Times New Roman" panose="02020603050405020304" pitchFamily="18" charset="0"/>
+              </a:rPr>
+              <a:t>Quantitatively Managed (Level 4)</a:t>
+            </a:r>
+            <a:endParaRPr lang="en-US" dirty="0">
+              <a:latin typeface="Times New Roman" panose="02020603050405020304" pitchFamily="18" charset="0"/>
+              <a:cs typeface="Times New Roman" panose="02020603050405020304" pitchFamily="18" charset="0"/>
+            </a:endParaRPr>
+          </a:p>
+          <a:p>
+            <a:pPr lvl="0"/>
+            <a:r>
+              <a:rPr lang="en-US" b="1" dirty="0">
+                <a:latin typeface="Times New Roman" panose="02020603050405020304" pitchFamily="18" charset="0"/>
+                <a:cs typeface="Times New Roman" panose="02020603050405020304" pitchFamily="18" charset="0"/>
+              </a:rPr>
+              <a:t>Characteristics:</a:t>
+            </a:r>
+            <a:endParaRPr lang="en-US" dirty="0">
+              <a:latin typeface="Times New Roman" panose="02020603050405020304" pitchFamily="18" charset="0"/>
+              <a:cs typeface="Times New Roman" panose="02020603050405020304" pitchFamily="18" charset="0"/>
+            </a:endParaRPr>
+          </a:p>
+          <a:p>
+            <a:pPr lvl="1"/>
+            <a:r>
+              <a:rPr lang="en-US" sz="2000" b="1" dirty="0">
+                <a:latin typeface="Times New Roman" panose="02020603050405020304" pitchFamily="18" charset="0"/>
+                <a:cs typeface="Times New Roman" panose="02020603050405020304" pitchFamily="18" charset="0"/>
+              </a:rPr>
+              <a:t>Data-driven decision-making</a:t>
+            </a:r>
+            <a:r>
+              <a:rPr lang="en-US" sz="2000" dirty="0">
+                <a:latin typeface="Times New Roman" panose="02020603050405020304" pitchFamily="18" charset="0"/>
+                <a:cs typeface="Times New Roman" panose="02020603050405020304" pitchFamily="18" charset="0"/>
+              </a:rPr>
+              <a:t> (metrics like defect rates, cycle time).</a:t>
+            </a:r>
+          </a:p>
+          <a:p>
+            <a:pPr lvl="1"/>
+            <a:r>
+              <a:rPr lang="en-US" sz="2000" dirty="0">
+                <a:latin typeface="Times New Roman" panose="02020603050405020304" pitchFamily="18" charset="0"/>
+                <a:cs typeface="Times New Roman" panose="02020603050405020304" pitchFamily="18" charset="0"/>
+              </a:rPr>
+              <a:t>Statistical process control (SPC) to </a:t>
+            </a:r>
+            <a:r>
+              <a:rPr lang="en-US" sz="2000" b="1" dirty="0">
+                <a:latin typeface="Times New Roman" panose="02020603050405020304" pitchFamily="18" charset="0"/>
+                <a:cs typeface="Times New Roman" panose="02020603050405020304" pitchFamily="18" charset="0"/>
+              </a:rPr>
+              <a:t>predict performance</a:t>
+            </a:r>
+            <a:r>
+              <a:rPr lang="en-US" sz="2000" dirty="0">
+                <a:latin typeface="Times New Roman" panose="02020603050405020304" pitchFamily="18" charset="0"/>
+                <a:cs typeface="Times New Roman" panose="02020603050405020304" pitchFamily="18" charset="0"/>
+              </a:rPr>
+              <a:t>.</a:t>
+            </a:r>
+          </a:p>
+          <a:p>
+            <a:pPr lvl="1"/>
+            <a:r>
+              <a:rPr lang="en-US" sz="2000" dirty="0">
+                <a:latin typeface="Times New Roman" panose="02020603050405020304" pitchFamily="18" charset="0"/>
+                <a:cs typeface="Times New Roman" panose="02020603050405020304" pitchFamily="18" charset="0"/>
+              </a:rPr>
+              <a:t>Subprocesses are </a:t>
+            </a:r>
+            <a:r>
+              <a:rPr lang="en-US" sz="2000" b="1" dirty="0">
+                <a:latin typeface="Times New Roman" panose="02020603050405020304" pitchFamily="18" charset="0"/>
+                <a:cs typeface="Times New Roman" panose="02020603050405020304" pitchFamily="18" charset="0"/>
+              </a:rPr>
+              <a:t>measured and optimized</a:t>
+            </a:r>
+            <a:r>
+              <a:rPr lang="en-US" sz="2000" dirty="0">
+                <a:latin typeface="Times New Roman" panose="02020603050405020304" pitchFamily="18" charset="0"/>
+                <a:cs typeface="Times New Roman" panose="02020603050405020304" pitchFamily="18" charset="0"/>
+              </a:rPr>
+              <a:t>.</a:t>
+            </a:r>
+          </a:p>
+          <a:p>
+            <a:pPr lvl="0"/>
+            <a:r>
+              <a:rPr lang="en-US" b="1" dirty="0">
+                <a:latin typeface="Times New Roman" panose="02020603050405020304" pitchFamily="18" charset="0"/>
+                <a:cs typeface="Times New Roman" panose="02020603050405020304" pitchFamily="18" charset="0"/>
+              </a:rPr>
+              <a:t>Example:</a:t>
+            </a:r>
+            <a:r>
+              <a:rPr lang="en-US" dirty="0">
+                <a:latin typeface="Times New Roman" panose="02020603050405020304" pitchFamily="18" charset="0"/>
+                <a:cs typeface="Times New Roman" panose="02020603050405020304" pitchFamily="18" charset="0"/>
+              </a:rPr>
+              <a:t> An enterprise using AI to predict deployment failures based on historical data.</a:t>
+            </a:r>
+          </a:p>
+        </p:txBody>
+      </p:sp>
+    </p:spTree>
+    <p:extLst>
+      <p:ext uri="{BB962C8B-B14F-4D97-AF65-F5344CB8AC3E}">
+        <p14:creationId xmlns:p14="http://schemas.microsoft.com/office/powerpoint/2010/main" val="4144985001"/>
       </p:ext>
     </p:extLst>
   </p:cSld>
@@ -5284,6 +11991,261 @@
     <p:extLst>
       <p:ext uri="{BB962C8B-B14F-4D97-AF65-F5344CB8AC3E}">
         <p14:creationId xmlns:p14="http://schemas.microsoft.com/office/powerpoint/2010/main" val="3768770713"/>
+      </p:ext>
+    </p:extLst>
+  </p:cSld>
+  <p:clrMapOvr>
+    <a:masterClrMapping/>
+  </p:clrMapOvr>
+</p:sld>
+</file>
+
+<file path=ppt/slides/slide30.xml><?xml version="1.0" encoding="utf-8"?>
+<p:sld xmlns:a="http://schemas.openxmlformats.org/drawingml/2006/main" xmlns:r="http://schemas.openxmlformats.org/officeDocument/2006/relationships" xmlns:p="http://schemas.openxmlformats.org/presentationml/2006/main">
+  <p:cSld>
+    <p:spTree>
+      <p:nvGrpSpPr>
+        <p:cNvPr id="1" name="">
+          <a:extLst>
+            <a:ext uri="{FF2B5EF4-FFF2-40B4-BE49-F238E27FC236}">
+              <a16:creationId xmlns:a16="http://schemas.microsoft.com/office/drawing/2014/main" id="{86A7543A-C20B-01B7-1DC9-DCA8B02F0624}"/>
+            </a:ext>
+          </a:extLst>
+        </p:cNvPr>
+        <p:cNvGrpSpPr/>
+        <p:nvPr/>
+      </p:nvGrpSpPr>
+      <p:grpSpPr>
+        <a:xfrm>
+          <a:off x="0" y="0"/>
+          <a:ext cx="0" cy="0"/>
+          <a:chOff x="0" y="0"/>
+          <a:chExt cx="0" cy="0"/>
+        </a:xfrm>
+      </p:grpSpPr>
+      <p:sp>
+        <p:nvSpPr>
+          <p:cNvPr id="2" name="Title 1">
+            <a:extLst>
+              <a:ext uri="{FF2B5EF4-FFF2-40B4-BE49-F238E27FC236}">
+                <a16:creationId xmlns:a16="http://schemas.microsoft.com/office/drawing/2014/main" id="{CF74653C-F954-6A65-3E16-9B6E04FF57F1}"/>
+              </a:ext>
+            </a:extLst>
+          </p:cNvPr>
+          <p:cNvSpPr>
+            <a:spLocks noGrp="1"/>
+          </p:cNvSpPr>
+          <p:nvPr>
+            <p:ph type="title"/>
+          </p:nvPr>
+        </p:nvSpPr>
+        <p:spPr>
+          <a:xfrm>
+            <a:off x="748937" y="266264"/>
+            <a:ext cx="10563497" cy="874559"/>
+          </a:xfrm>
+        </p:spPr>
+        <p:txBody>
+          <a:bodyPr>
+            <a:normAutofit/>
+          </a:bodyPr>
+          <a:lstStyle/>
+          <a:p>
+            <a:r>
+              <a:rPr lang="en-US" sz="4000" b="1" dirty="0">
+                <a:latin typeface="Times New Roman" panose="02020603050405020304" pitchFamily="18" charset="0"/>
+                <a:cs typeface="Times New Roman" panose="02020603050405020304" pitchFamily="18" charset="0"/>
+              </a:rPr>
+              <a:t>Process Maturity Levels</a:t>
+            </a:r>
+          </a:p>
+        </p:txBody>
+      </p:sp>
+      <p:sp>
+        <p:nvSpPr>
+          <p:cNvPr id="5" name="Content Placeholder 4">
+            <a:extLst>
+              <a:ext uri="{FF2B5EF4-FFF2-40B4-BE49-F238E27FC236}">
+                <a16:creationId xmlns:a16="http://schemas.microsoft.com/office/drawing/2014/main" id="{5B83D897-3458-E90F-6D5C-FF781F591245}"/>
+              </a:ext>
+            </a:extLst>
+          </p:cNvPr>
+          <p:cNvSpPr>
+            <a:spLocks noGrp="1"/>
+          </p:cNvSpPr>
+          <p:nvPr>
+            <p:ph idx="1"/>
+          </p:nvPr>
+        </p:nvSpPr>
+        <p:spPr>
+          <a:xfrm>
+            <a:off x="748937" y="1615736"/>
+            <a:ext cx="10379311" cy="5242264"/>
+          </a:xfrm>
+        </p:spPr>
+        <p:txBody>
+          <a:bodyPr>
+            <a:normAutofit/>
+          </a:bodyPr>
+          <a:lstStyle/>
+          <a:p>
+            <a:pPr marL="0" indent="0">
+              <a:buNone/>
+            </a:pPr>
+            <a:r>
+              <a:rPr lang="en-US" b="1" dirty="0">
+                <a:latin typeface="Times New Roman" panose="02020603050405020304" pitchFamily="18" charset="0"/>
+                <a:cs typeface="Times New Roman" panose="02020603050405020304" pitchFamily="18" charset="0"/>
+              </a:rPr>
+              <a:t>Optimizing (Level 5)</a:t>
+            </a:r>
+            <a:endParaRPr lang="en-US" dirty="0">
+              <a:latin typeface="Times New Roman" panose="02020603050405020304" pitchFamily="18" charset="0"/>
+              <a:cs typeface="Times New Roman" panose="02020603050405020304" pitchFamily="18" charset="0"/>
+            </a:endParaRPr>
+          </a:p>
+          <a:p>
+            <a:pPr lvl="0"/>
+            <a:r>
+              <a:rPr lang="en-US" b="1" dirty="0">
+                <a:latin typeface="Times New Roman" panose="02020603050405020304" pitchFamily="18" charset="0"/>
+                <a:cs typeface="Times New Roman" panose="02020603050405020304" pitchFamily="18" charset="0"/>
+              </a:rPr>
+              <a:t>Characteristics:</a:t>
+            </a:r>
+            <a:endParaRPr lang="en-US" dirty="0">
+              <a:latin typeface="Times New Roman" panose="02020603050405020304" pitchFamily="18" charset="0"/>
+              <a:cs typeface="Times New Roman" panose="02020603050405020304" pitchFamily="18" charset="0"/>
+            </a:endParaRPr>
+          </a:p>
+          <a:p>
+            <a:pPr lvl="1"/>
+            <a:r>
+              <a:rPr lang="en-US" sz="2000" b="1" dirty="0">
+                <a:latin typeface="Times New Roman" panose="02020603050405020304" pitchFamily="18" charset="0"/>
+                <a:cs typeface="Times New Roman" panose="02020603050405020304" pitchFamily="18" charset="0"/>
+              </a:rPr>
+              <a:t>Continuous improvement</a:t>
+            </a:r>
+            <a:r>
+              <a:rPr lang="en-US" sz="2000" dirty="0">
+                <a:latin typeface="Times New Roman" panose="02020603050405020304" pitchFamily="18" charset="0"/>
+                <a:cs typeface="Times New Roman" panose="02020603050405020304" pitchFamily="18" charset="0"/>
+              </a:rPr>
+              <a:t> via innovation and feedback loops.</a:t>
+            </a:r>
+          </a:p>
+          <a:p>
+            <a:pPr lvl="1"/>
+            <a:r>
+              <a:rPr lang="en-US" sz="2000" b="1" dirty="0">
+                <a:latin typeface="Times New Roman" panose="02020603050405020304" pitchFamily="18" charset="0"/>
+                <a:cs typeface="Times New Roman" panose="02020603050405020304" pitchFamily="18" charset="0"/>
+              </a:rPr>
+              <a:t>Proactive adaptation</a:t>
+            </a:r>
+            <a:r>
+              <a:rPr lang="en-US" sz="2000" dirty="0">
+                <a:latin typeface="Times New Roman" panose="02020603050405020304" pitchFamily="18" charset="0"/>
+                <a:cs typeface="Times New Roman" panose="02020603050405020304" pitchFamily="18" charset="0"/>
+              </a:rPr>
+              <a:t> to market/technology changes.</a:t>
+            </a:r>
+          </a:p>
+          <a:p>
+            <a:pPr lvl="1"/>
+            <a:r>
+              <a:rPr lang="en-US" sz="2000" dirty="0">
+                <a:latin typeface="Times New Roman" panose="02020603050405020304" pitchFamily="18" charset="0"/>
+                <a:cs typeface="Times New Roman" panose="02020603050405020304" pitchFamily="18" charset="0"/>
+              </a:rPr>
+              <a:t>Focus on </a:t>
+            </a:r>
+            <a:r>
+              <a:rPr lang="en-US" sz="2000" b="1" dirty="0">
+                <a:latin typeface="Times New Roman" panose="02020603050405020304" pitchFamily="18" charset="0"/>
+                <a:cs typeface="Times New Roman" panose="02020603050405020304" pitchFamily="18" charset="0"/>
+              </a:rPr>
+              <a:t>preventing defects</a:t>
+            </a:r>
+            <a:r>
+              <a:rPr lang="en-US" sz="2000" dirty="0">
+                <a:latin typeface="Times New Roman" panose="02020603050405020304" pitchFamily="18" charset="0"/>
+                <a:cs typeface="Times New Roman" panose="02020603050405020304" pitchFamily="18" charset="0"/>
+              </a:rPr>
+              <a:t> (vs. fixing them).</a:t>
+            </a:r>
+          </a:p>
+          <a:p>
+            <a:pPr lvl="0"/>
+            <a:r>
+              <a:rPr lang="en-US" b="1" dirty="0">
+                <a:latin typeface="Times New Roman" panose="02020603050405020304" pitchFamily="18" charset="0"/>
+                <a:cs typeface="Times New Roman" panose="02020603050405020304" pitchFamily="18" charset="0"/>
+              </a:rPr>
+              <a:t>Example:</a:t>
+            </a:r>
+            <a:r>
+              <a:rPr lang="en-US" dirty="0">
+                <a:latin typeface="Times New Roman" panose="02020603050405020304" pitchFamily="18" charset="0"/>
+                <a:cs typeface="Times New Roman" panose="02020603050405020304" pitchFamily="18" charset="0"/>
+              </a:rPr>
+              <a:t> Google’s refined CI/CD pipeline with automated A/B testing.</a:t>
+            </a:r>
+          </a:p>
+          <a:p>
+            <a:pPr lvl="0"/>
+            <a:endParaRPr lang="en-US" dirty="0">
+              <a:latin typeface="Times New Roman" panose="02020603050405020304" pitchFamily="18" charset="0"/>
+              <a:cs typeface="Times New Roman" panose="02020603050405020304" pitchFamily="18" charset="0"/>
+            </a:endParaRPr>
+          </a:p>
+          <a:p>
+            <a:pPr marL="0" lvl="0" indent="0">
+              <a:buNone/>
+            </a:pPr>
+            <a:r>
+              <a:rPr lang="en-US" dirty="0">
+                <a:latin typeface="Times New Roman" panose="02020603050405020304" pitchFamily="18" charset="0"/>
+                <a:cs typeface="Times New Roman" panose="02020603050405020304" pitchFamily="18" charset="0"/>
+              </a:rPr>
+              <a:t>Understanding these levels, companies can </a:t>
+            </a:r>
+            <a:r>
+              <a:rPr lang="en-US" b="1" dirty="0">
+                <a:latin typeface="Times New Roman" panose="02020603050405020304" pitchFamily="18" charset="0"/>
+                <a:cs typeface="Times New Roman" panose="02020603050405020304" pitchFamily="18" charset="0"/>
+              </a:rPr>
+              <a:t>diagnose their current state</a:t>
+            </a:r>
+            <a:r>
+              <a:rPr lang="en-US" dirty="0">
+                <a:latin typeface="Times New Roman" panose="02020603050405020304" pitchFamily="18" charset="0"/>
+                <a:cs typeface="Times New Roman" panose="02020603050405020304" pitchFamily="18" charset="0"/>
+              </a:rPr>
+              <a:t> and </a:t>
+            </a:r>
+            <a:r>
+              <a:rPr lang="en-US" b="1" dirty="0">
+                <a:latin typeface="Times New Roman" panose="02020603050405020304" pitchFamily="18" charset="0"/>
+                <a:cs typeface="Times New Roman" panose="02020603050405020304" pitchFamily="18" charset="0"/>
+              </a:rPr>
+              <a:t>plan targeted improvements - </a:t>
+            </a:r>
+            <a:r>
+              <a:rPr lang="en-US" dirty="0">
+                <a:latin typeface="Times New Roman" panose="02020603050405020304" pitchFamily="18" charset="0"/>
+                <a:cs typeface="Times New Roman" panose="02020603050405020304" pitchFamily="18" charset="0"/>
+              </a:rPr>
+              <a:t>whether adopting full CMMI or integrating maturity principles into agile workflows.</a:t>
+            </a:r>
+          </a:p>
+        </p:txBody>
+      </p:sp>
+    </p:spTree>
+    <p:extLst>
+      <p:ext uri="{BB962C8B-B14F-4D97-AF65-F5344CB8AC3E}">
+        <p14:creationId xmlns:p14="http://schemas.microsoft.com/office/powerpoint/2010/main" val="1118423811"/>
       </p:ext>
     </p:extLst>
   </p:cSld>
@@ -6891,4 +13853,299 @@
     </a:ext>
   </a:extLst>
 </a:theme>
+</file>
+
+<file path=ppt/theme/theme2.xml><?xml version="1.0" encoding="utf-8"?>
+<a:theme xmlns:a="http://schemas.openxmlformats.org/drawingml/2006/main" name="Office Theme">
+  <a:themeElements>
+    <a:clrScheme name="Office">
+      <a:dk1>
+        <a:sysClr val="windowText" lastClr="000000"/>
+      </a:dk1>
+      <a:lt1>
+        <a:sysClr val="window" lastClr="FFFFFF"/>
+      </a:lt1>
+      <a:dk2>
+        <a:srgbClr val="44546A"/>
+      </a:dk2>
+      <a:lt2>
+        <a:srgbClr val="E7E6E6"/>
+      </a:lt2>
+      <a:accent1>
+        <a:srgbClr val="4472C4"/>
+      </a:accent1>
+      <a:accent2>
+        <a:srgbClr val="ED7D31"/>
+      </a:accent2>
+      <a:accent3>
+        <a:srgbClr val="A5A5A5"/>
+      </a:accent3>
+      <a:accent4>
+        <a:srgbClr val="FFC000"/>
+      </a:accent4>
+      <a:accent5>
+        <a:srgbClr val="5B9BD5"/>
+      </a:accent5>
+      <a:accent6>
+        <a:srgbClr val="70AD47"/>
+      </a:accent6>
+      <a:hlink>
+        <a:srgbClr val="0563C1"/>
+      </a:hlink>
+      <a:folHlink>
+        <a:srgbClr val="954F72"/>
+      </a:folHlink>
+    </a:clrScheme>
+    <a:fontScheme name="Office">
+      <a:majorFont>
+        <a:latin typeface="Calibri Light" panose="020F0302020204030204"/>
+        <a:ea typeface=""/>
+        <a:cs typeface=""/>
+        <a:font script="Jpan" typeface="游ゴシック Light"/>
+        <a:font script="Hang" typeface="맑은 고딕"/>
+        <a:font script="Hans" typeface="等线 Light"/>
+        <a:font script="Hant" typeface="新細明體"/>
+        <a:font script="Arab" typeface="Times New Roman"/>
+        <a:font script="Hebr" typeface="Times New Roman"/>
+        <a:font script="Thai" typeface="Angsana New"/>
+        <a:font script="Ethi" typeface="Nyala"/>
+        <a:font script="Beng" typeface="Vrinda"/>
+        <a:font script="Gujr" typeface="Shruti"/>
+        <a:font script="Khmr" typeface="MoolBoran"/>
+        <a:font script="Knda" typeface="Tunga"/>
+        <a:font script="Guru" typeface="Raavi"/>
+        <a:font script="Cans" typeface="Euphemia"/>
+        <a:font script="Cher" typeface="Plantagenet Cherokee"/>
+        <a:font script="Yiii" typeface="Microsoft Yi Baiti"/>
+        <a:font script="Tibt" typeface="Microsoft Himalaya"/>
+        <a:font script="Thaa" typeface="MV Boli"/>
+        <a:font script="Deva" typeface="Mangal"/>
+        <a:font script="Telu" typeface="Gautami"/>
+        <a:font script="Taml" typeface="Latha"/>
+        <a:font script="Syrc" typeface="Estrangelo Edessa"/>
+        <a:font script="Orya" typeface="Kalinga"/>
+        <a:font script="Mlym" typeface="Kartika"/>
+        <a:font script="Laoo" typeface="DokChampa"/>
+        <a:font script="Sinh" typeface="Iskoola Pota"/>
+        <a:font script="Mong" typeface="Mongolian Baiti"/>
+        <a:font script="Viet" typeface="Times New Roman"/>
+        <a:font script="Uigh" typeface="Microsoft Uighur"/>
+        <a:font script="Geor" typeface="Sylfaen"/>
+        <a:font script="Armn" typeface="Arial"/>
+        <a:font script="Bugi" typeface="Leelawadee UI"/>
+        <a:font script="Bopo" typeface="Microsoft JhengHei"/>
+        <a:font script="Java" typeface="Javanese Text"/>
+        <a:font script="Lisu" typeface="Segoe UI"/>
+        <a:font script="Mymr" typeface="Myanmar Text"/>
+        <a:font script="Nkoo" typeface="Ebrima"/>
+        <a:font script="Olck" typeface="Nirmala UI"/>
+        <a:font script="Osma" typeface="Ebrima"/>
+        <a:font script="Phag" typeface="Phagspa"/>
+        <a:font script="Syrn" typeface="Estrangelo Edessa"/>
+        <a:font script="Syrj" typeface="Estrangelo Edessa"/>
+        <a:font script="Syre" typeface="Estrangelo Edessa"/>
+        <a:font script="Sora" typeface="Nirmala UI"/>
+        <a:font script="Tale" typeface="Microsoft Tai Le"/>
+        <a:font script="Talu" typeface="Microsoft New Tai Lue"/>
+        <a:font script="Tfng" typeface="Ebrima"/>
+      </a:majorFont>
+      <a:minorFont>
+        <a:latin typeface="Calibri" panose="020F0502020204030204"/>
+        <a:ea typeface=""/>
+        <a:cs typeface=""/>
+        <a:font script="Jpan" typeface="游ゴシック"/>
+        <a:font script="Hang" typeface="맑은 고딕"/>
+        <a:font script="Hans" typeface="等线"/>
+        <a:font script="Hant" typeface="新細明體"/>
+        <a:font script="Arab" typeface="Arial"/>
+        <a:font script="Hebr" typeface="Arial"/>
+        <a:font script="Thai" typeface="Cordia New"/>
+        <a:font script="Ethi" typeface="Nyala"/>
+        <a:font script="Beng" typeface="Vrinda"/>
+        <a:font script="Gujr" typeface="Shruti"/>
+        <a:font script="Khmr" typeface="DaunPenh"/>
+        <a:font script="Knda" typeface="Tunga"/>
+        <a:font script="Guru" typeface="Raavi"/>
+        <a:font script="Cans" typeface="Euphemia"/>
+        <a:font script="Cher" typeface="Plantagenet Cherokee"/>
+        <a:font script="Yiii" typeface="Microsoft Yi Baiti"/>
+        <a:font script="Tibt" typeface="Microsoft Himalaya"/>
+        <a:font script="Thaa" typeface="MV Boli"/>
+        <a:font script="Deva" typeface="Mangal"/>
+        <a:font script="Telu" typeface="Gautami"/>
+        <a:font script="Taml" typeface="Latha"/>
+        <a:font script="Syrc" typeface="Estrangelo Edessa"/>
+        <a:font script="Orya" typeface="Kalinga"/>
+        <a:font script="Mlym" typeface="Kartika"/>
+        <a:font script="Laoo" typeface="DokChampa"/>
+        <a:font script="Sinh" typeface="Iskoola Pota"/>
+        <a:font script="Mong" typeface="Mongolian Baiti"/>
+        <a:font script="Viet" typeface="Arial"/>
+        <a:font script="Uigh" typeface="Microsoft Uighur"/>
+        <a:font script="Geor" typeface="Sylfaen"/>
+        <a:font script="Armn" typeface="Arial"/>
+        <a:font script="Bugi" typeface="Leelawadee UI"/>
+        <a:font script="Bopo" typeface="Microsoft JhengHei"/>
+        <a:font script="Java" typeface="Javanese Text"/>
+        <a:font script="Lisu" typeface="Segoe UI"/>
+        <a:font script="Mymr" typeface="Myanmar Text"/>
+        <a:font script="Nkoo" typeface="Ebrima"/>
+        <a:font script="Olck" typeface="Nirmala UI"/>
+        <a:font script="Osma" typeface="Ebrima"/>
+        <a:font script="Phag" typeface="Phagspa"/>
+        <a:font script="Syrn" typeface="Estrangelo Edessa"/>
+        <a:font script="Syrj" typeface="Estrangelo Edessa"/>
+        <a:font script="Syre" typeface="Estrangelo Edessa"/>
+        <a:font script="Sora" typeface="Nirmala UI"/>
+        <a:font script="Tale" typeface="Microsoft Tai Le"/>
+        <a:font script="Talu" typeface="Microsoft New Tai Lue"/>
+        <a:font script="Tfng" typeface="Ebrima"/>
+      </a:minorFont>
+    </a:fontScheme>
+    <a:fmtScheme name="Office">
+      <a:fillStyleLst>
+        <a:solidFill>
+          <a:schemeClr val="phClr"/>
+        </a:solidFill>
+        <a:gradFill rotWithShape="1">
+          <a:gsLst>
+            <a:gs pos="0">
+              <a:schemeClr val="phClr">
+                <a:lumMod val="110000"/>
+                <a:satMod val="105000"/>
+                <a:tint val="67000"/>
+              </a:schemeClr>
+            </a:gs>
+            <a:gs pos="50000">
+              <a:schemeClr val="phClr">
+                <a:lumMod val="105000"/>
+                <a:satMod val="103000"/>
+                <a:tint val="73000"/>
+              </a:schemeClr>
+            </a:gs>
+            <a:gs pos="100000">
+              <a:schemeClr val="phClr">
+                <a:lumMod val="105000"/>
+                <a:satMod val="109000"/>
+                <a:tint val="81000"/>
+              </a:schemeClr>
+            </a:gs>
+          </a:gsLst>
+          <a:lin ang="5400000" scaled="0"/>
+        </a:gradFill>
+        <a:gradFill rotWithShape="1">
+          <a:gsLst>
+            <a:gs pos="0">
+              <a:schemeClr val="phClr">
+                <a:satMod val="103000"/>
+                <a:lumMod val="102000"/>
+                <a:tint val="94000"/>
+              </a:schemeClr>
+            </a:gs>
+            <a:gs pos="50000">
+              <a:schemeClr val="phClr">
+                <a:satMod val="110000"/>
+                <a:lumMod val="100000"/>
+                <a:shade val="100000"/>
+              </a:schemeClr>
+            </a:gs>
+            <a:gs pos="100000">
+              <a:schemeClr val="phClr">
+                <a:lumMod val="99000"/>
+                <a:satMod val="120000"/>
+                <a:shade val="78000"/>
+              </a:schemeClr>
+            </a:gs>
+          </a:gsLst>
+          <a:lin ang="5400000" scaled="0"/>
+        </a:gradFill>
+      </a:fillStyleLst>
+      <a:lnStyleLst>
+        <a:ln w="6350" cap="flat" cmpd="sng" algn="ctr">
+          <a:solidFill>
+            <a:schemeClr val="phClr"/>
+          </a:solidFill>
+          <a:prstDash val="solid"/>
+          <a:miter lim="800000"/>
+        </a:ln>
+        <a:ln w="12700" cap="flat" cmpd="sng" algn="ctr">
+          <a:solidFill>
+            <a:schemeClr val="phClr"/>
+          </a:solidFill>
+          <a:prstDash val="solid"/>
+          <a:miter lim="800000"/>
+        </a:ln>
+        <a:ln w="19050" cap="flat" cmpd="sng" algn="ctr">
+          <a:solidFill>
+            <a:schemeClr val="phClr"/>
+          </a:solidFill>
+          <a:prstDash val="solid"/>
+          <a:miter lim="800000"/>
+        </a:ln>
+      </a:lnStyleLst>
+      <a:effectStyleLst>
+        <a:effectStyle>
+          <a:effectLst/>
+        </a:effectStyle>
+        <a:effectStyle>
+          <a:effectLst/>
+        </a:effectStyle>
+        <a:effectStyle>
+          <a:effectLst>
+            <a:outerShdw blurRad="57150" dist="19050" dir="5400000" algn="ctr" rotWithShape="0">
+              <a:srgbClr val="000000">
+                <a:alpha val="63000"/>
+              </a:srgbClr>
+            </a:outerShdw>
+          </a:effectLst>
+        </a:effectStyle>
+      </a:effectStyleLst>
+      <a:bgFillStyleLst>
+        <a:solidFill>
+          <a:schemeClr val="phClr"/>
+        </a:solidFill>
+        <a:solidFill>
+          <a:schemeClr val="phClr">
+            <a:tint val="95000"/>
+            <a:satMod val="170000"/>
+          </a:schemeClr>
+        </a:solidFill>
+        <a:gradFill rotWithShape="1">
+          <a:gsLst>
+            <a:gs pos="0">
+              <a:schemeClr val="phClr">
+                <a:tint val="93000"/>
+                <a:satMod val="150000"/>
+                <a:shade val="98000"/>
+                <a:lumMod val="102000"/>
+              </a:schemeClr>
+            </a:gs>
+            <a:gs pos="50000">
+              <a:schemeClr val="phClr">
+                <a:tint val="98000"/>
+                <a:satMod val="130000"/>
+                <a:shade val="90000"/>
+                <a:lumMod val="103000"/>
+              </a:schemeClr>
+            </a:gs>
+            <a:gs pos="100000">
+              <a:schemeClr val="phClr">
+                <a:shade val="63000"/>
+                <a:satMod val="120000"/>
+              </a:schemeClr>
+            </a:gs>
+          </a:gsLst>
+          <a:lin ang="5400000" scaled="0"/>
+        </a:gradFill>
+      </a:bgFillStyleLst>
+    </a:fmtScheme>
+  </a:themeElements>
+  <a:objectDefaults/>
+  <a:extraClrSchemeLst/>
+  <a:extLst>
+    <a:ext uri="{05A4C25C-085E-4340-85A3-A5531E510DB2}">
+      <thm15:themeFamily xmlns:thm15="http://schemas.microsoft.com/office/thememl/2012/main" name="Office Theme" id="{62F939B6-93AF-4DB8-9C6B-D6C7DFDC589F}" vid="{4A3C46E8-61CC-4603-A589-7422A47A8E4A}"/>
+    </a:ext>
+  </a:extLst>
+</a:theme>
 </file>